--- a/trunk/lectures/10. ASP.NET – Part III.pptx
+++ b/trunk/lectures/10. ASP.NET – Part III.pptx
@@ -5,15 +5,61 @@
     <p:sldMasterId id="2147483672" r:id="rId1"/>
   </p:sldMasterIdLst>
   <p:notesMasterIdLst>
-    <p:notesMasterId r:id="rId5"/>
+    <p:notesMasterId r:id="rId51"/>
   </p:notesMasterIdLst>
   <p:handoutMasterIdLst>
-    <p:handoutMasterId r:id="rId6"/>
+    <p:handoutMasterId r:id="rId52"/>
   </p:handoutMasterIdLst>
   <p:sldIdLst>
     <p:sldId id="320" r:id="rId2"/>
     <p:sldId id="321" r:id="rId3"/>
-    <p:sldId id="325" r:id="rId4"/>
+    <p:sldId id="343" r:id="rId4"/>
+    <p:sldId id="326" r:id="rId5"/>
+    <p:sldId id="327" r:id="rId6"/>
+    <p:sldId id="329" r:id="rId7"/>
+    <p:sldId id="330" r:id="rId8"/>
+    <p:sldId id="332" r:id="rId9"/>
+    <p:sldId id="342" r:id="rId10"/>
+    <p:sldId id="331" r:id="rId11"/>
+    <p:sldId id="328" r:id="rId12"/>
+    <p:sldId id="340" r:id="rId13"/>
+    <p:sldId id="339" r:id="rId14"/>
+    <p:sldId id="341" r:id="rId15"/>
+    <p:sldId id="338" r:id="rId16"/>
+    <p:sldId id="344" r:id="rId17"/>
+    <p:sldId id="349" r:id="rId18"/>
+    <p:sldId id="350" r:id="rId19"/>
+    <p:sldId id="351" r:id="rId20"/>
+    <p:sldId id="345" r:id="rId21"/>
+    <p:sldId id="352" r:id="rId22"/>
+    <p:sldId id="346" r:id="rId23"/>
+    <p:sldId id="354" r:id="rId24"/>
+    <p:sldId id="347" r:id="rId25"/>
+    <p:sldId id="355" r:id="rId26"/>
+    <p:sldId id="357" r:id="rId27"/>
+    <p:sldId id="358" r:id="rId28"/>
+    <p:sldId id="359" r:id="rId29"/>
+    <p:sldId id="360" r:id="rId30"/>
+    <p:sldId id="362" r:id="rId31"/>
+    <p:sldId id="365" r:id="rId32"/>
+    <p:sldId id="367" r:id="rId33"/>
+    <p:sldId id="368" r:id="rId34"/>
+    <p:sldId id="369" r:id="rId35"/>
+    <p:sldId id="370" r:id="rId36"/>
+    <p:sldId id="371" r:id="rId37"/>
+    <p:sldId id="372" r:id="rId38"/>
+    <p:sldId id="373" r:id="rId39"/>
+    <p:sldId id="374" r:id="rId40"/>
+    <p:sldId id="375" r:id="rId41"/>
+    <p:sldId id="348" r:id="rId42"/>
+    <p:sldId id="337" r:id="rId43"/>
+    <p:sldId id="336" r:id="rId44"/>
+    <p:sldId id="335" r:id="rId45"/>
+    <p:sldId id="376" r:id="rId46"/>
+    <p:sldId id="334" r:id="rId47"/>
+    <p:sldId id="353" r:id="rId48"/>
+    <p:sldId id="325" r:id="rId49"/>
+    <p:sldId id="333" r:id="rId50"/>
   </p:sldIdLst>
   <p:sldSz cx="9144000" cy="6858000" type="screen4x3"/>
   <p:notesSz cx="6881813" cy="9296400"/>
@@ -260,7 +306,7 @@
             <a:fld id="{3BF7C7B5-275F-4D1F-9AB4-9255447DBC73}" type="datetimeFigureOut">
               <a:rPr lang="en-US"/>
               <a:pPr/>
-              <a:t>1/14/2010</a:t>
+              <a:t>4/26/2010</a:t>
             </a:fld>
             <a:endParaRPr lang="en-US" dirty="0"/>
           </a:p>
@@ -486,7 +532,7 @@
             <a:fld id="{9B46F231-FB2B-4655-A644-E2477325E686}" type="datetimeFigureOut">
               <a:rPr lang="en-US"/>
               <a:pPr/>
-              <a:t>1/14/2010</a:t>
+              <a:t>4/26/2010</a:t>
             </a:fld>
             <a:endParaRPr lang="en-US" dirty="0"/>
           </a:p>
@@ -822,6 +868,92 @@
     </a:lvl9pPr>
   </p:notesStyle>
 </p:notesMaster>
+</file>
+
+<file path=ppt/notesSlides/notesSlide1.xml><?xml version="1.0" encoding="utf-8"?>
+<p:notes xmlns:a="http://schemas.openxmlformats.org/drawingml/2006/main" xmlns:r="http://schemas.openxmlformats.org/officeDocument/2006/relationships" xmlns:p="http://schemas.openxmlformats.org/presentationml/2006/main">
+  <p:cSld>
+    <p:spTree>
+      <p:nvGrpSpPr>
+        <p:cNvPr id="1" name=""/>
+        <p:cNvGrpSpPr/>
+        <p:nvPr/>
+      </p:nvGrpSpPr>
+      <p:grpSpPr>
+        <a:xfrm>
+          <a:off x="0" y="0"/>
+          <a:ext cx="0" cy="0"/>
+          <a:chOff x="0" y="0"/>
+          <a:chExt cx="0" cy="0"/>
+        </a:xfrm>
+      </p:grpSpPr>
+      <p:sp>
+        <p:nvSpPr>
+          <p:cNvPr id="2" name="Slide Image Placeholder 1"/>
+          <p:cNvSpPr>
+            <a:spLocks noGrp="1" noRot="1" noChangeAspect="1"/>
+          </p:cNvSpPr>
+          <p:nvPr>
+            <p:ph type="sldImg"/>
+          </p:nvPr>
+        </p:nvSpPr>
+        <p:spPr/>
+      </p:sp>
+      <p:sp>
+        <p:nvSpPr>
+          <p:cNvPr id="3" name="Notes Placeholder 2"/>
+          <p:cNvSpPr>
+            <a:spLocks noGrp="1"/>
+          </p:cNvSpPr>
+          <p:nvPr>
+            <p:ph type="body" idx="1"/>
+          </p:nvPr>
+        </p:nvSpPr>
+        <p:spPr/>
+        <p:txBody>
+          <a:bodyPr>
+            <a:normAutofit/>
+          </a:bodyPr>
+          <a:lstStyle/>
+          <a:p>
+            <a:r>
+              <a:rPr lang="en-US" dirty="0" smtClean="0"/>
+              <a:t>C:\Users\Black\AppData\Roaming\Microsoft\Windows\Cookies</a:t>
+            </a:r>
+            <a:endParaRPr lang="en-US" dirty="0"/>
+          </a:p>
+        </p:txBody>
+      </p:sp>
+      <p:sp>
+        <p:nvSpPr>
+          <p:cNvPr id="4" name="Slide Number Placeholder 3"/>
+          <p:cNvSpPr>
+            <a:spLocks noGrp="1"/>
+          </p:cNvSpPr>
+          <p:nvPr>
+            <p:ph type="sldNum" sz="quarter" idx="10"/>
+          </p:nvPr>
+        </p:nvSpPr>
+        <p:spPr/>
+        <p:txBody>
+          <a:bodyPr/>
+          <a:lstStyle/>
+          <a:p>
+            <a:fld id="{6FB4F6EA-423E-42DF-9292-215E7D886C4E}" type="slidenum">
+              <a:rPr lang="en-US" smtClean="0"/>
+              <a:pPr/>
+              <a:t>6</a:t>
+            </a:fld>
+            <a:endParaRPr lang="en-US" dirty="0"/>
+          </a:p>
+        </p:txBody>
+      </p:sp>
+    </p:spTree>
+  </p:cSld>
+  <p:clrMapOvr>
+    <a:masterClrMapping/>
+  </p:clrMapOvr>
+</p:notes>
 </file>
 
 <file path=ppt/slideLayouts/slideLayout1.xml><?xml version="1.0" encoding="utf-8"?>
@@ -3675,8 +3807,8 @@
         </p:nvSpPr>
         <p:spPr>
           <a:xfrm>
-            <a:off x="457200" y="5224046"/>
-            <a:ext cx="3352800" cy="954107"/>
+            <a:off x="457200" y="4953000"/>
+            <a:ext cx="3352800" cy="1524000"/>
           </a:xfrm>
         </p:spPr>
         <p:txBody>
@@ -3684,9 +3816,17 @@
           <a:lstStyle/>
           <a:p>
             <a:r>
-              <a:rPr lang="en-US" dirty="0"/>
-              <a:t>Svetlin Nakov</a:t>
-            </a:r>
+              <a:rPr lang="en-US" dirty="0" err="1" smtClean="0"/>
+              <a:t>Branislav</a:t>
+            </a:r>
+            <a:r>
+              <a:t> </a:t>
+            </a:r>
+            <a:r>
+              <a:rPr lang="en-US" dirty="0" err="1" smtClean="0"/>
+              <a:t>Abadjimarinov</a:t>
+            </a:r>
+            <a:endParaRPr lang="en-US" dirty="0"/>
           </a:p>
           <a:p>
             <a:endParaRPr lang="en-US" dirty="0"/>
@@ -3705,8 +3845,8 @@
         </p:nvSpPr>
         <p:spPr>
           <a:xfrm>
-            <a:off x="457200" y="5757446"/>
-            <a:ext cx="2090957" cy="646331"/>
+            <a:off x="457200" y="5833646"/>
+            <a:ext cx="3516027" cy="646331"/>
           </a:xfrm>
         </p:spPr>
         <p:txBody>
@@ -3714,9 +3854,10 @@
           <a:lstStyle/>
           <a:p>
             <a:r>
-              <a:rPr lang="en-US" dirty="0"/>
-              <a:t>Telerik Corporation</a:t>
-            </a:r>
+              <a:rPr lang="en-US" dirty="0" smtClean="0"/>
+              <a:t>MCT, MCTS, MCPD, MTS VMware</a:t>
+            </a:r>
+            <a:endParaRPr lang="en-US" dirty="0"/>
           </a:p>
           <a:p>
             <a:endParaRPr lang="en-US" dirty="0"/>
@@ -3735,8 +3876,8 @@
         </p:nvSpPr>
         <p:spPr>
           <a:xfrm>
-            <a:off x="457200" y="6062246"/>
-            <a:ext cx="1707903" cy="338554"/>
+            <a:off x="457200" y="6230779"/>
+            <a:ext cx="2743200" cy="551021"/>
           </a:xfrm>
         </p:spPr>
         <p:txBody>
@@ -3747,8 +3888,1958 @@
               <a:rPr lang="en-US" dirty="0" smtClean="0">
                 <a:hlinkClick r:id="rId2"/>
               </a:rPr>
-              <a:t>www.telerik.com</a:t>
-            </a:r>
+              <a:t>www.abadjimarinov.net</a:t>
+            </a:r>
+            <a:endParaRPr lang="en-US" dirty="0"/>
+          </a:p>
+        </p:txBody>
+      </p:sp>
+    </p:spTree>
+  </p:cSld>
+  <p:clrMapOvr>
+    <a:masterClrMapping/>
+  </p:clrMapOvr>
+  <p:timing>
+    <p:tnLst>
+      <p:par>
+        <p:cTn id="1" dur="indefinite" restart="never" nodeType="tmRoot"/>
+      </p:par>
+    </p:tnLst>
+  </p:timing>
+</p:sld>
+</file>
+
+<file path=ppt/slides/slide10.xml><?xml version="1.0" encoding="utf-8"?>
+<p:sld xmlns:a="http://schemas.openxmlformats.org/drawingml/2006/main" xmlns:r="http://schemas.openxmlformats.org/officeDocument/2006/relationships" xmlns:p="http://schemas.openxmlformats.org/presentationml/2006/main">
+  <p:cSld>
+    <p:spTree>
+      <p:nvGrpSpPr>
+        <p:cNvPr id="1" name=""/>
+        <p:cNvGrpSpPr/>
+        <p:nvPr/>
+      </p:nvGrpSpPr>
+      <p:grpSpPr>
+        <a:xfrm>
+          <a:off x="0" y="0"/>
+          <a:ext cx="0" cy="0"/>
+          <a:chOff x="0" y="0"/>
+          <a:chExt cx="0" cy="0"/>
+        </a:xfrm>
+      </p:grpSpPr>
+      <p:sp>
+        <p:nvSpPr>
+          <p:cNvPr id="2" name="Title 1"/>
+          <p:cNvSpPr>
+            <a:spLocks noGrp="1"/>
+          </p:cNvSpPr>
+          <p:nvPr>
+            <p:ph type="title"/>
+          </p:nvPr>
+        </p:nvSpPr>
+        <p:spPr/>
+        <p:txBody>
+          <a:bodyPr/>
+          <a:lstStyle/>
+          <a:p>
+            <a:r>
+              <a:rPr lang="en-US" dirty="0" smtClean="0"/>
+              <a:t>Control state</a:t>
+            </a:r>
+            <a:endParaRPr lang="en-US" dirty="0"/>
+          </a:p>
+        </p:txBody>
+      </p:sp>
+      <p:sp>
+        <p:nvSpPr>
+          <p:cNvPr id="3" name="Content Placeholder 2"/>
+          <p:cNvSpPr>
+            <a:spLocks noGrp="1"/>
+          </p:cNvSpPr>
+          <p:nvPr>
+            <p:ph idx="1"/>
+          </p:nvPr>
+        </p:nvSpPr>
+        <p:spPr/>
+        <p:txBody>
+          <a:bodyPr/>
+          <a:lstStyle/>
+          <a:p>
+            <a:r>
+              <a:rPr lang="en-US" dirty="0" smtClean="0"/>
+              <a:t>Store control-state data in order for a control to work properly</a:t>
+            </a:r>
+          </a:p>
+          <a:p>
+            <a:r>
+              <a:rPr lang="en-US" dirty="0" smtClean="0"/>
+              <a:t>Works the same way as view state</a:t>
+            </a:r>
+          </a:p>
+          <a:p>
+            <a:r>
+              <a:rPr lang="en-US" dirty="0" smtClean="0"/>
+              <a:t>Cannot be turned off</a:t>
+            </a:r>
+            <a:endParaRPr lang="en-US" dirty="0"/>
+          </a:p>
+        </p:txBody>
+      </p:sp>
+      <p:sp>
+        <p:nvSpPr>
+          <p:cNvPr id="4" name="Slide Number Placeholder 3"/>
+          <p:cNvSpPr>
+            <a:spLocks noGrp="1"/>
+          </p:cNvSpPr>
+          <p:nvPr>
+            <p:ph type="sldNum" sz="quarter" idx="10"/>
+          </p:nvPr>
+        </p:nvSpPr>
+        <p:spPr/>
+        <p:txBody>
+          <a:bodyPr/>
+          <a:lstStyle/>
+          <a:p>
+            <a:pPr>
+              <a:defRPr/>
+            </a:pPr>
+            <a:fld id="{58452FF4-89E3-4D1B-9927-2DBDC00E58D7}" type="slidenum">
+              <a:rPr lang="en-US" smtClean="0"/>
+              <a:pPr>
+                <a:defRPr/>
+              </a:pPr>
+              <a:t>10</a:t>
+            </a:fld>
+            <a:endParaRPr lang="en-US" dirty="0"/>
+          </a:p>
+        </p:txBody>
+      </p:sp>
+    </p:spTree>
+  </p:cSld>
+  <p:clrMapOvr>
+    <a:masterClrMapping/>
+  </p:clrMapOvr>
+  <p:timing>
+    <p:tnLst>
+      <p:par>
+        <p:cTn id="1" dur="indefinite" restart="never" nodeType="tmRoot"/>
+      </p:par>
+    </p:tnLst>
+  </p:timing>
+</p:sld>
+</file>
+
+<file path=ppt/slides/slide11.xml><?xml version="1.0" encoding="utf-8"?>
+<p:sld xmlns:a="http://schemas.openxmlformats.org/drawingml/2006/main" xmlns:r="http://schemas.openxmlformats.org/officeDocument/2006/relationships" xmlns:p="http://schemas.openxmlformats.org/presentationml/2006/main">
+  <p:cSld>
+    <p:spTree>
+      <p:nvGrpSpPr>
+        <p:cNvPr id="1" name=""/>
+        <p:cNvGrpSpPr/>
+        <p:nvPr/>
+      </p:nvGrpSpPr>
+      <p:grpSpPr>
+        <a:xfrm>
+          <a:off x="0" y="0"/>
+          <a:ext cx="0" cy="0"/>
+          <a:chOff x="0" y="0"/>
+          <a:chExt cx="0" cy="0"/>
+        </a:xfrm>
+      </p:grpSpPr>
+      <p:sp>
+        <p:nvSpPr>
+          <p:cNvPr id="2" name="Title 1"/>
+          <p:cNvSpPr>
+            <a:spLocks noGrp="1"/>
+          </p:cNvSpPr>
+          <p:nvPr>
+            <p:ph type="title"/>
+          </p:nvPr>
+        </p:nvSpPr>
+        <p:spPr/>
+        <p:txBody>
+          <a:bodyPr/>
+          <a:lstStyle/>
+          <a:p>
+            <a:r>
+              <a:rPr lang="en-US" dirty="0" smtClean="0"/>
+              <a:t>Query strings</a:t>
+            </a:r>
+          </a:p>
+        </p:txBody>
+      </p:sp>
+      <p:sp>
+        <p:nvSpPr>
+          <p:cNvPr id="3" name="Content Placeholder 2"/>
+          <p:cNvSpPr>
+            <a:spLocks noGrp="1"/>
+          </p:cNvSpPr>
+          <p:nvPr>
+            <p:ph idx="1"/>
+          </p:nvPr>
+        </p:nvSpPr>
+        <p:spPr/>
+        <p:txBody>
+          <a:bodyPr/>
+          <a:lstStyle/>
+          <a:p>
+            <a:r>
+              <a:rPr lang="en-US" dirty="0" smtClean="0"/>
+              <a:t>Parameters passed as part of the </a:t>
+            </a:r>
+            <a:r>
+              <a:rPr lang="en-US" dirty="0" err="1" smtClean="0"/>
+              <a:t>url</a:t>
+            </a:r>
+            <a:endParaRPr lang="en-US" dirty="0" smtClean="0"/>
+          </a:p>
+          <a:p>
+            <a:r>
+              <a:rPr lang="en-US" dirty="0" smtClean="0"/>
+              <a:t>Key value pairs</a:t>
+            </a:r>
+          </a:p>
+          <a:p>
+            <a:r>
+              <a:rPr lang="en-US" dirty="0" smtClean="0"/>
+              <a:t>Separated by "&amp;" sign</a:t>
+            </a:r>
+          </a:p>
+          <a:p>
+            <a:r>
+              <a:rPr lang="en-US" dirty="0" smtClean="0"/>
+              <a:t>The query string starts after the "?" sign</a:t>
+            </a:r>
+          </a:p>
+          <a:p>
+            <a:endParaRPr lang="en-US" dirty="0" smtClean="0"/>
+          </a:p>
+          <a:p>
+            <a:endParaRPr lang="en-US" dirty="0" smtClean="0"/>
+          </a:p>
+          <a:p>
+            <a:r>
+              <a:rPr lang="en-US" dirty="0" smtClean="0"/>
+              <a:t>Can be easily changed by the user</a:t>
+            </a:r>
+          </a:p>
+          <a:p>
+            <a:r>
+              <a:rPr lang="en-US" dirty="0" err="1" smtClean="0"/>
+              <a:t>HttpUtilty.UrlEncode</a:t>
+            </a:r>
+            <a:r>
+              <a:rPr lang="en-US" dirty="0" smtClean="0"/>
+              <a:t>, </a:t>
+            </a:r>
+            <a:r>
+              <a:rPr lang="en-US" dirty="0" err="1" smtClean="0"/>
+              <a:t>HttpUtilty.UrlDecode</a:t>
+            </a:r>
+            <a:endParaRPr lang="en-US" dirty="0"/>
+          </a:p>
+        </p:txBody>
+      </p:sp>
+      <p:sp>
+        <p:nvSpPr>
+          <p:cNvPr id="4" name="Slide Number Placeholder 3"/>
+          <p:cNvSpPr>
+            <a:spLocks noGrp="1"/>
+          </p:cNvSpPr>
+          <p:nvPr>
+            <p:ph type="sldNum" sz="quarter" idx="10"/>
+          </p:nvPr>
+        </p:nvSpPr>
+        <p:spPr/>
+        <p:txBody>
+          <a:bodyPr/>
+          <a:lstStyle/>
+          <a:p>
+            <a:pPr>
+              <a:defRPr/>
+            </a:pPr>
+            <a:fld id="{58452FF4-89E3-4D1B-9927-2DBDC00E58D7}" type="slidenum">
+              <a:rPr lang="en-US" smtClean="0"/>
+              <a:pPr>
+                <a:defRPr/>
+              </a:pPr>
+              <a:t>11</a:t>
+            </a:fld>
+            <a:endParaRPr lang="en-US" dirty="0"/>
+          </a:p>
+        </p:txBody>
+      </p:sp>
+      <p:sp>
+        <p:nvSpPr>
+          <p:cNvPr id="5" name="Rectangle 5"/>
+          <p:cNvSpPr>
+            <a:spLocks noChangeArrowheads="1"/>
+          </p:cNvSpPr>
+          <p:nvPr/>
+        </p:nvSpPr>
+        <p:spPr bwMode="auto">
+          <a:xfrm>
+            <a:off x="685800" y="3657600"/>
+            <a:ext cx="7488237" cy="510909"/>
+          </a:xfrm>
+          <a:prstGeom prst="rect">
+            <a:avLst/>
+          </a:prstGeom>
+          <a:solidFill>
+            <a:schemeClr val="bg1">
+              <a:alpha val="39999"/>
+            </a:schemeClr>
+          </a:solidFill>
+          <a:ln w="3175" algn="ctr">
+            <a:solidFill>
+              <a:schemeClr val="hlink"/>
+            </a:solidFill>
+            <a:miter lim="800000"/>
+            <a:headEnd/>
+            <a:tailEnd/>
+          </a:ln>
+          <a:effectLst/>
+        </p:spPr>
+        <p:txBody>
+          <a:bodyPr lIns="144000" tIns="91440" rIns="144000" bIns="109728">
+            <a:spAutoFit/>
+          </a:bodyPr>
+          <a:lstStyle/>
+          <a:p>
+            <a:pPr>
+              <a:lnSpc>
+                <a:spcPct val="100000"/>
+              </a:lnSpc>
+            </a:pPr>
+            <a:r>
+              <a:rPr lang="en-US" sz="2000" b="1" noProof="1">
+                <a:solidFill>
+                  <a:srgbClr val="0000FF"/>
+                </a:solidFill>
+                <a:effectLst/>
+                <a:latin typeface="Courier New" pitchFamily="49" charset="0"/>
+                <a:hlinkClick r:id="rId2"/>
+              </a:rPr>
+              <a:t>http</a:t>
+            </a:r>
+            <a:r>
+              <a:rPr lang="en-US" sz="2000" b="1" noProof="1" smtClean="0">
+                <a:solidFill>
+                  <a:srgbClr val="0000FF"/>
+                </a:solidFill>
+                <a:effectLst/>
+                <a:latin typeface="Courier New" pitchFamily="49" charset="0"/>
+                <a:hlinkClick r:id="rId2"/>
+              </a:rPr>
+              <a:t>://test.net/list.aspx?listid=6</a:t>
+            </a:r>
+            <a:r>
+              <a:rPr lang="bg-BG" sz="2000" b="1" dirty="0">
+                <a:solidFill>
+                  <a:srgbClr val="0000FF"/>
+                </a:solidFill>
+                <a:effectLst/>
+                <a:latin typeface="Courier New" pitchFamily="49" charset="0"/>
+                <a:hlinkClick r:id="rId2"/>
+              </a:rPr>
+              <a:t>1</a:t>
+            </a:r>
+            <a:r>
+              <a:rPr lang="bg-BG" sz="2000" b="1" dirty="0">
+                <a:solidFill>
+                  <a:srgbClr val="0000FF"/>
+                </a:solidFill>
+                <a:effectLst/>
+                <a:latin typeface="Courier New" pitchFamily="49" charset="0"/>
+              </a:rPr>
+              <a:t> </a:t>
+            </a:r>
+            <a:endParaRPr lang="en-US" sz="2000" b="1" dirty="0">
+              <a:solidFill>
+                <a:srgbClr val="0000FF"/>
+              </a:solidFill>
+              <a:effectLst>
+                <a:outerShdw blurRad="38100" dist="38100" dir="2700000" algn="tl">
+                  <a:srgbClr val="000000"/>
+                </a:outerShdw>
+              </a:effectLst>
+            </a:endParaRPr>
+          </a:p>
+        </p:txBody>
+      </p:sp>
+      <p:sp>
+        <p:nvSpPr>
+          <p:cNvPr id="6" name="Rectangle 6"/>
+          <p:cNvSpPr>
+            <a:spLocks noChangeArrowheads="1"/>
+          </p:cNvSpPr>
+          <p:nvPr/>
+        </p:nvSpPr>
+        <p:spPr bwMode="auto">
+          <a:xfrm>
+            <a:off x="685800" y="4376737"/>
+            <a:ext cx="7488237" cy="480131"/>
+          </a:xfrm>
+          <a:prstGeom prst="rect">
+            <a:avLst/>
+          </a:prstGeom>
+          <a:solidFill>
+            <a:schemeClr val="bg1">
+              <a:alpha val="39999"/>
+            </a:schemeClr>
+          </a:solidFill>
+          <a:ln w="3175" algn="ctr">
+            <a:solidFill>
+              <a:schemeClr val="hlink"/>
+            </a:solidFill>
+            <a:miter lim="800000"/>
+            <a:headEnd/>
+            <a:tailEnd/>
+          </a:ln>
+          <a:effectLst/>
+        </p:spPr>
+        <p:txBody>
+          <a:bodyPr lIns="144000" tIns="91440" rIns="144000" bIns="109728">
+            <a:spAutoFit/>
+          </a:bodyPr>
+          <a:lstStyle/>
+          <a:p>
+            <a:r>
+              <a:rPr lang="en-US" sz="1800" b="1" noProof="1">
+                <a:solidFill>
+                  <a:srgbClr val="0000FF"/>
+                </a:solidFill>
+                <a:latin typeface="Courier New" pitchFamily="49" charset="0"/>
+                <a:cs typeface="Courier New" pitchFamily="49" charset="0"/>
+              </a:rPr>
+              <a:t>string</a:t>
+            </a:r>
+            <a:r>
+              <a:rPr lang="en-US" sz="1800" b="1" noProof="1">
+                <a:latin typeface="Courier New" pitchFamily="49" charset="0"/>
+                <a:cs typeface="Courier New" pitchFamily="49" charset="0"/>
+              </a:rPr>
+              <a:t> </a:t>
+            </a:r>
+            <a:r>
+              <a:rPr lang="en-US" sz="1800" b="1" noProof="1" smtClean="0">
+                <a:latin typeface="Courier New" pitchFamily="49" charset="0"/>
+                <a:cs typeface="Courier New" pitchFamily="49" charset="0"/>
+              </a:rPr>
+              <a:t>listID = Request.QueryString[</a:t>
+            </a:r>
+            <a:r>
+              <a:rPr lang="en-US" sz="1800" b="1" noProof="1" smtClean="0">
+                <a:solidFill>
+                  <a:srgbClr val="800000"/>
+                </a:solidFill>
+                <a:latin typeface="Courier New" pitchFamily="49" charset="0"/>
+                <a:cs typeface="Courier New" pitchFamily="49" charset="0"/>
+              </a:rPr>
+              <a:t>"listid"</a:t>
+            </a:r>
+            <a:r>
+              <a:rPr lang="en-US" sz="1800" b="1" noProof="1" smtClean="0">
+                <a:latin typeface="Courier New" pitchFamily="49" charset="0"/>
+                <a:cs typeface="Courier New" pitchFamily="49" charset="0"/>
+              </a:rPr>
+              <a:t>];</a:t>
+            </a:r>
+            <a:endParaRPr lang="en-US" sz="1800" b="1" noProof="1">
+              <a:latin typeface="Courier New" pitchFamily="49" charset="0"/>
+              <a:cs typeface="Courier New" pitchFamily="49" charset="0"/>
+            </a:endParaRPr>
+          </a:p>
+        </p:txBody>
+      </p:sp>
+    </p:spTree>
+  </p:cSld>
+  <p:clrMapOvr>
+    <a:masterClrMapping/>
+  </p:clrMapOvr>
+  <p:timing>
+    <p:tnLst>
+      <p:par>
+        <p:cTn id="1" dur="indefinite" restart="never" nodeType="tmRoot"/>
+      </p:par>
+    </p:tnLst>
+  </p:timing>
+</p:sld>
+</file>
+
+<file path=ppt/slides/slide12.xml><?xml version="1.0" encoding="utf-8"?>
+<p:sld xmlns:a="http://schemas.openxmlformats.org/drawingml/2006/main" xmlns:r="http://schemas.openxmlformats.org/officeDocument/2006/relationships" xmlns:p="http://schemas.openxmlformats.org/presentationml/2006/main">
+  <p:cSld>
+    <p:spTree>
+      <p:nvGrpSpPr>
+        <p:cNvPr id="1" name=""/>
+        <p:cNvGrpSpPr/>
+        <p:nvPr/>
+      </p:nvGrpSpPr>
+      <p:grpSpPr>
+        <a:xfrm>
+          <a:off x="0" y="0"/>
+          <a:ext cx="0" cy="0"/>
+          <a:chOff x="0" y="0"/>
+          <a:chExt cx="0" cy="0"/>
+        </a:xfrm>
+      </p:grpSpPr>
+      <p:sp>
+        <p:nvSpPr>
+          <p:cNvPr id="2" name="Title 1"/>
+          <p:cNvSpPr>
+            <a:spLocks noGrp="1"/>
+          </p:cNvSpPr>
+          <p:nvPr>
+            <p:ph type="title"/>
+          </p:nvPr>
+        </p:nvSpPr>
+        <p:spPr/>
+        <p:txBody>
+          <a:bodyPr/>
+          <a:lstStyle/>
+          <a:p>
+            <a:r>
+              <a:rPr lang="en-US" dirty="0" smtClean="0"/>
+              <a:t>Application state</a:t>
+            </a:r>
+            <a:endParaRPr lang="en-US" dirty="0"/>
+          </a:p>
+        </p:txBody>
+      </p:sp>
+      <p:sp>
+        <p:nvSpPr>
+          <p:cNvPr id="3" name="Content Placeholder 2"/>
+          <p:cNvSpPr>
+            <a:spLocks noGrp="1"/>
+          </p:cNvSpPr>
+          <p:nvPr>
+            <p:ph idx="1"/>
+          </p:nvPr>
+        </p:nvSpPr>
+        <p:spPr/>
+        <p:txBody>
+          <a:bodyPr/>
+          <a:lstStyle/>
+          <a:p>
+            <a:r>
+              <a:rPr lang="en-US" dirty="0" smtClean="0"/>
+              <a:t>Dictionary for keeping information</a:t>
+            </a:r>
+          </a:p>
+          <a:p>
+            <a:r>
+              <a:rPr lang="en-US" dirty="0" smtClean="0"/>
+              <a:t>Persisted on the server</a:t>
+            </a:r>
+          </a:p>
+          <a:p>
+            <a:r>
+              <a:rPr lang="en-US" dirty="0" smtClean="0"/>
+              <a:t>One dictionary per application</a:t>
+            </a:r>
+          </a:p>
+          <a:p>
+            <a:pPr lvl="1"/>
+            <a:r>
+              <a:rPr lang="en-US" dirty="0" smtClean="0"/>
+              <a:t>The same for all users</a:t>
+            </a:r>
+          </a:p>
+          <a:p>
+            <a:pPr lvl="1"/>
+            <a:r>
+              <a:rPr lang="en-US" dirty="0" smtClean="0"/>
+              <a:t>Require synchronized access</a:t>
+            </a:r>
+          </a:p>
+          <a:p>
+            <a:endParaRPr lang="en-US" dirty="0"/>
+          </a:p>
+        </p:txBody>
+      </p:sp>
+      <p:sp>
+        <p:nvSpPr>
+          <p:cNvPr id="4" name="Slide Number Placeholder 3"/>
+          <p:cNvSpPr>
+            <a:spLocks noGrp="1"/>
+          </p:cNvSpPr>
+          <p:nvPr>
+            <p:ph type="sldNum" sz="quarter" idx="10"/>
+          </p:nvPr>
+        </p:nvSpPr>
+        <p:spPr/>
+        <p:txBody>
+          <a:bodyPr/>
+          <a:lstStyle/>
+          <a:p>
+            <a:pPr>
+              <a:defRPr/>
+            </a:pPr>
+            <a:fld id="{58452FF4-89E3-4D1B-9927-2DBDC00E58D7}" type="slidenum">
+              <a:rPr lang="en-US" smtClean="0"/>
+              <a:pPr>
+                <a:defRPr/>
+              </a:pPr>
+              <a:t>12</a:t>
+            </a:fld>
+            <a:endParaRPr lang="en-US" dirty="0"/>
+          </a:p>
+        </p:txBody>
+      </p:sp>
+      <p:sp>
+        <p:nvSpPr>
+          <p:cNvPr id="5" name="Rectangle 7"/>
+          <p:cNvSpPr>
+            <a:spLocks noChangeArrowheads="1"/>
+          </p:cNvSpPr>
+          <p:nvPr/>
+        </p:nvSpPr>
+        <p:spPr bwMode="auto">
+          <a:xfrm>
+            <a:off x="533400" y="4450782"/>
+            <a:ext cx="7620000" cy="1188018"/>
+          </a:xfrm>
+          <a:prstGeom prst="rect">
+            <a:avLst/>
+          </a:prstGeom>
+          <a:solidFill>
+            <a:schemeClr val="bg1">
+              <a:alpha val="39999"/>
+            </a:schemeClr>
+          </a:solidFill>
+          <a:ln w="3175" algn="ctr">
+            <a:solidFill>
+              <a:schemeClr val="hlink"/>
+            </a:solidFill>
+            <a:miter lim="800000"/>
+            <a:headEnd/>
+            <a:tailEnd/>
+          </a:ln>
+          <a:effectLst/>
+        </p:spPr>
+        <p:txBody>
+          <a:bodyPr wrap="square" lIns="144000" tIns="91440" rIns="144000" bIns="109728">
+            <a:spAutoFit/>
+          </a:bodyPr>
+          <a:lstStyle/>
+          <a:p>
+            <a:pPr>
+              <a:lnSpc>
+                <a:spcPct val="100000"/>
+              </a:lnSpc>
+            </a:pPr>
+            <a:r>
+              <a:rPr lang="en-US" sz="1600" b="1" dirty="0" err="1">
+                <a:latin typeface="Courier New" pitchFamily="49" charset="0"/>
+                <a:cs typeface="Courier New" pitchFamily="49" charset="0"/>
+              </a:rPr>
+              <a:t>Application.Lock</a:t>
+            </a:r>
+            <a:r>
+              <a:rPr lang="en-US" sz="1600" b="1" dirty="0">
+                <a:latin typeface="Courier New" pitchFamily="49" charset="0"/>
+                <a:cs typeface="Courier New" pitchFamily="49" charset="0"/>
+              </a:rPr>
+              <a:t>();</a:t>
+            </a:r>
+          </a:p>
+          <a:p>
+            <a:pPr>
+              <a:lnSpc>
+                <a:spcPct val="100000"/>
+              </a:lnSpc>
+            </a:pPr>
+            <a:r>
+              <a:rPr lang="en-US" sz="1600" b="1" dirty="0">
+                <a:latin typeface="Courier New" pitchFamily="49" charset="0"/>
+                <a:cs typeface="Courier New" pitchFamily="49" charset="0"/>
+              </a:rPr>
+              <a:t>Application</a:t>
+            </a:r>
+            <a:r>
+              <a:rPr lang="en-US" sz="1600" b="1" dirty="0" smtClean="0">
+                <a:latin typeface="Courier New" pitchFamily="49" charset="0"/>
+                <a:cs typeface="Courier New" pitchFamily="49" charset="0"/>
+              </a:rPr>
+              <a:t>[</a:t>
+            </a:r>
+            <a:r>
+              <a:rPr lang="en-US" sz="1600" b="1" dirty="0" smtClean="0">
+                <a:solidFill>
+                  <a:srgbClr val="800000"/>
+                </a:solidFill>
+                <a:latin typeface="Courier New" pitchFamily="49" charset="0"/>
+                <a:cs typeface="Courier New" pitchFamily="49" charset="0"/>
+              </a:rPr>
+              <a:t>"</a:t>
+            </a:r>
+            <a:r>
+              <a:rPr lang="en-US" sz="1600" b="1" dirty="0" err="1" smtClean="0">
+                <a:solidFill>
+                  <a:srgbClr val="800000"/>
+                </a:solidFill>
+                <a:latin typeface="Courier New" pitchFamily="49" charset="0"/>
+                <a:cs typeface="Courier New" pitchFamily="49" charset="0"/>
+              </a:rPr>
+              <a:t>LoggedInUsers</a:t>
+            </a:r>
+            <a:r>
+              <a:rPr lang="en-US" sz="1600" b="1" dirty="0">
+                <a:solidFill>
+                  <a:srgbClr val="800000"/>
+                </a:solidFill>
+                <a:latin typeface="Courier New" pitchFamily="49" charset="0"/>
+                <a:cs typeface="Courier New" pitchFamily="49" charset="0"/>
+              </a:rPr>
+              <a:t>"</a:t>
+            </a:r>
+            <a:r>
+              <a:rPr lang="en-US" sz="1600" b="1" dirty="0">
+                <a:latin typeface="Courier New" pitchFamily="49" charset="0"/>
+                <a:cs typeface="Courier New" pitchFamily="49" charset="0"/>
+              </a:rPr>
+              <a:t>] = </a:t>
+            </a:r>
+            <a:endParaRPr lang="en-US" sz="1600" b="1" dirty="0" smtClean="0">
+              <a:latin typeface="Courier New" pitchFamily="49" charset="0"/>
+              <a:cs typeface="Courier New" pitchFamily="49" charset="0"/>
+            </a:endParaRPr>
+          </a:p>
+          <a:p>
+            <a:pPr>
+              <a:lnSpc>
+                <a:spcPct val="100000"/>
+              </a:lnSpc>
+            </a:pPr>
+            <a:r>
+              <a:rPr lang="en-US" sz="1600" b="1" dirty="0" smtClean="0">
+                <a:latin typeface="Courier New" pitchFamily="49" charset="0"/>
+                <a:cs typeface="Courier New" pitchFamily="49" charset="0"/>
+              </a:rPr>
+              <a:t>	(</a:t>
+            </a:r>
+            <a:r>
+              <a:rPr lang="en-US" sz="1600" b="1" dirty="0" err="1">
+                <a:solidFill>
+                  <a:srgbClr val="0000FF"/>
+                </a:solidFill>
+                <a:latin typeface="Courier New" pitchFamily="49" charset="0"/>
+                <a:cs typeface="Courier New" pitchFamily="49" charset="0"/>
+              </a:rPr>
+              <a:t>int</a:t>
+            </a:r>
+            <a:r>
+              <a:rPr lang="en-US" sz="1600" b="1" dirty="0">
+                <a:latin typeface="Courier New" pitchFamily="49" charset="0"/>
+                <a:cs typeface="Courier New" pitchFamily="49" charset="0"/>
+              </a:rPr>
+              <a:t>) Application</a:t>
+            </a:r>
+            <a:r>
+              <a:rPr lang="en-US" sz="1600" b="1" dirty="0" smtClean="0">
+                <a:latin typeface="Courier New" pitchFamily="49" charset="0"/>
+                <a:cs typeface="Courier New" pitchFamily="49" charset="0"/>
+              </a:rPr>
+              <a:t>[</a:t>
+            </a:r>
+            <a:r>
+              <a:rPr lang="en-US" sz="1600" b="1" dirty="0" smtClean="0">
+                <a:solidFill>
+                  <a:srgbClr val="800000"/>
+                </a:solidFill>
+                <a:latin typeface="Courier New" pitchFamily="49" charset="0"/>
+                <a:cs typeface="Courier New" pitchFamily="49" charset="0"/>
+              </a:rPr>
+              <a:t>"</a:t>
+            </a:r>
+            <a:r>
+              <a:rPr lang="en-US" sz="1600" b="1" dirty="0" err="1" smtClean="0">
+                <a:solidFill>
+                  <a:srgbClr val="800000"/>
+                </a:solidFill>
+                <a:latin typeface="Courier New" pitchFamily="49" charset="0"/>
+                <a:cs typeface="Courier New" pitchFamily="49" charset="0"/>
+              </a:rPr>
+              <a:t>LoggedInUsers</a:t>
+            </a:r>
+            <a:r>
+              <a:rPr lang="en-US" sz="1600" b="1" dirty="0" smtClean="0">
+                <a:solidFill>
+                  <a:srgbClr val="800000"/>
+                </a:solidFill>
+                <a:latin typeface="Courier New" pitchFamily="49" charset="0"/>
+                <a:cs typeface="Courier New" pitchFamily="49" charset="0"/>
+              </a:rPr>
+              <a:t>"</a:t>
+            </a:r>
+            <a:r>
+              <a:rPr lang="en-US" sz="1600" b="1" dirty="0" smtClean="0">
+                <a:latin typeface="Courier New" pitchFamily="49" charset="0"/>
+                <a:cs typeface="Courier New" pitchFamily="49" charset="0"/>
+              </a:rPr>
+              <a:t>] </a:t>
+            </a:r>
+            <a:r>
+              <a:rPr lang="en-US" sz="1600" b="1" dirty="0">
+                <a:latin typeface="Courier New" pitchFamily="49" charset="0"/>
+                <a:cs typeface="Courier New" pitchFamily="49" charset="0"/>
+              </a:rPr>
+              <a:t>+ 1;</a:t>
+            </a:r>
+          </a:p>
+          <a:p>
+            <a:pPr>
+              <a:lnSpc>
+                <a:spcPct val="100000"/>
+              </a:lnSpc>
+            </a:pPr>
+            <a:r>
+              <a:rPr lang="en-US" sz="1600" b="1" dirty="0" err="1">
+                <a:latin typeface="Courier New" pitchFamily="49" charset="0"/>
+                <a:cs typeface="Courier New" pitchFamily="49" charset="0"/>
+              </a:rPr>
+              <a:t>Application.UnLock</a:t>
+            </a:r>
+            <a:r>
+              <a:rPr lang="en-US" sz="1600" b="1" dirty="0">
+                <a:latin typeface="Courier New" pitchFamily="49" charset="0"/>
+                <a:cs typeface="Courier New" pitchFamily="49" charset="0"/>
+              </a:rPr>
+              <a:t>();</a:t>
+            </a:r>
+          </a:p>
+        </p:txBody>
+      </p:sp>
+    </p:spTree>
+  </p:cSld>
+  <p:clrMapOvr>
+    <a:masterClrMapping/>
+  </p:clrMapOvr>
+  <p:timing>
+    <p:tnLst>
+      <p:par>
+        <p:cTn id="1" dur="indefinite" restart="never" nodeType="tmRoot"/>
+      </p:par>
+    </p:tnLst>
+  </p:timing>
+</p:sld>
+</file>
+
+<file path=ppt/slides/slide13.xml><?xml version="1.0" encoding="utf-8"?>
+<p:sld xmlns:a="http://schemas.openxmlformats.org/drawingml/2006/main" xmlns:r="http://schemas.openxmlformats.org/officeDocument/2006/relationships" xmlns:p="http://schemas.openxmlformats.org/presentationml/2006/main">
+  <p:cSld>
+    <p:spTree>
+      <p:nvGrpSpPr>
+        <p:cNvPr id="1" name=""/>
+        <p:cNvGrpSpPr/>
+        <p:nvPr/>
+      </p:nvGrpSpPr>
+      <p:grpSpPr>
+        <a:xfrm>
+          <a:off x="0" y="0"/>
+          <a:ext cx="0" cy="0"/>
+          <a:chOff x="0" y="0"/>
+          <a:chExt cx="0" cy="0"/>
+        </a:xfrm>
+      </p:grpSpPr>
+      <p:sp>
+        <p:nvSpPr>
+          <p:cNvPr id="2" name="Title 1"/>
+          <p:cNvSpPr>
+            <a:spLocks noGrp="1"/>
+          </p:cNvSpPr>
+          <p:nvPr>
+            <p:ph type="title"/>
+          </p:nvPr>
+        </p:nvSpPr>
+        <p:spPr/>
+        <p:txBody>
+          <a:bodyPr/>
+          <a:lstStyle/>
+          <a:p>
+            <a:r>
+              <a:rPr lang="en-US" dirty="0" smtClean="0"/>
+              <a:t>Session state</a:t>
+            </a:r>
+            <a:endParaRPr lang="en-US" dirty="0"/>
+          </a:p>
+        </p:txBody>
+      </p:sp>
+      <p:sp>
+        <p:nvSpPr>
+          <p:cNvPr id="3" name="Content Placeholder 2"/>
+          <p:cNvSpPr>
+            <a:spLocks noGrp="1"/>
+          </p:cNvSpPr>
+          <p:nvPr>
+            <p:ph idx="1"/>
+          </p:nvPr>
+        </p:nvSpPr>
+        <p:spPr/>
+        <p:txBody>
+          <a:bodyPr/>
+          <a:lstStyle/>
+          <a:p>
+            <a:r>
+              <a:rPr lang="en-US" dirty="0" smtClean="0"/>
+              <a:t>Dictionary for keeping information</a:t>
+            </a:r>
+          </a:p>
+          <a:p>
+            <a:r>
+              <a:rPr lang="en-US" dirty="0" smtClean="0"/>
+              <a:t>Persisted on the server</a:t>
+            </a:r>
+          </a:p>
+          <a:p>
+            <a:pPr lvl="1"/>
+            <a:r>
+              <a:rPr lang="en-US" dirty="0" smtClean="0"/>
+              <a:t>By default in memory</a:t>
+            </a:r>
+          </a:p>
+          <a:p>
+            <a:r>
+              <a:rPr lang="en-US" dirty="0" smtClean="0"/>
+              <a:t>Different for every user</a:t>
+            </a:r>
+          </a:p>
+          <a:p>
+            <a:r>
+              <a:rPr lang="en-US" dirty="0" smtClean="0"/>
+              <a:t>Has a unique </a:t>
+            </a:r>
+            <a:r>
+              <a:rPr lang="en-US" dirty="0" err="1" smtClean="0"/>
+              <a:t>SessionID</a:t>
+            </a:r>
+            <a:endParaRPr lang="en-US" dirty="0" smtClean="0"/>
+          </a:p>
+          <a:p>
+            <a:pPr lvl="1"/>
+            <a:r>
+              <a:rPr lang="en-US" dirty="0" smtClean="0"/>
+              <a:t>Created at the first request</a:t>
+            </a:r>
+          </a:p>
+          <a:p>
+            <a:pPr lvl="1"/>
+            <a:r>
+              <a:rPr lang="en-US" dirty="0" smtClean="0"/>
+              <a:t>Persisted in a cookie by default</a:t>
+            </a:r>
+          </a:p>
+        </p:txBody>
+      </p:sp>
+      <p:sp>
+        <p:nvSpPr>
+          <p:cNvPr id="4" name="Slide Number Placeholder 3"/>
+          <p:cNvSpPr>
+            <a:spLocks noGrp="1"/>
+          </p:cNvSpPr>
+          <p:nvPr>
+            <p:ph type="sldNum" sz="quarter" idx="10"/>
+          </p:nvPr>
+        </p:nvSpPr>
+        <p:spPr/>
+        <p:txBody>
+          <a:bodyPr/>
+          <a:lstStyle/>
+          <a:p>
+            <a:pPr>
+              <a:defRPr/>
+            </a:pPr>
+            <a:fld id="{58452FF4-89E3-4D1B-9927-2DBDC00E58D7}" type="slidenum">
+              <a:rPr lang="en-US" smtClean="0"/>
+              <a:pPr>
+                <a:defRPr/>
+              </a:pPr>
+              <a:t>13</a:t>
+            </a:fld>
+            <a:endParaRPr lang="en-US" dirty="0"/>
+          </a:p>
+        </p:txBody>
+      </p:sp>
+    </p:spTree>
+  </p:cSld>
+  <p:clrMapOvr>
+    <a:masterClrMapping/>
+  </p:clrMapOvr>
+  <p:timing>
+    <p:tnLst>
+      <p:par>
+        <p:cTn id="1" dur="indefinite" restart="never" nodeType="tmRoot"/>
+      </p:par>
+    </p:tnLst>
+  </p:timing>
+</p:sld>
+</file>
+
+<file path=ppt/slides/slide14.xml><?xml version="1.0" encoding="utf-8"?>
+<p:sld xmlns:a="http://schemas.openxmlformats.org/drawingml/2006/main" xmlns:r="http://schemas.openxmlformats.org/officeDocument/2006/relationships" xmlns:p="http://schemas.openxmlformats.org/presentationml/2006/main">
+  <p:cSld>
+    <p:spTree>
+      <p:nvGrpSpPr>
+        <p:cNvPr id="1" name=""/>
+        <p:cNvGrpSpPr/>
+        <p:nvPr/>
+      </p:nvGrpSpPr>
+      <p:grpSpPr>
+        <a:xfrm>
+          <a:off x="0" y="0"/>
+          <a:ext cx="0" cy="0"/>
+          <a:chOff x="0" y="0"/>
+          <a:chExt cx="0" cy="0"/>
+        </a:xfrm>
+      </p:grpSpPr>
+      <p:sp>
+        <p:nvSpPr>
+          <p:cNvPr id="2" name="Title 1"/>
+          <p:cNvSpPr>
+            <a:spLocks noGrp="1"/>
+          </p:cNvSpPr>
+          <p:nvPr>
+            <p:ph type="title"/>
+          </p:nvPr>
+        </p:nvSpPr>
+        <p:spPr/>
+        <p:txBody>
+          <a:bodyPr/>
+          <a:lstStyle/>
+          <a:p>
+            <a:r>
+              <a:rPr lang="en-US" dirty="0" smtClean="0"/>
+              <a:t>Session state</a:t>
+            </a:r>
+            <a:endParaRPr lang="en-US" dirty="0"/>
+          </a:p>
+        </p:txBody>
+      </p:sp>
+      <p:sp>
+        <p:nvSpPr>
+          <p:cNvPr id="3" name="Content Placeholder 2"/>
+          <p:cNvSpPr>
+            <a:spLocks noGrp="1"/>
+          </p:cNvSpPr>
+          <p:nvPr>
+            <p:ph idx="1"/>
+          </p:nvPr>
+        </p:nvSpPr>
+        <p:spPr/>
+        <p:txBody>
+          <a:bodyPr/>
+          <a:lstStyle/>
+          <a:p>
+            <a:r>
+              <a:rPr lang="en-US" dirty="0" err="1" smtClean="0"/>
+              <a:t>HttpSession</a:t>
+            </a:r>
+            <a:r>
+              <a:rPr lang="en-US" dirty="0" smtClean="0"/>
+              <a:t> class</a:t>
+            </a:r>
+          </a:p>
+          <a:p>
+            <a:r>
+              <a:rPr lang="en-US" dirty="0" smtClean="0"/>
+              <a:t>Session property of Page and </a:t>
+            </a:r>
+            <a:r>
+              <a:rPr lang="en-US" dirty="0" err="1" smtClean="0"/>
+              <a:t>HttpContext</a:t>
+            </a:r>
+            <a:endParaRPr lang="en-US" dirty="0" smtClean="0"/>
+          </a:p>
+          <a:p>
+            <a:endParaRPr lang="en-US" dirty="0" smtClean="0"/>
+          </a:p>
+          <a:p>
+            <a:endParaRPr lang="en-US" dirty="0" smtClean="0"/>
+          </a:p>
+          <a:p>
+            <a:r>
+              <a:rPr lang="en-US" dirty="0" smtClean="0"/>
+              <a:t>Session persistence modes</a:t>
+            </a:r>
+          </a:p>
+          <a:p>
+            <a:pPr lvl="1"/>
+            <a:r>
+              <a:rPr lang="en-US" dirty="0" smtClean="0"/>
+              <a:t>In Process </a:t>
+            </a:r>
+          </a:p>
+          <a:p>
+            <a:pPr lvl="1"/>
+            <a:r>
+              <a:rPr lang="en-US" dirty="0" smtClean="0"/>
+              <a:t>Out of process</a:t>
+            </a:r>
+          </a:p>
+          <a:p>
+            <a:pPr lvl="1"/>
+            <a:r>
+              <a:rPr lang="en-US" dirty="0" smtClean="0"/>
+              <a:t>SQL Server</a:t>
+            </a:r>
+          </a:p>
+          <a:p>
+            <a:pPr lvl="1"/>
+            <a:r>
+              <a:rPr lang="en-US" dirty="0" smtClean="0"/>
+              <a:t>Distributed engines</a:t>
+            </a:r>
+            <a:endParaRPr lang="en-US" dirty="0"/>
+          </a:p>
+        </p:txBody>
+      </p:sp>
+      <p:sp>
+        <p:nvSpPr>
+          <p:cNvPr id="4" name="Slide Number Placeholder 3"/>
+          <p:cNvSpPr>
+            <a:spLocks noGrp="1"/>
+          </p:cNvSpPr>
+          <p:nvPr>
+            <p:ph type="sldNum" sz="quarter" idx="10"/>
+          </p:nvPr>
+        </p:nvSpPr>
+        <p:spPr/>
+        <p:txBody>
+          <a:bodyPr/>
+          <a:lstStyle/>
+          <a:p>
+            <a:pPr>
+              <a:defRPr/>
+            </a:pPr>
+            <a:fld id="{58452FF4-89E3-4D1B-9927-2DBDC00E58D7}" type="slidenum">
+              <a:rPr lang="en-US" smtClean="0"/>
+              <a:pPr>
+                <a:defRPr/>
+              </a:pPr>
+              <a:t>14</a:t>
+            </a:fld>
+            <a:endParaRPr lang="en-US" dirty="0"/>
+          </a:p>
+        </p:txBody>
+      </p:sp>
+      <p:sp>
+        <p:nvSpPr>
+          <p:cNvPr id="5" name="Rectangle 7"/>
+          <p:cNvSpPr>
+            <a:spLocks noChangeArrowheads="1"/>
+          </p:cNvSpPr>
+          <p:nvPr/>
+        </p:nvSpPr>
+        <p:spPr bwMode="auto">
+          <a:xfrm>
+            <a:off x="457200" y="2438400"/>
+            <a:ext cx="7620000" cy="941796"/>
+          </a:xfrm>
+          <a:prstGeom prst="rect">
+            <a:avLst/>
+          </a:prstGeom>
+          <a:solidFill>
+            <a:schemeClr val="bg1">
+              <a:alpha val="39999"/>
+            </a:schemeClr>
+          </a:solidFill>
+          <a:ln w="3175" algn="ctr">
+            <a:solidFill>
+              <a:schemeClr val="hlink"/>
+            </a:solidFill>
+            <a:miter lim="800000"/>
+            <a:headEnd/>
+            <a:tailEnd/>
+          </a:ln>
+          <a:effectLst/>
+        </p:spPr>
+        <p:txBody>
+          <a:bodyPr wrap="square" lIns="144000" tIns="91440" rIns="144000" bIns="109728">
+            <a:spAutoFit/>
+          </a:bodyPr>
+          <a:lstStyle/>
+          <a:p>
+            <a:pPr>
+              <a:lnSpc>
+                <a:spcPct val="100000"/>
+              </a:lnSpc>
+            </a:pPr>
+            <a:r>
+              <a:rPr lang="en-US" sz="1600" b="1" dirty="0" smtClean="0">
+                <a:latin typeface="Courier New" pitchFamily="49" charset="0"/>
+                <a:cs typeface="Courier New" pitchFamily="49" charset="0"/>
+              </a:rPr>
+              <a:t>Session[</a:t>
+            </a:r>
+            <a:r>
+              <a:rPr lang="en-US" sz="1600" b="1" dirty="0" smtClean="0">
+                <a:solidFill>
+                  <a:srgbClr val="800000"/>
+                </a:solidFill>
+                <a:latin typeface="Courier New" pitchFamily="49" charset="0"/>
+                <a:cs typeface="Courier New" pitchFamily="49" charset="0"/>
+              </a:rPr>
+              <a:t>"</a:t>
+            </a:r>
+            <a:r>
+              <a:rPr lang="en-US" sz="1600" b="1" dirty="0" err="1" smtClean="0">
+                <a:solidFill>
+                  <a:srgbClr val="800000"/>
+                </a:solidFill>
+                <a:latin typeface="Courier New" pitchFamily="49" charset="0"/>
+                <a:cs typeface="Courier New" pitchFamily="49" charset="0"/>
+              </a:rPr>
+              <a:t>OutstandingAmmount</a:t>
+            </a:r>
+            <a:r>
+              <a:rPr lang="en-US" sz="1600" b="1" dirty="0" smtClean="0">
+                <a:solidFill>
+                  <a:srgbClr val="800000"/>
+                </a:solidFill>
+                <a:latin typeface="Courier New" pitchFamily="49" charset="0"/>
+                <a:cs typeface="Courier New" pitchFamily="49" charset="0"/>
+              </a:rPr>
+              <a:t>"</a:t>
+            </a:r>
+            <a:r>
+              <a:rPr lang="en-US" sz="1600" b="1" dirty="0" smtClean="0">
+                <a:latin typeface="Courier New" pitchFamily="49" charset="0"/>
+                <a:cs typeface="Courier New" pitchFamily="49" charset="0"/>
+              </a:rPr>
+              <a:t>] </a:t>
+            </a:r>
+            <a:r>
+              <a:rPr lang="en-US" sz="1600" b="1" dirty="0">
+                <a:latin typeface="Courier New" pitchFamily="49" charset="0"/>
+                <a:cs typeface="Courier New" pitchFamily="49" charset="0"/>
+              </a:rPr>
+              <a:t>= </a:t>
+            </a:r>
+            <a:r>
+              <a:rPr lang="en-US" sz="1600" b="1" dirty="0" smtClean="0">
+                <a:latin typeface="Courier New" pitchFamily="49" charset="0"/>
+                <a:cs typeface="Courier New" pitchFamily="49" charset="0"/>
+              </a:rPr>
+              <a:t>22400;</a:t>
+            </a:r>
+          </a:p>
+          <a:p>
+            <a:r>
+              <a:rPr lang="en-US" sz="1600" b="1" dirty="0" err="1" smtClean="0">
+                <a:latin typeface="Courier New" pitchFamily="49" charset="0"/>
+                <a:cs typeface="Courier New" pitchFamily="49" charset="0"/>
+              </a:rPr>
+              <a:t>int</a:t>
+            </a:r>
+            <a:r>
+              <a:rPr lang="en-US" sz="1600" b="1" dirty="0" smtClean="0">
+                <a:latin typeface="Courier New" pitchFamily="49" charset="0"/>
+                <a:cs typeface="Courier New" pitchFamily="49" charset="0"/>
+              </a:rPr>
+              <a:t> </a:t>
+            </a:r>
+            <a:r>
+              <a:rPr lang="en-US" sz="1600" b="1" dirty="0" err="1" smtClean="0">
+                <a:latin typeface="Courier New" pitchFamily="49" charset="0"/>
+                <a:cs typeface="Courier New" pitchFamily="49" charset="0"/>
+              </a:rPr>
+              <a:t>outstandingAmmount</a:t>
+            </a:r>
+            <a:r>
+              <a:rPr lang="en-US" sz="1600" b="1" dirty="0" smtClean="0">
+                <a:latin typeface="Courier New" pitchFamily="49" charset="0"/>
+                <a:cs typeface="Courier New" pitchFamily="49" charset="0"/>
+              </a:rPr>
+              <a:t> = </a:t>
+            </a:r>
+          </a:p>
+          <a:p>
+            <a:r>
+              <a:rPr lang="en-US" sz="1600" b="1" dirty="0" smtClean="0">
+                <a:latin typeface="Courier New" pitchFamily="49" charset="0"/>
+                <a:cs typeface="Courier New" pitchFamily="49" charset="0"/>
+              </a:rPr>
+              <a:t>	(</a:t>
+            </a:r>
+            <a:r>
+              <a:rPr lang="en-US" sz="1600" b="1" dirty="0" err="1" smtClean="0">
+                <a:latin typeface="Courier New" pitchFamily="49" charset="0"/>
+                <a:cs typeface="Courier New" pitchFamily="49" charset="0"/>
+              </a:rPr>
+              <a:t>int</a:t>
+            </a:r>
+            <a:r>
+              <a:rPr lang="en-US" sz="1600" b="1" dirty="0" smtClean="0">
+                <a:latin typeface="Courier New" pitchFamily="49" charset="0"/>
+                <a:cs typeface="Courier New" pitchFamily="49" charset="0"/>
+              </a:rPr>
+              <a:t>) Session[</a:t>
+            </a:r>
+            <a:r>
+              <a:rPr lang="en-US" sz="1600" b="1" dirty="0" smtClean="0">
+                <a:solidFill>
+                  <a:srgbClr val="800000"/>
+                </a:solidFill>
+                <a:latin typeface="Courier New" pitchFamily="49" charset="0"/>
+                <a:cs typeface="Courier New" pitchFamily="49" charset="0"/>
+              </a:rPr>
+              <a:t>"</a:t>
+            </a:r>
+            <a:r>
+              <a:rPr lang="en-US" sz="1600" b="1" dirty="0" err="1" smtClean="0">
+                <a:solidFill>
+                  <a:srgbClr val="800000"/>
+                </a:solidFill>
+                <a:latin typeface="Courier New" pitchFamily="49" charset="0"/>
+                <a:cs typeface="Courier New" pitchFamily="49" charset="0"/>
+              </a:rPr>
+              <a:t>OutstandingAmmount</a:t>
+            </a:r>
+            <a:r>
+              <a:rPr lang="en-US" sz="1600" b="1" dirty="0" smtClean="0">
+                <a:solidFill>
+                  <a:srgbClr val="800000"/>
+                </a:solidFill>
+                <a:latin typeface="Courier New" pitchFamily="49" charset="0"/>
+                <a:cs typeface="Courier New" pitchFamily="49" charset="0"/>
+              </a:rPr>
+              <a:t>"</a:t>
+            </a:r>
+            <a:r>
+              <a:rPr lang="en-US" sz="1600" b="1" dirty="0" smtClean="0">
+                <a:latin typeface="Courier New" pitchFamily="49" charset="0"/>
+                <a:cs typeface="Courier New" pitchFamily="49" charset="0"/>
+              </a:rPr>
+              <a:t>] ?? 0;</a:t>
+            </a:r>
+          </a:p>
+        </p:txBody>
+      </p:sp>
+    </p:spTree>
+  </p:cSld>
+  <p:clrMapOvr>
+    <a:masterClrMapping/>
+  </p:clrMapOvr>
+  <p:timing>
+    <p:tnLst>
+      <p:par>
+        <p:cTn id="1" dur="indefinite" restart="never" nodeType="tmRoot"/>
+      </p:par>
+    </p:tnLst>
+  </p:timing>
+</p:sld>
+</file>
+
+<file path=ppt/slides/slide15.xml><?xml version="1.0" encoding="utf-8"?>
+<p:sld xmlns:a="http://schemas.openxmlformats.org/drawingml/2006/main" xmlns:r="http://schemas.openxmlformats.org/officeDocument/2006/relationships" xmlns:p="http://schemas.openxmlformats.org/presentationml/2006/main">
+  <p:cSld>
+    <p:spTree>
+      <p:nvGrpSpPr>
+        <p:cNvPr id="1" name=""/>
+        <p:cNvGrpSpPr/>
+        <p:nvPr/>
+      </p:nvGrpSpPr>
+      <p:grpSpPr>
+        <a:xfrm>
+          <a:off x="0" y="0"/>
+          <a:ext cx="0" cy="0"/>
+          <a:chOff x="0" y="0"/>
+          <a:chExt cx="0" cy="0"/>
+        </a:xfrm>
+      </p:grpSpPr>
+      <p:sp>
+        <p:nvSpPr>
+          <p:cNvPr id="2" name="Title 1"/>
+          <p:cNvSpPr>
+            <a:spLocks noGrp="1"/>
+          </p:cNvSpPr>
+          <p:nvPr>
+            <p:ph type="title"/>
+          </p:nvPr>
+        </p:nvSpPr>
+        <p:spPr/>
+        <p:txBody>
+          <a:bodyPr/>
+          <a:lstStyle/>
+          <a:p>
+            <a:r>
+              <a:rPr lang="en-US" dirty="0" smtClean="0"/>
+              <a:t>Items Collections</a:t>
+            </a:r>
+            <a:endParaRPr lang="en-US" dirty="0"/>
+          </a:p>
+        </p:txBody>
+      </p:sp>
+      <p:sp>
+        <p:nvSpPr>
+          <p:cNvPr id="3" name="Content Placeholder 2"/>
+          <p:cNvSpPr>
+            <a:spLocks noGrp="1"/>
+          </p:cNvSpPr>
+          <p:nvPr>
+            <p:ph idx="1"/>
+          </p:nvPr>
+        </p:nvSpPr>
+        <p:spPr/>
+        <p:txBody>
+          <a:bodyPr/>
+          <a:lstStyle/>
+          <a:p>
+            <a:r>
+              <a:rPr lang="en-US" dirty="0" smtClean="0"/>
+              <a:t>Dictionary collection</a:t>
+            </a:r>
+          </a:p>
+          <a:p>
+            <a:r>
+              <a:rPr lang="en-US" dirty="0" smtClean="0">
+                <a:effectLst/>
+              </a:rPr>
+              <a:t>Keeps information for one page lifecycle</a:t>
+            </a:r>
+          </a:p>
+          <a:p>
+            <a:r>
+              <a:rPr lang="en-US" dirty="0" smtClean="0">
+                <a:effectLst/>
+              </a:rPr>
+              <a:t>Accessed using </a:t>
+            </a:r>
+            <a:r>
+              <a:rPr lang="en-US" dirty="0" err="1" smtClean="0">
+                <a:effectLst/>
+              </a:rPr>
+              <a:t>Context.Items</a:t>
+            </a:r>
+            <a:endParaRPr lang="en-US" dirty="0" smtClean="0">
+              <a:effectLst/>
+            </a:endParaRPr>
+          </a:p>
+          <a:p>
+            <a:r>
+              <a:rPr lang="en-US" dirty="0" smtClean="0">
+                <a:effectLst/>
+              </a:rPr>
+              <a:t>Used to transfer information between controls in the same request</a:t>
+            </a:r>
+          </a:p>
+          <a:p>
+            <a:r>
+              <a:rPr lang="en-US" dirty="0" smtClean="0">
+                <a:effectLst/>
+              </a:rPr>
+              <a:t>Great for per request caching</a:t>
+            </a:r>
+            <a:endParaRPr lang="en-US" dirty="0">
+              <a:effectLst/>
+            </a:endParaRPr>
+          </a:p>
+        </p:txBody>
+      </p:sp>
+      <p:sp>
+        <p:nvSpPr>
+          <p:cNvPr id="4" name="Slide Number Placeholder 3"/>
+          <p:cNvSpPr>
+            <a:spLocks noGrp="1"/>
+          </p:cNvSpPr>
+          <p:nvPr>
+            <p:ph type="sldNum" sz="quarter" idx="10"/>
+          </p:nvPr>
+        </p:nvSpPr>
+        <p:spPr/>
+        <p:txBody>
+          <a:bodyPr/>
+          <a:lstStyle/>
+          <a:p>
+            <a:pPr>
+              <a:defRPr/>
+            </a:pPr>
+            <a:fld id="{58452FF4-89E3-4D1B-9927-2DBDC00E58D7}" type="slidenum">
+              <a:rPr lang="en-US" smtClean="0"/>
+              <a:pPr>
+                <a:defRPr/>
+              </a:pPr>
+              <a:t>15</a:t>
+            </a:fld>
+            <a:endParaRPr lang="en-US" dirty="0"/>
+          </a:p>
+        </p:txBody>
+      </p:sp>
+    </p:spTree>
+  </p:cSld>
+  <p:clrMapOvr>
+    <a:masterClrMapping/>
+  </p:clrMapOvr>
+  <p:timing>
+    <p:tnLst>
+      <p:par>
+        <p:cTn id="1" dur="indefinite" restart="never" nodeType="tmRoot"/>
+      </p:par>
+    </p:tnLst>
+  </p:timing>
+</p:sld>
+</file>
+
+<file path=ppt/slides/slide16.xml><?xml version="1.0" encoding="utf-8"?>
+<p:sld xmlns:a="http://schemas.openxmlformats.org/drawingml/2006/main" xmlns:r="http://schemas.openxmlformats.org/officeDocument/2006/relationships" xmlns:p="http://schemas.openxmlformats.org/presentationml/2006/main">
+  <p:cSld>
+    <p:spTree>
+      <p:nvGrpSpPr>
+        <p:cNvPr id="1" name=""/>
+        <p:cNvGrpSpPr/>
+        <p:nvPr/>
+      </p:nvGrpSpPr>
+      <p:grpSpPr>
+        <a:xfrm>
+          <a:off x="0" y="0"/>
+          <a:ext cx="0" cy="0"/>
+          <a:chOff x="0" y="0"/>
+          <a:chExt cx="0" cy="0"/>
+        </a:xfrm>
+      </p:grpSpPr>
+      <p:sp>
+        <p:nvSpPr>
+          <p:cNvPr id="2" name="Title 1"/>
+          <p:cNvSpPr>
+            <a:spLocks noGrp="1"/>
+          </p:cNvSpPr>
+          <p:nvPr>
+            <p:ph type="title"/>
+          </p:nvPr>
+        </p:nvSpPr>
+        <p:spPr>
+          <a:xfrm>
+            <a:off x="457200" y="2133600"/>
+            <a:ext cx="8458200" cy="2362200"/>
+          </a:xfrm>
+        </p:spPr>
+        <p:txBody>
+          <a:bodyPr/>
+          <a:lstStyle/>
+          <a:p>
+            <a:pPr algn="ctr"/>
+            <a:r>
+              <a:rPr lang="en-US" sz="5400" dirty="0" smtClean="0"/>
+              <a:t>Master Pages</a:t>
+            </a:r>
+          </a:p>
+        </p:txBody>
+      </p:sp>
+      <p:sp>
+        <p:nvSpPr>
+          <p:cNvPr id="4" name="Slide Number Placeholder 3"/>
+          <p:cNvSpPr>
+            <a:spLocks noGrp="1"/>
+          </p:cNvSpPr>
+          <p:nvPr>
+            <p:ph type="sldNum" sz="quarter" idx="10"/>
+          </p:nvPr>
+        </p:nvSpPr>
+        <p:spPr/>
+        <p:txBody>
+          <a:bodyPr/>
+          <a:lstStyle/>
+          <a:p>
+            <a:pPr>
+              <a:defRPr/>
+            </a:pPr>
+            <a:fld id="{58452FF4-89E3-4D1B-9927-2DBDC00E58D7}" type="slidenum">
+              <a:rPr lang="en-US" smtClean="0"/>
+              <a:pPr>
+                <a:defRPr/>
+              </a:pPr>
+              <a:t>16</a:t>
+            </a:fld>
+            <a:endParaRPr lang="en-US" dirty="0"/>
+          </a:p>
+        </p:txBody>
+      </p:sp>
+    </p:spTree>
+  </p:cSld>
+  <p:clrMapOvr>
+    <a:masterClrMapping/>
+  </p:clrMapOvr>
+  <p:timing>
+    <p:tnLst>
+      <p:par>
+        <p:cTn id="1" dur="indefinite" restart="never" nodeType="tmRoot"/>
+      </p:par>
+    </p:tnLst>
+  </p:timing>
+</p:sld>
+</file>
+
+<file path=ppt/slides/slide17.xml><?xml version="1.0" encoding="utf-8"?>
+<p:sld xmlns:a="http://schemas.openxmlformats.org/drawingml/2006/main" xmlns:r="http://schemas.openxmlformats.org/officeDocument/2006/relationships" xmlns:p="http://schemas.openxmlformats.org/presentationml/2006/main">
+  <p:cSld>
+    <p:spTree>
+      <p:nvGrpSpPr>
+        <p:cNvPr id="1" name=""/>
+        <p:cNvGrpSpPr/>
+        <p:nvPr/>
+      </p:nvGrpSpPr>
+      <p:grpSpPr>
+        <a:xfrm>
+          <a:off x="0" y="0"/>
+          <a:ext cx="0" cy="0"/>
+          <a:chOff x="0" y="0"/>
+          <a:chExt cx="0" cy="0"/>
+        </a:xfrm>
+      </p:grpSpPr>
+      <p:sp>
+        <p:nvSpPr>
+          <p:cNvPr id="2" name="Title 1"/>
+          <p:cNvSpPr>
+            <a:spLocks noGrp="1"/>
+          </p:cNvSpPr>
+          <p:nvPr>
+            <p:ph type="title"/>
+          </p:nvPr>
+        </p:nvSpPr>
+        <p:spPr/>
+        <p:txBody>
+          <a:bodyPr/>
+          <a:lstStyle/>
+          <a:p>
+            <a:r>
+              <a:rPr lang="en-US" dirty="0" smtClean="0"/>
+              <a:t>Master Pages</a:t>
+            </a:r>
+            <a:endParaRPr lang="en-US" dirty="0"/>
+          </a:p>
+        </p:txBody>
+      </p:sp>
+      <p:sp>
+        <p:nvSpPr>
+          <p:cNvPr id="3" name="Content Placeholder 2"/>
+          <p:cNvSpPr>
+            <a:spLocks noGrp="1"/>
+          </p:cNvSpPr>
+          <p:nvPr>
+            <p:ph idx="1"/>
+          </p:nvPr>
+        </p:nvSpPr>
+        <p:spPr>
+          <a:xfrm>
+            <a:off x="228600" y="1066800"/>
+            <a:ext cx="8763000" cy="5638800"/>
+          </a:xfrm>
+        </p:spPr>
+        <p:txBody>
+          <a:bodyPr/>
+          <a:lstStyle/>
+          <a:p>
+            <a:r>
+              <a:rPr lang="en-US" dirty="0" smtClean="0"/>
+              <a:t>Master pages keep reusable html over multiple pages (for example header, footer, menus, etc.)</a:t>
+            </a:r>
+          </a:p>
+          <a:p>
+            <a:r>
+              <a:rPr lang="en-US" dirty="0" smtClean="0"/>
+              <a:t>Has content areas marked with </a:t>
+            </a:r>
+            <a:r>
+              <a:rPr lang="en-US" dirty="0" err="1" smtClean="0">
+                <a:latin typeface="Courier New" pitchFamily="49" charset="0"/>
+              </a:rPr>
+              <a:t>ContentPlaceHolder</a:t>
+            </a:r>
+            <a:r>
+              <a:rPr lang="en-US" dirty="0" smtClean="0"/>
+              <a:t> control</a:t>
+            </a:r>
+          </a:p>
+          <a:p>
+            <a:r>
+              <a:rPr lang="en-US" dirty="0" smtClean="0"/>
+              <a:t>Only development time abstraction</a:t>
+            </a:r>
+          </a:p>
+          <a:p>
+            <a:r>
+              <a:rPr lang="en-US" dirty="0" smtClean="0"/>
+              <a:t>Upon request the master page content and the page content are merged in single html</a:t>
+            </a:r>
+          </a:p>
+          <a:p>
+            <a:endParaRPr lang="en-US" dirty="0" smtClean="0"/>
+          </a:p>
+          <a:p>
+            <a:endParaRPr lang="en-US" dirty="0" smtClean="0"/>
+          </a:p>
+        </p:txBody>
+      </p:sp>
+      <p:sp>
+        <p:nvSpPr>
+          <p:cNvPr id="4" name="Slide Number Placeholder 3"/>
+          <p:cNvSpPr>
+            <a:spLocks noGrp="1"/>
+          </p:cNvSpPr>
+          <p:nvPr>
+            <p:ph type="sldNum" sz="quarter" idx="10"/>
+          </p:nvPr>
+        </p:nvSpPr>
+        <p:spPr/>
+        <p:txBody>
+          <a:bodyPr/>
+          <a:lstStyle/>
+          <a:p>
+            <a:pPr>
+              <a:defRPr/>
+            </a:pPr>
+            <a:fld id="{58452FF4-89E3-4D1B-9927-2DBDC00E58D7}" type="slidenum">
+              <a:rPr lang="en-US" smtClean="0"/>
+              <a:pPr>
+                <a:defRPr/>
+              </a:pPr>
+              <a:t>17</a:t>
+            </a:fld>
+            <a:endParaRPr lang="en-US" dirty="0"/>
+          </a:p>
+        </p:txBody>
+      </p:sp>
+    </p:spTree>
+  </p:cSld>
+  <p:clrMapOvr>
+    <a:masterClrMapping/>
+  </p:clrMapOvr>
+  <p:timing>
+    <p:tnLst>
+      <p:par>
+        <p:cTn id="1" dur="indefinite" restart="never" nodeType="tmRoot"/>
+      </p:par>
+    </p:tnLst>
+  </p:timing>
+</p:sld>
+</file>
+
+<file path=ppt/slides/slide18.xml><?xml version="1.0" encoding="utf-8"?>
+<p:sld xmlns:a="http://schemas.openxmlformats.org/drawingml/2006/main" xmlns:r="http://schemas.openxmlformats.org/officeDocument/2006/relationships" xmlns:p="http://schemas.openxmlformats.org/presentationml/2006/main">
+  <p:cSld>
+    <p:spTree>
+      <p:nvGrpSpPr>
+        <p:cNvPr id="1" name=""/>
+        <p:cNvGrpSpPr/>
+        <p:nvPr/>
+      </p:nvGrpSpPr>
+      <p:grpSpPr>
+        <a:xfrm>
+          <a:off x="0" y="0"/>
+          <a:ext cx="0" cy="0"/>
+          <a:chOff x="0" y="0"/>
+          <a:chExt cx="0" cy="0"/>
+        </a:xfrm>
+      </p:grpSpPr>
+      <p:sp>
+        <p:nvSpPr>
+          <p:cNvPr id="2" name="Title 1"/>
+          <p:cNvSpPr>
+            <a:spLocks noGrp="1"/>
+          </p:cNvSpPr>
+          <p:nvPr>
+            <p:ph type="title"/>
+          </p:nvPr>
+        </p:nvSpPr>
+        <p:spPr/>
+        <p:txBody>
+          <a:bodyPr/>
+          <a:lstStyle/>
+          <a:p>
+            <a:r>
+              <a:rPr lang="en-US" dirty="0" smtClean="0"/>
+              <a:t>Master Pages</a:t>
+            </a:r>
+            <a:endParaRPr lang="en-US" dirty="0"/>
+          </a:p>
+        </p:txBody>
+      </p:sp>
+      <p:sp>
+        <p:nvSpPr>
+          <p:cNvPr id="4" name="Slide Number Placeholder 3"/>
+          <p:cNvSpPr>
+            <a:spLocks noGrp="1"/>
+          </p:cNvSpPr>
+          <p:nvPr>
+            <p:ph type="sldNum" sz="quarter" idx="10"/>
+          </p:nvPr>
+        </p:nvSpPr>
+        <p:spPr/>
+        <p:txBody>
+          <a:bodyPr/>
+          <a:lstStyle/>
+          <a:p>
+            <a:pPr>
+              <a:defRPr/>
+            </a:pPr>
+            <a:fld id="{58452FF4-89E3-4D1B-9927-2DBDC00E58D7}" type="slidenum">
+              <a:rPr lang="en-US" smtClean="0"/>
+              <a:pPr>
+                <a:defRPr/>
+              </a:pPr>
+              <a:t>18</a:t>
+            </a:fld>
+            <a:endParaRPr lang="en-US" dirty="0"/>
+          </a:p>
+        </p:txBody>
+      </p:sp>
+      <p:pic>
+        <p:nvPicPr>
+          <p:cNvPr id="2050" name="Picture 2" descr="C:\Users\Black\Desktop\masterpage.jpg"/>
+          <p:cNvPicPr>
+            <a:picLocks noGrp="1" noChangeAspect="1" noChangeArrowheads="1"/>
+          </p:cNvPicPr>
+          <p:nvPr>
+            <p:ph idx="1"/>
+          </p:nvPr>
+        </p:nvPicPr>
+        <p:blipFill>
+          <a:blip r:embed="rId2"/>
+          <a:srcRect/>
+          <a:stretch>
+            <a:fillRect/>
+          </a:stretch>
+        </p:blipFill>
+        <p:spPr bwMode="auto">
+          <a:xfrm>
+            <a:off x="1603267" y="1066800"/>
+            <a:ext cx="5857229" cy="5562600"/>
+          </a:xfrm>
+          <a:prstGeom prst="rect">
+            <a:avLst/>
+          </a:prstGeom>
+          <a:noFill/>
+        </p:spPr>
+      </p:pic>
+    </p:spTree>
+  </p:cSld>
+  <p:clrMapOvr>
+    <a:masterClrMapping/>
+  </p:clrMapOvr>
+  <p:timing>
+    <p:tnLst>
+      <p:par>
+        <p:cTn id="1" dur="indefinite" restart="never" nodeType="tmRoot"/>
+      </p:par>
+    </p:tnLst>
+  </p:timing>
+</p:sld>
+</file>
+
+<file path=ppt/slides/slide19.xml><?xml version="1.0" encoding="utf-8"?>
+<p:sld xmlns:a="http://schemas.openxmlformats.org/drawingml/2006/main" xmlns:r="http://schemas.openxmlformats.org/officeDocument/2006/relationships" xmlns:p="http://schemas.openxmlformats.org/presentationml/2006/main">
+  <p:cSld>
+    <p:spTree>
+      <p:nvGrpSpPr>
+        <p:cNvPr id="1" name=""/>
+        <p:cNvGrpSpPr/>
+        <p:nvPr/>
+      </p:nvGrpSpPr>
+      <p:grpSpPr>
+        <a:xfrm>
+          <a:off x="0" y="0"/>
+          <a:ext cx="0" cy="0"/>
+          <a:chOff x="0" y="0"/>
+          <a:chExt cx="0" cy="0"/>
+        </a:xfrm>
+      </p:grpSpPr>
+      <p:sp>
+        <p:nvSpPr>
+          <p:cNvPr id="2" name="Title 1"/>
+          <p:cNvSpPr>
+            <a:spLocks noGrp="1"/>
+          </p:cNvSpPr>
+          <p:nvPr>
+            <p:ph type="title"/>
+          </p:nvPr>
+        </p:nvSpPr>
+        <p:spPr/>
+        <p:txBody>
+          <a:bodyPr/>
+          <a:lstStyle/>
+          <a:p>
+            <a:r>
+              <a:rPr lang="en-US" dirty="0" smtClean="0"/>
+              <a:t>Master Pages</a:t>
+            </a:r>
+            <a:endParaRPr lang="en-US" dirty="0"/>
+          </a:p>
+        </p:txBody>
+      </p:sp>
+      <p:sp>
+        <p:nvSpPr>
+          <p:cNvPr id="3" name="Content Placeholder 2"/>
+          <p:cNvSpPr>
+            <a:spLocks noGrp="1"/>
+          </p:cNvSpPr>
+          <p:nvPr>
+            <p:ph idx="1"/>
+          </p:nvPr>
+        </p:nvSpPr>
+        <p:spPr/>
+        <p:txBody>
+          <a:bodyPr/>
+          <a:lstStyle/>
+          <a:p>
+            <a:r>
+              <a:rPr lang="en-US" dirty="0" smtClean="0"/>
+              <a:t>Can be nested</a:t>
+            </a:r>
+          </a:p>
+          <a:p>
+            <a:r>
+              <a:rPr lang="en-US" dirty="0" smtClean="0"/>
+              <a:t>Can be changed programmatically</a:t>
+            </a:r>
+          </a:p>
+          <a:p>
+            <a:r>
+              <a:rPr lang="en-US" dirty="0" smtClean="0"/>
+              <a:t>Has a @</a:t>
+            </a:r>
+            <a:r>
+              <a:rPr lang="en-US" dirty="0" err="1" smtClean="0"/>
+              <a:t>MasterPage</a:t>
+            </a:r>
+            <a:r>
+              <a:rPr lang="en-US" dirty="0" smtClean="0"/>
+              <a:t> directive at the top</a:t>
+            </a:r>
+          </a:p>
+          <a:p>
+            <a:r>
+              <a:rPr lang="en-US" dirty="0" smtClean="0"/>
+              <a:t>Strongly-typed access to master page</a:t>
+            </a:r>
+            <a:endParaRPr lang="en-US" dirty="0"/>
+          </a:p>
+        </p:txBody>
+      </p:sp>
+      <p:sp>
+        <p:nvSpPr>
+          <p:cNvPr id="4" name="Slide Number Placeholder 3"/>
+          <p:cNvSpPr>
+            <a:spLocks noGrp="1"/>
+          </p:cNvSpPr>
+          <p:nvPr>
+            <p:ph type="sldNum" sz="quarter" idx="10"/>
+          </p:nvPr>
+        </p:nvSpPr>
+        <p:spPr/>
+        <p:txBody>
+          <a:bodyPr/>
+          <a:lstStyle/>
+          <a:p>
+            <a:pPr>
+              <a:defRPr/>
+            </a:pPr>
+            <a:fld id="{58452FF4-89E3-4D1B-9927-2DBDC00E58D7}" type="slidenum">
+              <a:rPr lang="en-US" smtClean="0"/>
+              <a:pPr>
+                <a:defRPr/>
+              </a:pPr>
+              <a:t>19</a:t>
+            </a:fld>
             <a:endParaRPr lang="en-US" dirty="0"/>
           </a:p>
         </p:txBody>
@@ -3824,33 +5915,43 @@
           <a:lstStyle/>
           <a:p>
             <a:r>
-              <a:rPr lang="bg-BG" dirty="0" smtClean="0"/>
-              <a:t>Всички теми ги има от </a:t>
-            </a:r>
-            <a:r>
-              <a:rPr lang="en-US" dirty="0" smtClean="0"/>
-              <a:t>Telerik Academy </a:t>
-            </a:r>
-            <a:r>
-              <a:rPr lang="bg-BG" dirty="0" smtClean="0"/>
-              <a:t>курс</a:t>
-            </a:r>
-            <a:r>
-              <a:rPr lang="en-US" dirty="0" smtClean="0"/>
-              <a:t>a </a:t>
-            </a:r>
-            <a:r>
-              <a:rPr lang="bg-BG" dirty="0" smtClean="0"/>
-              <a:t>"</a:t>
-            </a:r>
-            <a:r>
-              <a:rPr lang="en-US" dirty="0" smtClean="0"/>
-              <a:t>.NET Essentials</a:t>
-            </a:r>
-            <a:r>
-              <a:rPr lang="bg-BG" dirty="0" smtClean="0"/>
-              <a:t>", но трябва да се съкратят</a:t>
-            </a:r>
+              <a:rPr lang="en-US" dirty="0" smtClean="0"/>
+              <a:t>State Management</a:t>
+            </a:r>
+          </a:p>
+          <a:p>
+            <a:r>
+              <a:rPr lang="en-US" dirty="0" smtClean="0"/>
+              <a:t>Master Pages</a:t>
+            </a:r>
+          </a:p>
+          <a:p>
+            <a:r>
+              <a:rPr lang="en-US" dirty="0" smtClean="0"/>
+              <a:t>User Controls</a:t>
+            </a:r>
+          </a:p>
+          <a:p>
+            <a:r>
+              <a:rPr lang="en-US" noProof="1" smtClean="0"/>
+              <a:t>Web.config</a:t>
+            </a:r>
+          </a:p>
+          <a:p>
+            <a:r>
+              <a:rPr lang="en-US" dirty="0" smtClean="0"/>
+              <a:t>Membership</a:t>
+            </a:r>
+          </a:p>
+          <a:p>
+            <a:r>
+              <a:rPr lang="en-US" dirty="0" smtClean="0"/>
+              <a:t>IIS and Deployment</a:t>
+            </a:r>
+            <a:endParaRPr lang="en-US" noProof="1" smtClean="0"/>
+          </a:p>
+          <a:p>
+            <a:endParaRPr lang="bg-BG" dirty="0" smtClean="0"/>
           </a:p>
         </p:txBody>
       </p:sp>
@@ -3888,6 +5989,1363 @@
   <p:clrMapOvr>
     <a:masterClrMapping/>
   </p:clrMapOvr>
+  <p:timing>
+    <p:tnLst>
+      <p:par>
+        <p:cTn id="1" dur="indefinite" restart="never" nodeType="tmRoot"/>
+      </p:par>
+    </p:tnLst>
+  </p:timing>
+</p:sld>
+</file>
+
+<file path=ppt/slides/slide20.xml><?xml version="1.0" encoding="utf-8"?>
+<p:sld xmlns:a="http://schemas.openxmlformats.org/drawingml/2006/main" xmlns:r="http://schemas.openxmlformats.org/officeDocument/2006/relationships" xmlns:p="http://schemas.openxmlformats.org/presentationml/2006/main">
+  <p:cSld>
+    <p:spTree>
+      <p:nvGrpSpPr>
+        <p:cNvPr id="1" name=""/>
+        <p:cNvGrpSpPr/>
+        <p:nvPr/>
+      </p:nvGrpSpPr>
+      <p:grpSpPr>
+        <a:xfrm>
+          <a:off x="0" y="0"/>
+          <a:ext cx="0" cy="0"/>
+          <a:chOff x="0" y="0"/>
+          <a:chExt cx="0" cy="0"/>
+        </a:xfrm>
+      </p:grpSpPr>
+      <p:sp>
+        <p:nvSpPr>
+          <p:cNvPr id="2" name="Title 1"/>
+          <p:cNvSpPr>
+            <a:spLocks noGrp="1"/>
+          </p:cNvSpPr>
+          <p:nvPr>
+            <p:ph type="title"/>
+          </p:nvPr>
+        </p:nvSpPr>
+        <p:spPr>
+          <a:xfrm>
+            <a:off x="457200" y="2133600"/>
+            <a:ext cx="8458200" cy="2362200"/>
+          </a:xfrm>
+        </p:spPr>
+        <p:txBody>
+          <a:bodyPr/>
+          <a:lstStyle/>
+          <a:p>
+            <a:pPr algn="ctr"/>
+            <a:r>
+              <a:rPr lang="en-US" sz="5400" dirty="0" smtClean="0"/>
+              <a:t>User Controls</a:t>
+            </a:r>
+            <a:endParaRPr lang="en-US" sz="5400" dirty="0"/>
+          </a:p>
+        </p:txBody>
+      </p:sp>
+      <p:sp>
+        <p:nvSpPr>
+          <p:cNvPr id="4" name="Slide Number Placeholder 3"/>
+          <p:cNvSpPr>
+            <a:spLocks noGrp="1"/>
+          </p:cNvSpPr>
+          <p:nvPr>
+            <p:ph type="sldNum" sz="quarter" idx="10"/>
+          </p:nvPr>
+        </p:nvSpPr>
+        <p:spPr/>
+        <p:txBody>
+          <a:bodyPr/>
+          <a:lstStyle/>
+          <a:p>
+            <a:pPr>
+              <a:defRPr/>
+            </a:pPr>
+            <a:fld id="{58452FF4-89E3-4D1B-9927-2DBDC00E58D7}" type="slidenum">
+              <a:rPr lang="en-US" smtClean="0"/>
+              <a:pPr>
+                <a:defRPr/>
+              </a:pPr>
+              <a:t>20</a:t>
+            </a:fld>
+            <a:endParaRPr lang="en-US" dirty="0"/>
+          </a:p>
+        </p:txBody>
+      </p:sp>
+    </p:spTree>
+  </p:cSld>
+  <p:clrMapOvr>
+    <a:masterClrMapping/>
+  </p:clrMapOvr>
+  <p:timing>
+    <p:tnLst>
+      <p:par>
+        <p:cTn id="1" dur="indefinite" restart="never" nodeType="tmRoot"/>
+      </p:par>
+    </p:tnLst>
+  </p:timing>
+</p:sld>
+</file>
+
+<file path=ppt/slides/slide21.xml><?xml version="1.0" encoding="utf-8"?>
+<p:sld xmlns:a="http://schemas.openxmlformats.org/drawingml/2006/main" xmlns:r="http://schemas.openxmlformats.org/officeDocument/2006/relationships" xmlns:p="http://schemas.openxmlformats.org/presentationml/2006/main">
+  <p:cSld>
+    <p:spTree>
+      <p:nvGrpSpPr>
+        <p:cNvPr id="1" name=""/>
+        <p:cNvGrpSpPr/>
+        <p:nvPr/>
+      </p:nvGrpSpPr>
+      <p:grpSpPr>
+        <a:xfrm>
+          <a:off x="0" y="0"/>
+          <a:ext cx="0" cy="0"/>
+          <a:chOff x="0" y="0"/>
+          <a:chExt cx="0" cy="0"/>
+        </a:xfrm>
+      </p:grpSpPr>
+      <p:sp>
+        <p:nvSpPr>
+          <p:cNvPr id="2" name="Title 1"/>
+          <p:cNvSpPr>
+            <a:spLocks noGrp="1"/>
+          </p:cNvSpPr>
+          <p:nvPr>
+            <p:ph type="title"/>
+          </p:nvPr>
+        </p:nvSpPr>
+        <p:spPr/>
+        <p:txBody>
+          <a:bodyPr/>
+          <a:lstStyle/>
+          <a:p>
+            <a:r>
+              <a:rPr lang="en-US" dirty="0" smtClean="0"/>
+              <a:t>User Controls</a:t>
+            </a:r>
+            <a:endParaRPr lang="en-US" dirty="0"/>
+          </a:p>
+        </p:txBody>
+      </p:sp>
+      <p:sp>
+        <p:nvSpPr>
+          <p:cNvPr id="3" name="Content Placeholder 2"/>
+          <p:cNvSpPr>
+            <a:spLocks noGrp="1"/>
+          </p:cNvSpPr>
+          <p:nvPr>
+            <p:ph idx="1"/>
+          </p:nvPr>
+        </p:nvSpPr>
+        <p:spPr/>
+        <p:txBody>
+          <a:bodyPr/>
+          <a:lstStyle/>
+          <a:p>
+            <a:r>
+              <a:rPr lang="en-US" dirty="0" smtClean="0"/>
+              <a:t>Unites content into a single reusable control</a:t>
+            </a:r>
+          </a:p>
+          <a:p>
+            <a:r>
+              <a:rPr lang="en-US" dirty="0" smtClean="0"/>
+              <a:t>A file with .</a:t>
+            </a:r>
+            <a:r>
+              <a:rPr lang="en-US" dirty="0" err="1" smtClean="0"/>
+              <a:t>ascx</a:t>
+            </a:r>
+            <a:r>
+              <a:rPr lang="en-US" dirty="0" smtClean="0"/>
+              <a:t> extension</a:t>
+            </a:r>
+          </a:p>
+          <a:p>
+            <a:r>
+              <a:rPr lang="en-US" dirty="0" smtClean="0"/>
+              <a:t>Has  code behind (.</a:t>
+            </a:r>
+            <a:r>
+              <a:rPr lang="en-US" dirty="0" err="1" smtClean="0"/>
+              <a:t>ascx.cs</a:t>
+            </a:r>
+            <a:r>
+              <a:rPr lang="en-US" dirty="0" smtClean="0"/>
+              <a:t>)</a:t>
+            </a:r>
+          </a:p>
+          <a:p>
+            <a:r>
+              <a:rPr lang="en-US" dirty="0" smtClean="0"/>
+              <a:t>Has @Control directive at the top</a:t>
+            </a:r>
+          </a:p>
+          <a:p>
+            <a:r>
+              <a:rPr lang="en-US" dirty="0" smtClean="0"/>
+              <a:t>Deployed with </a:t>
+            </a:r>
+            <a:r>
+              <a:rPr lang="en-US" dirty="0" err="1" smtClean="0"/>
+              <a:t>Xcopy</a:t>
+            </a:r>
+            <a:endParaRPr lang="en-US" dirty="0" smtClean="0"/>
+          </a:p>
+          <a:p>
+            <a:r>
+              <a:rPr lang="en-US" dirty="0" smtClean="0"/>
+              <a:t>Can be accessed programmatically</a:t>
+            </a:r>
+          </a:p>
+          <a:p>
+            <a:r>
+              <a:rPr lang="en-US" dirty="0" smtClean="0"/>
+              <a:t>In order to be used on a page the control has to be registered with @Register directive </a:t>
+            </a:r>
+            <a:endParaRPr lang="en-US" dirty="0"/>
+          </a:p>
+        </p:txBody>
+      </p:sp>
+      <p:sp>
+        <p:nvSpPr>
+          <p:cNvPr id="4" name="Slide Number Placeholder 3"/>
+          <p:cNvSpPr>
+            <a:spLocks noGrp="1"/>
+          </p:cNvSpPr>
+          <p:nvPr>
+            <p:ph type="sldNum" sz="quarter" idx="10"/>
+          </p:nvPr>
+        </p:nvSpPr>
+        <p:spPr/>
+        <p:txBody>
+          <a:bodyPr/>
+          <a:lstStyle/>
+          <a:p>
+            <a:pPr>
+              <a:defRPr/>
+            </a:pPr>
+            <a:fld id="{58452FF4-89E3-4D1B-9927-2DBDC00E58D7}" type="slidenum">
+              <a:rPr lang="en-US" smtClean="0"/>
+              <a:pPr>
+                <a:defRPr/>
+              </a:pPr>
+              <a:t>21</a:t>
+            </a:fld>
+            <a:endParaRPr lang="en-US" dirty="0"/>
+          </a:p>
+        </p:txBody>
+      </p:sp>
+    </p:spTree>
+  </p:cSld>
+  <p:clrMapOvr>
+    <a:masterClrMapping/>
+  </p:clrMapOvr>
+  <p:timing>
+    <p:tnLst>
+      <p:par>
+        <p:cTn id="1" dur="indefinite" restart="never" nodeType="tmRoot"/>
+      </p:par>
+    </p:tnLst>
+  </p:timing>
+</p:sld>
+</file>
+
+<file path=ppt/slides/slide22.xml><?xml version="1.0" encoding="utf-8"?>
+<p:sld xmlns:a="http://schemas.openxmlformats.org/drawingml/2006/main" xmlns:r="http://schemas.openxmlformats.org/officeDocument/2006/relationships" xmlns:p="http://schemas.openxmlformats.org/presentationml/2006/main">
+  <p:cSld>
+    <p:spTree>
+      <p:nvGrpSpPr>
+        <p:cNvPr id="1" name=""/>
+        <p:cNvGrpSpPr/>
+        <p:nvPr/>
+      </p:nvGrpSpPr>
+      <p:grpSpPr>
+        <a:xfrm>
+          <a:off x="0" y="0"/>
+          <a:ext cx="0" cy="0"/>
+          <a:chOff x="0" y="0"/>
+          <a:chExt cx="0" cy="0"/>
+        </a:xfrm>
+      </p:grpSpPr>
+      <p:sp>
+        <p:nvSpPr>
+          <p:cNvPr id="2" name="Title 1"/>
+          <p:cNvSpPr>
+            <a:spLocks noGrp="1"/>
+          </p:cNvSpPr>
+          <p:nvPr>
+            <p:ph type="title"/>
+          </p:nvPr>
+        </p:nvSpPr>
+        <p:spPr>
+          <a:xfrm>
+            <a:off x="457200" y="2133600"/>
+            <a:ext cx="8458200" cy="2362200"/>
+          </a:xfrm>
+        </p:spPr>
+        <p:txBody>
+          <a:bodyPr/>
+          <a:lstStyle/>
+          <a:p>
+            <a:pPr algn="ctr"/>
+            <a:r>
+              <a:rPr lang="en-US" sz="5400" noProof="1" smtClean="0"/>
+              <a:t>Web.config</a:t>
+            </a:r>
+          </a:p>
+        </p:txBody>
+      </p:sp>
+      <p:sp>
+        <p:nvSpPr>
+          <p:cNvPr id="4" name="Slide Number Placeholder 3"/>
+          <p:cNvSpPr>
+            <a:spLocks noGrp="1"/>
+          </p:cNvSpPr>
+          <p:nvPr>
+            <p:ph type="sldNum" sz="quarter" idx="10"/>
+          </p:nvPr>
+        </p:nvSpPr>
+        <p:spPr/>
+        <p:txBody>
+          <a:bodyPr/>
+          <a:lstStyle/>
+          <a:p>
+            <a:pPr>
+              <a:defRPr/>
+            </a:pPr>
+            <a:fld id="{58452FF4-89E3-4D1B-9927-2DBDC00E58D7}" type="slidenum">
+              <a:rPr lang="en-US" smtClean="0"/>
+              <a:pPr>
+                <a:defRPr/>
+              </a:pPr>
+              <a:t>22</a:t>
+            </a:fld>
+            <a:endParaRPr lang="en-US" dirty="0"/>
+          </a:p>
+        </p:txBody>
+      </p:sp>
+    </p:spTree>
+  </p:cSld>
+  <p:clrMapOvr>
+    <a:masterClrMapping/>
+  </p:clrMapOvr>
+  <p:timing>
+    <p:tnLst>
+      <p:par>
+        <p:cTn id="1" dur="indefinite" restart="never" nodeType="tmRoot"/>
+      </p:par>
+    </p:tnLst>
+  </p:timing>
+</p:sld>
+</file>
+
+<file path=ppt/slides/slide23.xml><?xml version="1.0" encoding="utf-8"?>
+<p:sld xmlns:a="http://schemas.openxmlformats.org/drawingml/2006/main" xmlns:r="http://schemas.openxmlformats.org/officeDocument/2006/relationships" xmlns:p="http://schemas.openxmlformats.org/presentationml/2006/main">
+  <p:cSld>
+    <p:spTree>
+      <p:nvGrpSpPr>
+        <p:cNvPr id="1" name=""/>
+        <p:cNvGrpSpPr/>
+        <p:nvPr/>
+      </p:nvGrpSpPr>
+      <p:grpSpPr>
+        <a:xfrm>
+          <a:off x="0" y="0"/>
+          <a:ext cx="0" cy="0"/>
+          <a:chOff x="0" y="0"/>
+          <a:chExt cx="0" cy="0"/>
+        </a:xfrm>
+      </p:grpSpPr>
+      <p:sp>
+        <p:nvSpPr>
+          <p:cNvPr id="2" name="Title 1"/>
+          <p:cNvSpPr>
+            <a:spLocks noGrp="1"/>
+          </p:cNvSpPr>
+          <p:nvPr>
+            <p:ph type="title"/>
+          </p:nvPr>
+        </p:nvSpPr>
+        <p:spPr/>
+        <p:txBody>
+          <a:bodyPr/>
+          <a:lstStyle/>
+          <a:p>
+            <a:r>
+              <a:rPr lang="en-US" dirty="0" smtClean="0"/>
+              <a:t>Configuration</a:t>
+            </a:r>
+            <a:endParaRPr lang="en-US" dirty="0"/>
+          </a:p>
+        </p:txBody>
+      </p:sp>
+      <p:sp>
+        <p:nvSpPr>
+          <p:cNvPr id="3" name="Content Placeholder 2"/>
+          <p:cNvSpPr>
+            <a:spLocks noGrp="1"/>
+          </p:cNvSpPr>
+          <p:nvPr>
+            <p:ph idx="1"/>
+          </p:nvPr>
+        </p:nvSpPr>
+        <p:spPr/>
+        <p:txBody>
+          <a:bodyPr/>
+          <a:lstStyle/>
+          <a:p>
+            <a:r>
+              <a:rPr lang="en-US" dirty="0" smtClean="0"/>
+              <a:t>XML based files with .</a:t>
+            </a:r>
+            <a:r>
+              <a:rPr lang="en-US" dirty="0" err="1" smtClean="0"/>
+              <a:t>config</a:t>
+            </a:r>
+            <a:r>
+              <a:rPr lang="en-US" dirty="0" smtClean="0"/>
+              <a:t> extension</a:t>
+            </a:r>
+          </a:p>
+          <a:p>
+            <a:r>
+              <a:rPr lang="en-US" dirty="0" smtClean="0"/>
+              <a:t>Levels of configuration</a:t>
+            </a:r>
+          </a:p>
+          <a:p>
+            <a:pPr lvl="1"/>
+            <a:r>
+              <a:rPr lang="en-US" dirty="0" err="1" smtClean="0"/>
+              <a:t>Machine.config</a:t>
+            </a:r>
+            <a:endParaRPr lang="en-US" dirty="0" smtClean="0"/>
+          </a:p>
+          <a:p>
+            <a:pPr lvl="1"/>
+            <a:r>
+              <a:rPr lang="en-US" dirty="0" smtClean="0"/>
+              <a:t>Application's root folder </a:t>
+            </a:r>
+            <a:r>
+              <a:rPr lang="en-US" dirty="0" err="1" smtClean="0"/>
+              <a:t>web.config</a:t>
+            </a:r>
+            <a:endParaRPr lang="en-US" dirty="0" smtClean="0"/>
+          </a:p>
+          <a:p>
+            <a:pPr lvl="1"/>
+            <a:r>
+              <a:rPr lang="en-US" dirty="0" smtClean="0"/>
+              <a:t>Subdirectory </a:t>
+            </a:r>
+            <a:r>
+              <a:rPr lang="en-US" dirty="0" err="1" smtClean="0"/>
+              <a:t>web.config</a:t>
+            </a:r>
+            <a:endParaRPr lang="en-US" dirty="0" smtClean="0"/>
+          </a:p>
+          <a:p>
+            <a:pPr lvl="1"/>
+            <a:r>
+              <a:rPr lang="en-US" dirty="0" smtClean="0"/>
+              <a:t>Directives (@Page, @Control, @</a:t>
+            </a:r>
+            <a:r>
+              <a:rPr lang="en-US" dirty="0" err="1" smtClean="0"/>
+              <a:t>MasterPage</a:t>
+            </a:r>
+            <a:r>
+              <a:rPr lang="en-US" dirty="0" smtClean="0"/>
+              <a:t>)</a:t>
+            </a:r>
+          </a:p>
+          <a:p>
+            <a:pPr lvl="1"/>
+            <a:r>
+              <a:rPr lang="en-US" dirty="0" smtClean="0"/>
+              <a:t>Controls</a:t>
+            </a:r>
+          </a:p>
+          <a:p>
+            <a:r>
+              <a:rPr lang="en-US" dirty="0" smtClean="0"/>
+              <a:t>If you change .</a:t>
+            </a:r>
+            <a:r>
+              <a:rPr lang="en-US" dirty="0" err="1" smtClean="0"/>
+              <a:t>config</a:t>
+            </a:r>
+            <a:r>
+              <a:rPr lang="en-US" dirty="0" smtClean="0"/>
+              <a:t> file the worker process is restarted (all in process data is lost)</a:t>
+            </a:r>
+            <a:endParaRPr lang="en-US" dirty="0"/>
+          </a:p>
+        </p:txBody>
+      </p:sp>
+      <p:sp>
+        <p:nvSpPr>
+          <p:cNvPr id="4" name="Slide Number Placeholder 3"/>
+          <p:cNvSpPr>
+            <a:spLocks noGrp="1"/>
+          </p:cNvSpPr>
+          <p:nvPr>
+            <p:ph type="sldNum" sz="quarter" idx="10"/>
+          </p:nvPr>
+        </p:nvSpPr>
+        <p:spPr/>
+        <p:txBody>
+          <a:bodyPr/>
+          <a:lstStyle/>
+          <a:p>
+            <a:pPr>
+              <a:defRPr/>
+            </a:pPr>
+            <a:fld id="{58452FF4-89E3-4D1B-9927-2DBDC00E58D7}" type="slidenum">
+              <a:rPr lang="en-US" smtClean="0"/>
+              <a:pPr>
+                <a:defRPr/>
+              </a:pPr>
+              <a:t>23</a:t>
+            </a:fld>
+            <a:endParaRPr lang="en-US" dirty="0"/>
+          </a:p>
+        </p:txBody>
+      </p:sp>
+    </p:spTree>
+  </p:cSld>
+  <p:clrMapOvr>
+    <a:masterClrMapping/>
+  </p:clrMapOvr>
+  <p:timing>
+    <p:tnLst>
+      <p:par>
+        <p:cTn id="1" dur="indefinite" restart="never" nodeType="tmRoot"/>
+      </p:par>
+    </p:tnLst>
+  </p:timing>
+</p:sld>
+</file>
+
+<file path=ppt/slides/slide24.xml><?xml version="1.0" encoding="utf-8"?>
+<p:sld xmlns:a="http://schemas.openxmlformats.org/drawingml/2006/main" xmlns:r="http://schemas.openxmlformats.org/officeDocument/2006/relationships" xmlns:p="http://schemas.openxmlformats.org/presentationml/2006/main">
+  <p:cSld>
+    <p:spTree>
+      <p:nvGrpSpPr>
+        <p:cNvPr id="1" name=""/>
+        <p:cNvGrpSpPr/>
+        <p:nvPr/>
+      </p:nvGrpSpPr>
+      <p:grpSpPr>
+        <a:xfrm>
+          <a:off x="0" y="0"/>
+          <a:ext cx="0" cy="0"/>
+          <a:chOff x="0" y="0"/>
+          <a:chExt cx="0" cy="0"/>
+        </a:xfrm>
+      </p:grpSpPr>
+      <p:sp>
+        <p:nvSpPr>
+          <p:cNvPr id="2" name="Title 1"/>
+          <p:cNvSpPr>
+            <a:spLocks noGrp="1"/>
+          </p:cNvSpPr>
+          <p:nvPr>
+            <p:ph type="title"/>
+          </p:nvPr>
+        </p:nvSpPr>
+        <p:spPr>
+          <a:xfrm>
+            <a:off x="457200" y="2133600"/>
+            <a:ext cx="8458200" cy="2362200"/>
+          </a:xfrm>
+        </p:spPr>
+        <p:txBody>
+          <a:bodyPr/>
+          <a:lstStyle/>
+          <a:p>
+            <a:pPr algn="ctr"/>
+            <a:r>
+              <a:rPr lang="en-US" sz="5400" dirty="0" smtClean="0"/>
+              <a:t>Membership</a:t>
+            </a:r>
+          </a:p>
+        </p:txBody>
+      </p:sp>
+      <p:sp>
+        <p:nvSpPr>
+          <p:cNvPr id="4" name="Slide Number Placeholder 3"/>
+          <p:cNvSpPr>
+            <a:spLocks noGrp="1"/>
+          </p:cNvSpPr>
+          <p:nvPr>
+            <p:ph type="sldNum" sz="quarter" idx="10"/>
+          </p:nvPr>
+        </p:nvSpPr>
+        <p:spPr/>
+        <p:txBody>
+          <a:bodyPr/>
+          <a:lstStyle/>
+          <a:p>
+            <a:pPr>
+              <a:defRPr/>
+            </a:pPr>
+            <a:fld id="{58452FF4-89E3-4D1B-9927-2DBDC00E58D7}" type="slidenum">
+              <a:rPr lang="en-US" smtClean="0"/>
+              <a:pPr>
+                <a:defRPr/>
+              </a:pPr>
+              <a:t>24</a:t>
+            </a:fld>
+            <a:endParaRPr lang="en-US" dirty="0"/>
+          </a:p>
+        </p:txBody>
+      </p:sp>
+    </p:spTree>
+  </p:cSld>
+  <p:clrMapOvr>
+    <a:masterClrMapping/>
+  </p:clrMapOvr>
+  <p:timing>
+    <p:tnLst>
+      <p:par>
+        <p:cTn id="1" dur="indefinite" restart="never" nodeType="tmRoot"/>
+      </p:par>
+    </p:tnLst>
+  </p:timing>
+</p:sld>
+</file>
+
+<file path=ppt/slides/slide25.xml><?xml version="1.0" encoding="utf-8"?>
+<p:sld xmlns:a="http://schemas.openxmlformats.org/drawingml/2006/main" xmlns:r="http://schemas.openxmlformats.org/officeDocument/2006/relationships" xmlns:p="http://schemas.openxmlformats.org/presentationml/2006/main">
+  <p:cSld>
+    <p:spTree>
+      <p:nvGrpSpPr>
+        <p:cNvPr id="1" name=""/>
+        <p:cNvGrpSpPr/>
+        <p:nvPr/>
+      </p:nvGrpSpPr>
+      <p:grpSpPr>
+        <a:xfrm>
+          <a:off x="0" y="0"/>
+          <a:ext cx="0" cy="0"/>
+          <a:chOff x="0" y="0"/>
+          <a:chExt cx="0" cy="0"/>
+        </a:xfrm>
+      </p:grpSpPr>
+      <p:sp>
+        <p:nvSpPr>
+          <p:cNvPr id="462850" name="Rectangle 2"/>
+          <p:cNvSpPr>
+            <a:spLocks noGrp="1" noChangeArrowheads="1"/>
+          </p:cNvSpPr>
+          <p:nvPr>
+            <p:ph type="title"/>
+          </p:nvPr>
+        </p:nvSpPr>
+        <p:spPr/>
+        <p:txBody>
+          <a:bodyPr/>
+          <a:lstStyle/>
+          <a:p>
+            <a:r>
+              <a:rPr lang="en-US"/>
+              <a:t>Basics</a:t>
+            </a:r>
+            <a:endParaRPr lang="bg-BG"/>
+          </a:p>
+        </p:txBody>
+      </p:sp>
+      <p:sp>
+        <p:nvSpPr>
+          <p:cNvPr id="462851" name="Rectangle 3"/>
+          <p:cNvSpPr>
+            <a:spLocks noGrp="1" noChangeArrowheads="1"/>
+          </p:cNvSpPr>
+          <p:nvPr>
+            <p:ph type="body" idx="1"/>
+          </p:nvPr>
+        </p:nvSpPr>
+        <p:spPr/>
+        <p:txBody>
+          <a:bodyPr/>
+          <a:lstStyle/>
+          <a:p>
+            <a:r>
+              <a:rPr lang="en-US">
+                <a:solidFill>
+                  <a:schemeClr val="hlink"/>
+                </a:solidFill>
+                <a:effectLst>
+                  <a:outerShdw blurRad="38100" dist="38100" dir="2700000" algn="tl">
+                    <a:srgbClr val="000000"/>
+                  </a:outerShdw>
+                </a:effectLst>
+              </a:rPr>
+              <a:t>Authentication</a:t>
+            </a:r>
+          </a:p>
+          <a:p>
+            <a:pPr lvl="1"/>
+            <a:r>
+              <a:rPr lang="en-US"/>
+              <a:t>The process of verifying the identity </a:t>
+            </a:r>
+            <a:br>
+              <a:rPr lang="en-US"/>
+            </a:br>
+            <a:r>
+              <a:rPr lang="en-US"/>
+              <a:t>of a user or computer</a:t>
+            </a:r>
+          </a:p>
+          <a:p>
+            <a:r>
+              <a:rPr lang="en-US">
+                <a:solidFill>
+                  <a:schemeClr val="hlink"/>
+                </a:solidFill>
+                <a:effectLst>
+                  <a:outerShdw blurRad="38100" dist="38100" dir="2700000" algn="tl">
+                    <a:srgbClr val="000000"/>
+                  </a:outerShdw>
+                </a:effectLst>
+              </a:rPr>
+              <a:t>Authorization</a:t>
+            </a:r>
+          </a:p>
+          <a:p>
+            <a:pPr lvl="1"/>
+            <a:r>
+              <a:rPr lang="en-US"/>
+              <a:t>The process that determines what a user is permitted to do on a computer system or network</a:t>
+            </a:r>
+          </a:p>
+        </p:txBody>
+      </p:sp>
+    </p:spTree>
+  </p:cSld>
+  <p:clrMapOvr>
+    <a:masterClrMapping/>
+  </p:clrMapOvr>
+  <p:transition/>
+  <p:timing>
+    <p:tnLst>
+      <p:par>
+        <p:cTn id="1" dur="indefinite" restart="never" nodeType="tmRoot"/>
+      </p:par>
+    </p:tnLst>
+  </p:timing>
+</p:sld>
+</file>
+
+<file path=ppt/slides/slide26.xml><?xml version="1.0" encoding="utf-8"?>
+<p:sld xmlns:a="http://schemas.openxmlformats.org/drawingml/2006/main" xmlns:r="http://schemas.openxmlformats.org/officeDocument/2006/relationships" xmlns:p="http://schemas.openxmlformats.org/presentationml/2006/main">
+  <p:cSld>
+    <p:spTree>
+      <p:nvGrpSpPr>
+        <p:cNvPr id="1" name=""/>
+        <p:cNvGrpSpPr/>
+        <p:nvPr/>
+      </p:nvGrpSpPr>
+      <p:grpSpPr>
+        <a:xfrm>
+          <a:off x="0" y="0"/>
+          <a:ext cx="0" cy="0"/>
+          <a:chOff x="0" y="0"/>
+          <a:chExt cx="0" cy="0"/>
+        </a:xfrm>
+      </p:grpSpPr>
+      <p:sp>
+        <p:nvSpPr>
+          <p:cNvPr id="428034" name="Rectangle 2"/>
+          <p:cNvSpPr>
+            <a:spLocks noGrp="1" noChangeArrowheads="1"/>
+          </p:cNvSpPr>
+          <p:nvPr>
+            <p:ph type="title"/>
+          </p:nvPr>
+        </p:nvSpPr>
+        <p:spPr/>
+        <p:txBody>
+          <a:bodyPr/>
+          <a:lstStyle/>
+          <a:p>
+            <a:r>
+              <a:rPr lang="en-US"/>
+              <a:t>Authentication Types</a:t>
+            </a:r>
+            <a:endParaRPr lang="bg-BG"/>
+          </a:p>
+        </p:txBody>
+      </p:sp>
+      <p:sp>
+        <p:nvSpPr>
+          <p:cNvPr id="428035" name="Rectangle 3"/>
+          <p:cNvSpPr>
+            <a:spLocks noGrp="1" noChangeArrowheads="1"/>
+          </p:cNvSpPr>
+          <p:nvPr>
+            <p:ph type="body" idx="1"/>
+          </p:nvPr>
+        </p:nvSpPr>
+        <p:spPr/>
+        <p:txBody>
+          <a:bodyPr/>
+          <a:lstStyle/>
+          <a:p>
+            <a:r>
+              <a:rPr lang="en-US"/>
+              <a:t>Windows Authentication</a:t>
+            </a:r>
+          </a:p>
+          <a:p>
+            <a:pPr lvl="1"/>
+            <a:r>
+              <a:rPr lang="en-US"/>
+              <a:t>Uses the security features integrated </a:t>
+            </a:r>
+            <a:br>
+              <a:rPr lang="en-US"/>
+            </a:br>
+            <a:r>
+              <a:rPr lang="en-US"/>
+              <a:t>into the Windows NT / Windows XP operating systems</a:t>
+            </a:r>
+          </a:p>
+          <a:p>
+            <a:r>
+              <a:rPr lang="en-US"/>
+              <a:t>Forms authentication </a:t>
+            </a:r>
+          </a:p>
+          <a:p>
+            <a:pPr lvl="1"/>
+            <a:r>
+              <a:rPr lang="en-US"/>
+              <a:t>Code associated with a Web form handles users authentication</a:t>
+            </a:r>
+          </a:p>
+          <a:p>
+            <a:pPr lvl="1"/>
+            <a:r>
+              <a:rPr lang="en-US"/>
+              <a:t>Users list is stored and used by the form</a:t>
+            </a:r>
+          </a:p>
+        </p:txBody>
+      </p:sp>
+    </p:spTree>
+  </p:cSld>
+  <p:clrMapOvr>
+    <a:masterClrMapping/>
+  </p:clrMapOvr>
+  <p:transition/>
+  <p:timing>
+    <p:tnLst>
+      <p:par>
+        <p:cTn id="1" dur="indefinite" restart="never" nodeType="tmRoot"/>
+      </p:par>
+    </p:tnLst>
+  </p:timing>
+</p:sld>
+</file>
+
+<file path=ppt/slides/slide27.xml><?xml version="1.0" encoding="utf-8"?>
+<p:sld xmlns:a="http://schemas.openxmlformats.org/drawingml/2006/main" xmlns:r="http://schemas.openxmlformats.org/officeDocument/2006/relationships" xmlns:p="http://schemas.openxmlformats.org/presentationml/2006/main">
+  <p:cSld>
+    <p:spTree>
+      <p:nvGrpSpPr>
+        <p:cNvPr id="1" name=""/>
+        <p:cNvGrpSpPr/>
+        <p:nvPr/>
+      </p:nvGrpSpPr>
+      <p:grpSpPr>
+        <a:xfrm>
+          <a:off x="0" y="0"/>
+          <a:ext cx="0" cy="0"/>
+          <a:chOff x="0" y="0"/>
+          <a:chExt cx="0" cy="0"/>
+        </a:xfrm>
+      </p:grpSpPr>
+      <p:sp>
+        <p:nvSpPr>
+          <p:cNvPr id="429058" name="Rectangle 2"/>
+          <p:cNvSpPr>
+            <a:spLocks noGrp="1" noChangeArrowheads="1"/>
+          </p:cNvSpPr>
+          <p:nvPr>
+            <p:ph type="title"/>
+          </p:nvPr>
+        </p:nvSpPr>
+        <p:spPr/>
+        <p:txBody>
+          <a:bodyPr/>
+          <a:lstStyle/>
+          <a:p>
+            <a:r>
+              <a:rPr lang="en-US"/>
+              <a:t>Windows Authentication</a:t>
+            </a:r>
+            <a:endParaRPr lang="bg-BG"/>
+          </a:p>
+        </p:txBody>
+      </p:sp>
+      <p:sp>
+        <p:nvSpPr>
+          <p:cNvPr id="429059" name="Rectangle 3"/>
+          <p:cNvSpPr>
+            <a:spLocks noGrp="1" noChangeArrowheads="1"/>
+          </p:cNvSpPr>
+          <p:nvPr>
+            <p:ph type="body" idx="1"/>
+          </p:nvPr>
+        </p:nvSpPr>
+        <p:spPr/>
+        <p:txBody>
+          <a:bodyPr/>
+          <a:lstStyle/>
+          <a:p>
+            <a:r>
+              <a:rPr lang="en-US" dirty="0"/>
+              <a:t>Web application use the same security scheme that applies to your network</a:t>
+            </a:r>
+            <a:endParaRPr lang="bg-BG" dirty="0"/>
+          </a:p>
+          <a:p>
+            <a:r>
+              <a:rPr lang="en-US" dirty="0"/>
+              <a:t>Network resources and Web applications use the same:</a:t>
+            </a:r>
+          </a:p>
+          <a:p>
+            <a:pPr lvl="1"/>
+            <a:r>
+              <a:rPr lang="en-US" dirty="0"/>
+              <a:t>User names</a:t>
+            </a:r>
+          </a:p>
+          <a:p>
+            <a:pPr lvl="1"/>
+            <a:r>
+              <a:rPr lang="en-US" dirty="0"/>
+              <a:t>Passwords</a:t>
+            </a:r>
+          </a:p>
+          <a:p>
+            <a:pPr lvl="1"/>
+            <a:r>
+              <a:rPr lang="en-US" dirty="0" smtClean="0"/>
+              <a:t>Permissions</a:t>
+            </a:r>
+            <a:endParaRPr lang="bg-BG" dirty="0"/>
+          </a:p>
+        </p:txBody>
+      </p:sp>
+    </p:spTree>
+  </p:cSld>
+  <p:clrMapOvr>
+    <a:masterClrMapping/>
+  </p:clrMapOvr>
+  <p:transition/>
+  <p:timing>
+    <p:tnLst>
+      <p:par>
+        <p:cTn id="1" dur="indefinite" restart="never" nodeType="tmRoot"/>
+      </p:par>
+    </p:tnLst>
+  </p:timing>
+</p:sld>
+</file>
+
+<file path=ppt/slides/slide28.xml><?xml version="1.0" encoding="utf-8"?>
+<p:sld xmlns:a="http://schemas.openxmlformats.org/drawingml/2006/main" xmlns:r="http://schemas.openxmlformats.org/officeDocument/2006/relationships" xmlns:p="http://schemas.openxmlformats.org/presentationml/2006/main">
+  <p:cSld>
+    <p:spTree>
+      <p:nvGrpSpPr>
+        <p:cNvPr id="1" name=""/>
+        <p:cNvGrpSpPr/>
+        <p:nvPr/>
+      </p:nvGrpSpPr>
+      <p:grpSpPr>
+        <a:xfrm>
+          <a:off x="0" y="0"/>
+          <a:ext cx="0" cy="0"/>
+          <a:chOff x="0" y="0"/>
+          <a:chExt cx="0" cy="0"/>
+        </a:xfrm>
+      </p:grpSpPr>
+      <p:sp>
+        <p:nvSpPr>
+          <p:cNvPr id="461826" name="Rectangle 2"/>
+          <p:cNvSpPr>
+            <a:spLocks noGrp="1" noChangeArrowheads="1"/>
+          </p:cNvSpPr>
+          <p:nvPr>
+            <p:ph type="title"/>
+          </p:nvPr>
+        </p:nvSpPr>
+        <p:spPr/>
+        <p:txBody>
+          <a:bodyPr/>
+          <a:lstStyle/>
+          <a:p>
+            <a:r>
+              <a:rPr lang="en-US"/>
+              <a:t>Windows Authentication (2)</a:t>
+            </a:r>
+            <a:endParaRPr lang="bg-BG"/>
+          </a:p>
+        </p:txBody>
+      </p:sp>
+      <p:sp>
+        <p:nvSpPr>
+          <p:cNvPr id="461827" name="Rectangle 3"/>
+          <p:cNvSpPr>
+            <a:spLocks noGrp="1" noChangeArrowheads="1"/>
+          </p:cNvSpPr>
+          <p:nvPr>
+            <p:ph type="body" idx="1"/>
+          </p:nvPr>
+        </p:nvSpPr>
+        <p:spPr/>
+        <p:txBody>
+          <a:bodyPr/>
+          <a:lstStyle/>
+          <a:p>
+            <a:r>
+              <a:rPr lang="en-US"/>
+              <a:t>The user is authenticated against his username and password in the OS</a:t>
+            </a:r>
+          </a:p>
+          <a:p>
+            <a:r>
+              <a:rPr lang="en-US"/>
+              <a:t>When a user is authorized:</a:t>
+            </a:r>
+          </a:p>
+          <a:p>
+            <a:pPr lvl="1"/>
+            <a:r>
+              <a:rPr lang="en-US"/>
+              <a:t>ASP.NET issues an authorization certificate (a cookie) </a:t>
+            </a:r>
+          </a:p>
+          <a:p>
+            <a:pPr lvl="1"/>
+            <a:r>
+              <a:rPr lang="en-US"/>
+              <a:t>Application executes using the permissions found in your account </a:t>
+            </a:r>
+          </a:p>
+          <a:p>
+            <a:pPr lvl="1"/>
+            <a:r>
+              <a:rPr lang="en-US"/>
+              <a:t>The user's session ends when the browser closes or when the session times out</a:t>
+            </a:r>
+          </a:p>
+        </p:txBody>
+      </p:sp>
+    </p:spTree>
+  </p:cSld>
+  <p:clrMapOvr>
+    <a:masterClrMapping/>
+  </p:clrMapOvr>
+  <p:transition/>
+  <p:timing>
+    <p:tnLst>
+      <p:par>
+        <p:cTn id="1" dur="indefinite" restart="never" nodeType="tmRoot"/>
+      </p:par>
+    </p:tnLst>
+  </p:timing>
+</p:sld>
+</file>
+
+<file path=ppt/slides/slide29.xml><?xml version="1.0" encoding="utf-8"?>
+<p:sld xmlns:a="http://schemas.openxmlformats.org/drawingml/2006/main" xmlns:r="http://schemas.openxmlformats.org/officeDocument/2006/relationships" xmlns:p="http://schemas.openxmlformats.org/presentationml/2006/main">
+  <p:cSld>
+    <p:spTree>
+      <p:nvGrpSpPr>
+        <p:cNvPr id="1" name=""/>
+        <p:cNvGrpSpPr/>
+        <p:nvPr/>
+      </p:nvGrpSpPr>
+      <p:grpSpPr>
+        <a:xfrm>
+          <a:off x="0" y="0"/>
+          <a:ext cx="0" cy="0"/>
+          <a:chOff x="0" y="0"/>
+          <a:chExt cx="0" cy="0"/>
+        </a:xfrm>
+      </p:grpSpPr>
+      <p:sp>
+        <p:nvSpPr>
+          <p:cNvPr id="464898" name="Rectangle 2"/>
+          <p:cNvSpPr>
+            <a:spLocks noGrp="1" noChangeArrowheads="1"/>
+          </p:cNvSpPr>
+          <p:nvPr>
+            <p:ph type="title"/>
+          </p:nvPr>
+        </p:nvSpPr>
+        <p:spPr/>
+        <p:txBody>
+          <a:bodyPr/>
+          <a:lstStyle/>
+          <a:p>
+            <a:r>
+              <a:rPr lang="en-US"/>
+              <a:t>Windows Authentication (3)</a:t>
+            </a:r>
+            <a:endParaRPr lang="bg-BG"/>
+          </a:p>
+        </p:txBody>
+      </p:sp>
+      <p:sp>
+        <p:nvSpPr>
+          <p:cNvPr id="464899" name="Rectangle 3"/>
+          <p:cNvSpPr>
+            <a:spLocks noGrp="1" noChangeArrowheads="1"/>
+          </p:cNvSpPr>
+          <p:nvPr>
+            <p:ph type="body" idx="1"/>
+          </p:nvPr>
+        </p:nvSpPr>
+        <p:spPr/>
+        <p:txBody>
+          <a:bodyPr/>
+          <a:lstStyle/>
+          <a:p>
+            <a:r>
+              <a:rPr lang="en-US"/>
+              <a:t>Users who are logged on to the network</a:t>
+            </a:r>
+          </a:p>
+          <a:p>
+            <a:pPr lvl="1"/>
+            <a:r>
+              <a:rPr lang="en-US"/>
+              <a:t>Are automatically authenticated </a:t>
+            </a:r>
+          </a:p>
+          <a:p>
+            <a:pPr lvl="1"/>
+            <a:r>
+              <a:rPr lang="en-US"/>
+              <a:t>Can access the Web application</a:t>
+            </a:r>
+          </a:p>
+          <a:p>
+            <a:r>
+              <a:rPr lang="en-US"/>
+              <a:t>To set the authentication to Windows add to the </a:t>
+            </a:r>
+            <a:r>
+              <a:rPr lang="en-US" noProof="1">
+                <a:latin typeface="Courier New" pitchFamily="49" charset="0"/>
+              </a:rPr>
+              <a:t>Web.config</a:t>
+            </a:r>
+            <a:endParaRPr lang="en-US">
+              <a:latin typeface="Courier New" pitchFamily="49" charset="0"/>
+            </a:endParaRPr>
+          </a:p>
+          <a:p>
+            <a:endParaRPr lang="en-US"/>
+          </a:p>
+          <a:p>
+            <a:pPr>
+              <a:spcBef>
+                <a:spcPct val="30000"/>
+              </a:spcBef>
+            </a:pPr>
+            <a:r>
+              <a:rPr lang="en-US"/>
+              <a:t>To deny anonymous users add</a:t>
+            </a:r>
+            <a:endParaRPr lang="en-US" noProof="1"/>
+          </a:p>
+        </p:txBody>
+      </p:sp>
+      <p:sp>
+        <p:nvSpPr>
+          <p:cNvPr id="464900" name="Rectangle 4"/>
+          <p:cNvSpPr>
+            <a:spLocks noChangeArrowheads="1"/>
+          </p:cNvSpPr>
+          <p:nvPr/>
+        </p:nvSpPr>
+        <p:spPr bwMode="auto">
+          <a:xfrm>
+            <a:off x="539750" y="4287838"/>
+            <a:ext cx="8064500" cy="509587"/>
+          </a:xfrm>
+          <a:prstGeom prst="rect">
+            <a:avLst/>
+          </a:prstGeom>
+          <a:solidFill>
+            <a:schemeClr val="bg1">
+              <a:alpha val="39999"/>
+            </a:schemeClr>
+          </a:solidFill>
+          <a:ln w="3175" algn="ctr">
+            <a:solidFill>
+              <a:srgbClr val="E8FFC8"/>
+            </a:solidFill>
+            <a:miter lim="800000"/>
+            <a:headEnd/>
+            <a:tailEnd/>
+          </a:ln>
+          <a:effectLst/>
+        </p:spPr>
+        <p:txBody>
+          <a:bodyPr lIns="144000" tIns="91440" rIns="144000" bIns="109728">
+            <a:spAutoFit/>
+          </a:bodyPr>
+          <a:lstStyle/>
+          <a:p>
+            <a:pPr>
+              <a:lnSpc>
+                <a:spcPct val="100000"/>
+              </a:lnSpc>
+            </a:pPr>
+            <a:r>
+              <a:rPr lang="en-US" sz="2000" b="1" noProof="1">
+                <a:solidFill>
+                  <a:schemeClr val="tx1">
+                    <a:lumMod val="20000"/>
+                    <a:lumOff val="80000"/>
+                  </a:schemeClr>
+                </a:solidFill>
+                <a:latin typeface="Courier New" pitchFamily="49" charset="0"/>
+              </a:rPr>
+              <a:t>&lt;authentication mode="Windows" /&gt;</a:t>
+            </a:r>
+            <a:endParaRPr lang="en-US" sz="2000" b="1" dirty="0">
+              <a:solidFill>
+                <a:schemeClr val="tx1">
+                  <a:lumMod val="20000"/>
+                  <a:lumOff val="80000"/>
+                </a:schemeClr>
+              </a:solidFill>
+              <a:latin typeface="Courier New" pitchFamily="49" charset="0"/>
+            </a:endParaRPr>
+          </a:p>
+        </p:txBody>
+      </p:sp>
+      <p:sp>
+        <p:nvSpPr>
+          <p:cNvPr id="464901" name="Rectangle 5"/>
+          <p:cNvSpPr>
+            <a:spLocks noChangeArrowheads="1"/>
+          </p:cNvSpPr>
+          <p:nvPr/>
+        </p:nvSpPr>
+        <p:spPr bwMode="auto">
+          <a:xfrm>
+            <a:off x="539750" y="5478463"/>
+            <a:ext cx="8064500" cy="1119187"/>
+          </a:xfrm>
+          <a:prstGeom prst="rect">
+            <a:avLst/>
+          </a:prstGeom>
+          <a:solidFill>
+            <a:schemeClr val="bg1">
+              <a:alpha val="39999"/>
+            </a:schemeClr>
+          </a:solidFill>
+          <a:ln w="3175" algn="ctr">
+            <a:solidFill>
+              <a:schemeClr val="hlink"/>
+            </a:solidFill>
+            <a:miter lim="800000"/>
+            <a:headEnd/>
+            <a:tailEnd/>
+          </a:ln>
+          <a:effectLst/>
+        </p:spPr>
+        <p:txBody>
+          <a:bodyPr lIns="144000" tIns="91440" rIns="144000" bIns="109728">
+            <a:spAutoFit/>
+          </a:bodyPr>
+          <a:lstStyle/>
+          <a:p>
+            <a:r>
+              <a:rPr lang="en-US" sz="2000" b="1" noProof="1">
+                <a:solidFill>
+                  <a:schemeClr val="tx1">
+                    <a:lumMod val="20000"/>
+                    <a:lumOff val="80000"/>
+                  </a:schemeClr>
+                </a:solidFill>
+                <a:latin typeface="Courier New" pitchFamily="49" charset="0"/>
+              </a:rPr>
+              <a:t>&lt;authorization&gt;</a:t>
+            </a:r>
+          </a:p>
+          <a:p>
+            <a:r>
+              <a:rPr lang="en-US" sz="2000" b="1" noProof="1">
+                <a:solidFill>
+                  <a:schemeClr val="tx1">
+                    <a:lumMod val="20000"/>
+                    <a:lumOff val="80000"/>
+                  </a:schemeClr>
+                </a:solidFill>
+                <a:latin typeface="Courier New" pitchFamily="49" charset="0"/>
+              </a:rPr>
+              <a:t>	&lt;deny users="?"/&gt;</a:t>
+            </a:r>
+          </a:p>
+          <a:p>
+            <a:r>
+              <a:rPr lang="en-US" sz="2000" b="1" noProof="1">
+                <a:solidFill>
+                  <a:schemeClr val="tx1">
+                    <a:lumMod val="20000"/>
+                    <a:lumOff val="80000"/>
+                  </a:schemeClr>
+                </a:solidFill>
+                <a:latin typeface="Courier New" pitchFamily="49" charset="0"/>
+              </a:rPr>
+              <a:t>&lt;/authorization</a:t>
+            </a:r>
+            <a:r>
+              <a:rPr lang="en-US" sz="2000" b="1" noProof="1" smtClean="0">
+                <a:solidFill>
+                  <a:schemeClr val="tx1">
+                    <a:lumMod val="20000"/>
+                    <a:lumOff val="80000"/>
+                  </a:schemeClr>
+                </a:solidFill>
+                <a:latin typeface="Courier New" pitchFamily="49" charset="0"/>
+              </a:rPr>
+              <a:t>&gt;</a:t>
+            </a:r>
+            <a:endParaRPr lang="en-US" sz="2000" b="1" noProof="1">
+              <a:solidFill>
+                <a:schemeClr val="tx1">
+                  <a:lumMod val="20000"/>
+                  <a:lumOff val="80000"/>
+                </a:schemeClr>
+              </a:solidFill>
+              <a:latin typeface="Courier New" pitchFamily="49" charset="0"/>
+            </a:endParaRPr>
+          </a:p>
+        </p:txBody>
+      </p:sp>
+    </p:spTree>
+  </p:cSld>
+  <p:clrMapOvr>
+    <a:masterClrMapping/>
+  </p:clrMapOvr>
+  <p:transition/>
   <p:timing>
     <p:tnLst>
       <p:par>
@@ -3917,6 +7375,3061 @@
       </p:grpSpPr>
       <p:sp>
         <p:nvSpPr>
+          <p:cNvPr id="2" name="Title 1"/>
+          <p:cNvSpPr>
+            <a:spLocks noGrp="1"/>
+          </p:cNvSpPr>
+          <p:nvPr>
+            <p:ph type="title"/>
+          </p:nvPr>
+        </p:nvSpPr>
+        <p:spPr>
+          <a:xfrm>
+            <a:off x="457200" y="2133600"/>
+            <a:ext cx="8458200" cy="2362200"/>
+          </a:xfrm>
+        </p:spPr>
+        <p:txBody>
+          <a:bodyPr/>
+          <a:lstStyle/>
+          <a:p>
+            <a:pPr algn="ctr"/>
+            <a:r>
+              <a:rPr lang="en-US" sz="5400" dirty="0" smtClean="0"/>
+              <a:t>State management</a:t>
+            </a:r>
+            <a:endParaRPr lang="en-US" sz="5400" dirty="0"/>
+          </a:p>
+        </p:txBody>
+      </p:sp>
+      <p:sp>
+        <p:nvSpPr>
+          <p:cNvPr id="4" name="Slide Number Placeholder 3"/>
+          <p:cNvSpPr>
+            <a:spLocks noGrp="1"/>
+          </p:cNvSpPr>
+          <p:nvPr>
+            <p:ph type="sldNum" sz="quarter" idx="10"/>
+          </p:nvPr>
+        </p:nvSpPr>
+        <p:spPr/>
+        <p:txBody>
+          <a:bodyPr/>
+          <a:lstStyle/>
+          <a:p>
+            <a:pPr>
+              <a:defRPr/>
+            </a:pPr>
+            <a:fld id="{58452FF4-89E3-4D1B-9927-2DBDC00E58D7}" type="slidenum">
+              <a:rPr lang="en-US" smtClean="0"/>
+              <a:pPr>
+                <a:defRPr/>
+              </a:pPr>
+              <a:t>3</a:t>
+            </a:fld>
+            <a:endParaRPr lang="en-US" dirty="0"/>
+          </a:p>
+        </p:txBody>
+      </p:sp>
+    </p:spTree>
+  </p:cSld>
+  <p:clrMapOvr>
+    <a:masterClrMapping/>
+  </p:clrMapOvr>
+  <p:timing>
+    <p:tnLst>
+      <p:par>
+        <p:cTn id="1" dur="indefinite" restart="never" nodeType="tmRoot"/>
+      </p:par>
+    </p:tnLst>
+  </p:timing>
+</p:sld>
+</file>
+
+<file path=ppt/slides/slide30.xml><?xml version="1.0" encoding="utf-8"?>
+<p:sld xmlns:a="http://schemas.openxmlformats.org/drawingml/2006/main" xmlns:r="http://schemas.openxmlformats.org/officeDocument/2006/relationships" xmlns:p="http://schemas.openxmlformats.org/presentationml/2006/main">
+  <p:cSld>
+    <p:spTree>
+      <p:nvGrpSpPr>
+        <p:cNvPr id="1" name=""/>
+        <p:cNvGrpSpPr/>
+        <p:nvPr/>
+      </p:nvGrpSpPr>
+      <p:grpSpPr>
+        <a:xfrm>
+          <a:off x="0" y="0"/>
+          <a:ext cx="0" cy="0"/>
+          <a:chOff x="0" y="0"/>
+          <a:chExt cx="0" cy="0"/>
+        </a:xfrm>
+      </p:grpSpPr>
+      <p:sp>
+        <p:nvSpPr>
+          <p:cNvPr id="460802" name="Rectangle 2"/>
+          <p:cNvSpPr>
+            <a:spLocks noGrp="1" noChangeArrowheads="1"/>
+          </p:cNvSpPr>
+          <p:nvPr>
+            <p:ph type="title"/>
+          </p:nvPr>
+        </p:nvSpPr>
+        <p:spPr/>
+        <p:txBody>
+          <a:bodyPr/>
+          <a:lstStyle/>
+          <a:p>
+            <a:r>
+              <a:rPr lang="en-US"/>
+              <a:t>Forms Authentication</a:t>
+            </a:r>
+            <a:endParaRPr lang="bg-BG"/>
+          </a:p>
+        </p:txBody>
+      </p:sp>
+      <p:sp>
+        <p:nvSpPr>
+          <p:cNvPr id="460803" name="Rectangle 3"/>
+          <p:cNvSpPr>
+            <a:spLocks noGrp="1" noChangeArrowheads="1"/>
+          </p:cNvSpPr>
+          <p:nvPr>
+            <p:ph type="body" idx="1"/>
+          </p:nvPr>
+        </p:nvSpPr>
+        <p:spPr/>
+        <p:txBody>
+          <a:bodyPr/>
+          <a:lstStyle/>
+          <a:p>
+            <a:r>
+              <a:rPr lang="en-US"/>
+              <a:t>Displays Web form to collect user name and password information </a:t>
+            </a:r>
+          </a:p>
+          <a:p>
+            <a:r>
+              <a:rPr lang="en-US"/>
+              <a:t>Users are authenticated by the code associated with the Web form</a:t>
+            </a:r>
+          </a:p>
+          <a:p>
+            <a:r>
+              <a:rPr lang="en-US"/>
+              <a:t>Users list is stored in the application's:</a:t>
+            </a:r>
+          </a:p>
+          <a:p>
+            <a:pPr lvl="1"/>
+            <a:r>
+              <a:rPr lang="en-US" noProof="1">
+                <a:latin typeface="Courier New" pitchFamily="49" charset="0"/>
+              </a:rPr>
+              <a:t>Web.config</a:t>
+            </a:r>
+            <a:r>
+              <a:rPr lang="en-US"/>
+              <a:t> file </a:t>
+            </a:r>
+          </a:p>
+          <a:p>
+            <a:pPr lvl="1"/>
+            <a:r>
+              <a:rPr lang="en-US"/>
+              <a:t>Separate user database </a:t>
+            </a:r>
+          </a:p>
+          <a:p>
+            <a:r>
+              <a:rPr lang="en-US"/>
+              <a:t>The user don't have to be member of </a:t>
+            </a:r>
+            <a:br>
+              <a:rPr lang="en-US"/>
+            </a:br>
+            <a:r>
+              <a:rPr lang="en-US"/>
+              <a:t>the network</a:t>
+            </a:r>
+          </a:p>
+        </p:txBody>
+      </p:sp>
+    </p:spTree>
+  </p:cSld>
+  <p:clrMapOvr>
+    <a:masterClrMapping/>
+  </p:clrMapOvr>
+  <p:transition/>
+  <p:timing>
+    <p:tnLst>
+      <p:par>
+        <p:cTn id="1" dur="indefinite" restart="never" nodeType="tmRoot"/>
+      </p:par>
+    </p:tnLst>
+  </p:timing>
+</p:sld>
+</file>
+
+<file path=ppt/slides/slide31.xml><?xml version="1.0" encoding="utf-8"?>
+<p:sld xmlns:a="http://schemas.openxmlformats.org/drawingml/2006/main" xmlns:r="http://schemas.openxmlformats.org/officeDocument/2006/relationships" xmlns:p="http://schemas.openxmlformats.org/presentationml/2006/main">
+  <p:cSld>
+    <p:spTree>
+      <p:nvGrpSpPr>
+        <p:cNvPr id="1" name=""/>
+        <p:cNvGrpSpPr/>
+        <p:nvPr/>
+      </p:nvGrpSpPr>
+      <p:grpSpPr>
+        <a:xfrm>
+          <a:off x="0" y="0"/>
+          <a:ext cx="0" cy="0"/>
+          <a:chOff x="0" y="0"/>
+          <a:chExt cx="0" cy="0"/>
+        </a:xfrm>
+      </p:grpSpPr>
+      <p:sp>
+        <p:nvSpPr>
+          <p:cNvPr id="470018" name="Rectangle 2"/>
+          <p:cNvSpPr>
+            <a:spLocks noGrp="1" noChangeArrowheads="1"/>
+          </p:cNvSpPr>
+          <p:nvPr>
+            <p:ph type="title"/>
+          </p:nvPr>
+        </p:nvSpPr>
+        <p:spPr/>
+        <p:txBody>
+          <a:bodyPr/>
+          <a:lstStyle/>
+          <a:p>
+            <a:r>
+              <a:rPr lang="en-US"/>
+              <a:t>Roles</a:t>
+            </a:r>
+            <a:endParaRPr lang="bg-BG"/>
+          </a:p>
+        </p:txBody>
+      </p:sp>
+      <p:sp>
+        <p:nvSpPr>
+          <p:cNvPr id="470019" name="Rectangle 3"/>
+          <p:cNvSpPr>
+            <a:spLocks noGrp="1" noChangeArrowheads="1"/>
+          </p:cNvSpPr>
+          <p:nvPr>
+            <p:ph type="body" idx="1"/>
+          </p:nvPr>
+        </p:nvSpPr>
+        <p:spPr/>
+        <p:txBody>
+          <a:bodyPr/>
+          <a:lstStyle/>
+          <a:p>
+            <a:pPr>
+              <a:lnSpc>
+                <a:spcPct val="85000"/>
+              </a:lnSpc>
+            </a:pPr>
+            <a:r>
+              <a:rPr lang="en-US" dirty="0"/>
+              <a:t>The actions and activities that are</a:t>
+            </a:r>
+          </a:p>
+          <a:p>
+            <a:pPr lvl="1">
+              <a:lnSpc>
+                <a:spcPct val="85000"/>
+              </a:lnSpc>
+            </a:pPr>
+            <a:r>
+              <a:rPr lang="en-US" dirty="0"/>
+              <a:t>Assigned  </a:t>
+            </a:r>
+          </a:p>
+          <a:p>
+            <a:pPr lvl="1">
+              <a:lnSpc>
+                <a:spcPct val="85000"/>
+              </a:lnSpc>
+            </a:pPr>
+            <a:r>
+              <a:rPr lang="en-US" dirty="0"/>
+              <a:t>Expected</a:t>
+            </a:r>
+          </a:p>
+          <a:p>
+            <a:pPr lvl="1">
+              <a:lnSpc>
+                <a:spcPct val="85000"/>
+              </a:lnSpc>
+            </a:pPr>
+            <a:r>
+              <a:rPr lang="en-US" dirty="0"/>
+              <a:t>Required </a:t>
+            </a:r>
+          </a:p>
+          <a:p>
+            <a:pPr lvl="1">
+              <a:lnSpc>
+                <a:spcPct val="85000"/>
+              </a:lnSpc>
+              <a:buFontTx/>
+              <a:buNone/>
+            </a:pPr>
+            <a:r>
+              <a:rPr lang="en-US" dirty="0"/>
+              <a:t>to a person or group</a:t>
+            </a:r>
+          </a:p>
+          <a:p>
+            <a:pPr>
+              <a:lnSpc>
+                <a:spcPct val="85000"/>
+              </a:lnSpc>
+            </a:pPr>
+            <a:r>
+              <a:rPr lang="en-US" dirty="0"/>
+              <a:t>The roles usually determine the level of access of the user account</a:t>
+            </a:r>
+          </a:p>
+          <a:p>
+            <a:pPr>
+              <a:lnSpc>
+                <a:spcPct val="85000"/>
+              </a:lnSpc>
+            </a:pPr>
+            <a:r>
+              <a:rPr lang="en-US" dirty="0"/>
+              <a:t>A user account can be assigned with multiple </a:t>
+            </a:r>
+            <a:r>
+              <a:rPr lang="en-US" dirty="0" smtClean="0"/>
+              <a:t>roles</a:t>
+            </a:r>
+          </a:p>
+          <a:p>
+            <a:pPr>
+              <a:lnSpc>
+                <a:spcPct val="85000"/>
+              </a:lnSpc>
+            </a:pPr>
+            <a:r>
+              <a:rPr lang="en-US" dirty="0" smtClean="0"/>
+              <a:t>Permissions can be granted to multiple users sharing the same role</a:t>
+            </a:r>
+            <a:endParaRPr lang="bg-BG" dirty="0" smtClean="0"/>
+          </a:p>
+          <a:p>
+            <a:pPr>
+              <a:lnSpc>
+                <a:spcPct val="85000"/>
+              </a:lnSpc>
+            </a:pPr>
+            <a:endParaRPr lang="bg-BG" dirty="0"/>
+          </a:p>
+        </p:txBody>
+      </p:sp>
+    </p:spTree>
+  </p:cSld>
+  <p:clrMapOvr>
+    <a:masterClrMapping/>
+  </p:clrMapOvr>
+  <p:transition/>
+  <p:timing>
+    <p:tnLst>
+      <p:par>
+        <p:cTn id="1" dur="indefinite" restart="never" nodeType="tmRoot"/>
+      </p:par>
+    </p:tnLst>
+  </p:timing>
+</p:sld>
+</file>
+
+<file path=ppt/slides/slide32.xml><?xml version="1.0" encoding="utf-8"?>
+<p:sld xmlns:a="http://schemas.openxmlformats.org/drawingml/2006/main" xmlns:r="http://schemas.openxmlformats.org/officeDocument/2006/relationships" xmlns:p="http://schemas.openxmlformats.org/presentationml/2006/main">
+  <p:cSld>
+    <p:spTree>
+      <p:nvGrpSpPr>
+        <p:cNvPr id="1" name=""/>
+        <p:cNvGrpSpPr/>
+        <p:nvPr/>
+      </p:nvGrpSpPr>
+      <p:grpSpPr>
+        <a:xfrm>
+          <a:off x="0" y="0"/>
+          <a:ext cx="0" cy="0"/>
+          <a:chOff x="0" y="0"/>
+          <a:chExt cx="0" cy="0"/>
+        </a:xfrm>
+      </p:grpSpPr>
+      <p:sp>
+        <p:nvSpPr>
+          <p:cNvPr id="471042" name="Rectangle 2"/>
+          <p:cNvSpPr>
+            <a:spLocks noGrp="1" noChangeArrowheads="1"/>
+          </p:cNvSpPr>
+          <p:nvPr>
+            <p:ph type="title"/>
+          </p:nvPr>
+        </p:nvSpPr>
+        <p:spPr/>
+        <p:txBody>
+          <a:bodyPr/>
+          <a:lstStyle/>
+          <a:p>
+            <a:r>
+              <a:rPr lang="en-US"/>
+              <a:t>Security Providers</a:t>
+            </a:r>
+            <a:endParaRPr lang="bg-BG"/>
+          </a:p>
+        </p:txBody>
+      </p:sp>
+      <p:sp>
+        <p:nvSpPr>
+          <p:cNvPr id="471043" name="Rectangle 3"/>
+          <p:cNvSpPr>
+            <a:spLocks noGrp="1" noChangeArrowheads="1"/>
+          </p:cNvSpPr>
+          <p:nvPr>
+            <p:ph type="body" idx="1"/>
+          </p:nvPr>
+        </p:nvSpPr>
+        <p:spPr/>
+        <p:txBody>
+          <a:bodyPr/>
+          <a:lstStyle/>
+          <a:p>
+            <a:r>
+              <a:rPr lang="en-US"/>
+              <a:t>Membership provider </a:t>
+            </a:r>
+          </a:p>
+          <a:p>
+            <a:pPr lvl="1"/>
+            <a:r>
+              <a:rPr lang="en-US"/>
+              <a:t>Helps to simplify common authentication tasks</a:t>
+            </a:r>
+          </a:p>
+          <a:p>
+            <a:pPr lvl="2"/>
+            <a:r>
+              <a:rPr lang="en-US" noProof="1"/>
+              <a:t>CreateUser</a:t>
+            </a:r>
+          </a:p>
+          <a:p>
+            <a:pPr lvl="2"/>
+            <a:r>
+              <a:rPr lang="en-US" noProof="1"/>
+              <a:t>DeleteUser</a:t>
+            </a:r>
+          </a:p>
+          <a:p>
+            <a:pPr lvl="2"/>
+            <a:r>
+              <a:rPr lang="en-US" noProof="1"/>
+              <a:t>GeneratePassword</a:t>
+            </a:r>
+          </a:p>
+          <a:p>
+            <a:pPr lvl="2"/>
+            <a:r>
+              <a:rPr lang="en-US" noProof="1"/>
+              <a:t>ValidateUser</a:t>
+            </a:r>
+          </a:p>
+        </p:txBody>
+      </p:sp>
+    </p:spTree>
+  </p:cSld>
+  <p:clrMapOvr>
+    <a:masterClrMapping/>
+  </p:clrMapOvr>
+  <p:transition/>
+  <p:timing>
+    <p:tnLst>
+      <p:par>
+        <p:cTn id="1" dur="indefinite" restart="never" nodeType="tmRoot"/>
+      </p:par>
+    </p:tnLst>
+  </p:timing>
+</p:sld>
+</file>
+
+<file path=ppt/slides/slide33.xml><?xml version="1.0" encoding="utf-8"?>
+<p:sld xmlns:a="http://schemas.openxmlformats.org/drawingml/2006/main" xmlns:r="http://schemas.openxmlformats.org/officeDocument/2006/relationships" xmlns:p="http://schemas.openxmlformats.org/presentationml/2006/main">
+  <p:cSld>
+    <p:spTree>
+      <p:nvGrpSpPr>
+        <p:cNvPr id="1" name=""/>
+        <p:cNvGrpSpPr/>
+        <p:nvPr/>
+      </p:nvGrpSpPr>
+      <p:grpSpPr>
+        <a:xfrm>
+          <a:off x="0" y="0"/>
+          <a:ext cx="0" cy="0"/>
+          <a:chOff x="0" y="0"/>
+          <a:chExt cx="0" cy="0"/>
+        </a:xfrm>
+      </p:grpSpPr>
+      <p:sp>
+        <p:nvSpPr>
+          <p:cNvPr id="494594" name="Rectangle 2"/>
+          <p:cNvSpPr>
+            <a:spLocks noGrp="1" noChangeArrowheads="1"/>
+          </p:cNvSpPr>
+          <p:nvPr>
+            <p:ph type="title"/>
+          </p:nvPr>
+        </p:nvSpPr>
+        <p:spPr/>
+        <p:txBody>
+          <a:bodyPr/>
+          <a:lstStyle/>
+          <a:p>
+            <a:r>
+              <a:rPr lang="en-US"/>
+              <a:t>Security Providers (2)</a:t>
+            </a:r>
+            <a:endParaRPr lang="bg-BG"/>
+          </a:p>
+        </p:txBody>
+      </p:sp>
+      <p:sp>
+        <p:nvSpPr>
+          <p:cNvPr id="494595" name="Rectangle 3"/>
+          <p:cNvSpPr>
+            <a:spLocks noGrp="1" noChangeArrowheads="1"/>
+          </p:cNvSpPr>
+          <p:nvPr>
+            <p:ph type="body" idx="1"/>
+          </p:nvPr>
+        </p:nvSpPr>
+        <p:spPr/>
+        <p:txBody>
+          <a:bodyPr/>
+          <a:lstStyle/>
+          <a:p>
+            <a:r>
+              <a:rPr lang="en-US"/>
+              <a:t>Role providers</a:t>
+            </a:r>
+          </a:p>
+          <a:p>
+            <a:pPr lvl="1"/>
+            <a:r>
+              <a:rPr lang="en-US"/>
+              <a:t>Helps to simplify common authorization tasks</a:t>
+            </a:r>
+          </a:p>
+          <a:p>
+            <a:pPr lvl="2"/>
+            <a:r>
+              <a:rPr lang="en-US" noProof="1"/>
+              <a:t>CreateRole</a:t>
+            </a:r>
+          </a:p>
+          <a:p>
+            <a:pPr lvl="2"/>
+            <a:r>
+              <a:rPr lang="en-US" noProof="1"/>
+              <a:t>IsUserInRole</a:t>
+            </a:r>
+            <a:r>
+              <a:rPr lang="en-US"/>
+              <a:t>	</a:t>
+            </a:r>
+            <a:endParaRPr lang="en-US" noProof="1"/>
+          </a:p>
+          <a:p>
+            <a:pPr lvl="2"/>
+            <a:r>
+              <a:rPr lang="en-US" noProof="1"/>
+              <a:t>GetAllRoles</a:t>
+            </a:r>
+          </a:p>
+          <a:p>
+            <a:pPr lvl="2"/>
+            <a:r>
+              <a:rPr lang="en-US" noProof="1"/>
+              <a:t>GetRolesForUser</a:t>
+            </a:r>
+          </a:p>
+        </p:txBody>
+      </p:sp>
+    </p:spTree>
+  </p:cSld>
+  <p:clrMapOvr>
+    <a:masterClrMapping/>
+  </p:clrMapOvr>
+  <p:transition/>
+  <p:timing>
+    <p:tnLst>
+      <p:par>
+        <p:cTn id="1" dur="indefinite" restart="never" nodeType="tmRoot"/>
+      </p:par>
+    </p:tnLst>
+  </p:timing>
+</p:sld>
+</file>
+
+<file path=ppt/slides/slide34.xml><?xml version="1.0" encoding="utf-8"?>
+<p:sld xmlns:a="http://schemas.openxmlformats.org/drawingml/2006/main" xmlns:r="http://schemas.openxmlformats.org/officeDocument/2006/relationships" xmlns:p="http://schemas.openxmlformats.org/presentationml/2006/main">
+  <p:cSld>
+    <p:spTree>
+      <p:nvGrpSpPr>
+        <p:cNvPr id="1" name=""/>
+        <p:cNvGrpSpPr/>
+        <p:nvPr/>
+      </p:nvGrpSpPr>
+      <p:grpSpPr>
+        <a:xfrm>
+          <a:off x="0" y="0"/>
+          <a:ext cx="0" cy="0"/>
+          <a:chOff x="0" y="0"/>
+          <a:chExt cx="0" cy="0"/>
+        </a:xfrm>
+      </p:grpSpPr>
+      <p:sp>
+        <p:nvSpPr>
+          <p:cNvPr id="491522" name="Rectangle 2"/>
+          <p:cNvSpPr>
+            <a:spLocks noGrp="1" noChangeArrowheads="1"/>
+          </p:cNvSpPr>
+          <p:nvPr>
+            <p:ph type="title"/>
+          </p:nvPr>
+        </p:nvSpPr>
+        <p:spPr/>
+        <p:txBody>
+          <a:bodyPr/>
+          <a:lstStyle/>
+          <a:p>
+            <a:r>
+              <a:rPr lang="en-US" dirty="0"/>
+              <a:t>Membership provider</a:t>
+            </a:r>
+            <a:endParaRPr lang="bg-BG" dirty="0"/>
+          </a:p>
+        </p:txBody>
+      </p:sp>
+      <p:sp>
+        <p:nvSpPr>
+          <p:cNvPr id="491523" name="Rectangle 3"/>
+          <p:cNvSpPr>
+            <a:spLocks noGrp="1" noChangeArrowheads="1"/>
+          </p:cNvSpPr>
+          <p:nvPr>
+            <p:ph type="body" idx="1"/>
+          </p:nvPr>
+        </p:nvSpPr>
+        <p:spPr/>
+        <p:txBody>
+          <a:bodyPr/>
+          <a:lstStyle/>
+          <a:p>
+            <a:r>
+              <a:rPr lang="en-US"/>
+              <a:t>Adding membership provider to the </a:t>
+            </a:r>
+            <a:r>
+              <a:rPr lang="en-US">
+                <a:latin typeface="Courier New" pitchFamily="49" charset="0"/>
+              </a:rPr>
+              <a:t>W</a:t>
+            </a:r>
+            <a:r>
+              <a:rPr lang="en-US" noProof="1">
+                <a:latin typeface="Courier New" pitchFamily="49" charset="0"/>
+              </a:rPr>
+              <a:t>eb.config</a:t>
+            </a:r>
+          </a:p>
+        </p:txBody>
+      </p:sp>
+      <p:sp>
+        <p:nvSpPr>
+          <p:cNvPr id="491524" name="Rectangle 4"/>
+          <p:cNvSpPr>
+            <a:spLocks noChangeArrowheads="1"/>
+          </p:cNvSpPr>
+          <p:nvPr/>
+        </p:nvSpPr>
+        <p:spPr bwMode="auto">
+          <a:xfrm>
+            <a:off x="250825" y="2349500"/>
+            <a:ext cx="8713788" cy="4167188"/>
+          </a:xfrm>
+          <a:prstGeom prst="rect">
+            <a:avLst/>
+          </a:prstGeom>
+          <a:solidFill>
+            <a:schemeClr val="bg1">
+              <a:alpha val="39999"/>
+            </a:schemeClr>
+          </a:solidFill>
+          <a:ln w="3175" algn="ctr">
+            <a:solidFill>
+              <a:schemeClr val="hlink"/>
+            </a:solidFill>
+            <a:miter lim="800000"/>
+            <a:headEnd/>
+            <a:tailEnd/>
+          </a:ln>
+          <a:effectLst/>
+        </p:spPr>
+        <p:txBody>
+          <a:bodyPr lIns="144000" tIns="91440" rIns="144000" bIns="109728">
+            <a:spAutoFit/>
+          </a:bodyPr>
+          <a:lstStyle/>
+          <a:p>
+            <a:pPr>
+              <a:lnSpc>
+                <a:spcPct val="100000"/>
+              </a:lnSpc>
+            </a:pPr>
+            <a:r>
+              <a:rPr lang="en-US" sz="2000" b="1" noProof="1">
+                <a:solidFill>
+                  <a:schemeClr val="tx1">
+                    <a:lumMod val="20000"/>
+                    <a:lumOff val="80000"/>
+                  </a:schemeClr>
+                </a:solidFill>
+                <a:latin typeface="Courier New" pitchFamily="49" charset="0"/>
+              </a:rPr>
+              <a:t>&lt;membership defaultProvider="MyProvider"&gt;	     </a:t>
+            </a:r>
+          </a:p>
+          <a:p>
+            <a:pPr>
+              <a:lnSpc>
+                <a:spcPct val="100000"/>
+              </a:lnSpc>
+            </a:pPr>
+            <a:r>
+              <a:rPr lang="en-US" sz="2000" b="1" noProof="1">
+                <a:solidFill>
+                  <a:schemeClr val="tx1">
+                    <a:lumMod val="20000"/>
+                    <a:lumOff val="80000"/>
+                  </a:schemeClr>
+                </a:solidFill>
+                <a:latin typeface="Courier New" pitchFamily="49" charset="0"/>
+              </a:rPr>
+              <a:t>&lt;providers&gt;</a:t>
+            </a:r>
+          </a:p>
+          <a:p>
+            <a:pPr>
+              <a:lnSpc>
+                <a:spcPct val="100000"/>
+              </a:lnSpc>
+            </a:pPr>
+            <a:r>
+              <a:rPr lang="en-US" sz="2000" b="1" noProof="1">
+                <a:solidFill>
+                  <a:schemeClr val="tx1">
+                    <a:lumMod val="20000"/>
+                    <a:lumOff val="80000"/>
+                  </a:schemeClr>
+                </a:solidFill>
+                <a:latin typeface="Courier New" pitchFamily="49" charset="0"/>
+              </a:rPr>
+              <a:t>&lt;add connectionStringName="MyConection" </a:t>
+            </a:r>
+          </a:p>
+          <a:p>
+            <a:pPr>
+              <a:lnSpc>
+                <a:spcPct val="100000"/>
+              </a:lnSpc>
+            </a:pPr>
+            <a:r>
+              <a:rPr lang="en-US" sz="2000" b="1" noProof="1">
+                <a:solidFill>
+                  <a:schemeClr val="tx1">
+                    <a:lumMod val="20000"/>
+                    <a:lumOff val="80000"/>
+                  </a:schemeClr>
+                </a:solidFill>
+                <a:latin typeface="Courier New" pitchFamily="49" charset="0"/>
+              </a:rPr>
+              <a:t>     minRequiredPasswordLength="6"</a:t>
+            </a:r>
+          </a:p>
+          <a:p>
+            <a:pPr>
+              <a:lnSpc>
+                <a:spcPct val="100000"/>
+              </a:lnSpc>
+            </a:pPr>
+            <a:r>
+              <a:rPr lang="en-US" sz="2000" b="1" noProof="1">
+                <a:solidFill>
+                  <a:schemeClr val="tx1">
+                    <a:lumMod val="20000"/>
+                    <a:lumOff val="80000"/>
+                  </a:schemeClr>
+                </a:solidFill>
+                <a:latin typeface="Courier New" pitchFamily="49" charset="0"/>
+              </a:rPr>
+              <a:t>     requiresQuestionAndAnswer="true" </a:t>
+            </a:r>
+          </a:p>
+          <a:p>
+            <a:pPr>
+              <a:lnSpc>
+                <a:spcPct val="100000"/>
+              </a:lnSpc>
+            </a:pPr>
+            <a:r>
+              <a:rPr lang="en-US" sz="2000" b="1" noProof="1">
+                <a:solidFill>
+                  <a:schemeClr val="tx1">
+                    <a:lumMod val="20000"/>
+                    <a:lumOff val="80000"/>
+                  </a:schemeClr>
+                </a:solidFill>
+                <a:latin typeface="Courier New" pitchFamily="49" charset="0"/>
+              </a:rPr>
+              <a:t>     enablePasswordRetrieval="false"</a:t>
+            </a:r>
+          </a:p>
+          <a:p>
+            <a:pPr>
+              <a:lnSpc>
+                <a:spcPct val="100000"/>
+              </a:lnSpc>
+            </a:pPr>
+            <a:r>
+              <a:rPr lang="en-US" sz="2000" b="1" noProof="1">
+                <a:solidFill>
+                  <a:schemeClr val="tx1">
+                    <a:lumMod val="20000"/>
+                    <a:lumOff val="80000"/>
+                  </a:schemeClr>
+                </a:solidFill>
+                <a:latin typeface="Courier New" pitchFamily="49" charset="0"/>
+              </a:rPr>
+              <a:t>     requiresUniqueEmail="false" </a:t>
+            </a:r>
+          </a:p>
+          <a:p>
+            <a:pPr>
+              <a:lnSpc>
+                <a:spcPct val="100000"/>
+              </a:lnSpc>
+            </a:pPr>
+            <a:r>
+              <a:rPr lang="en-US" sz="2000" b="1" noProof="1">
+                <a:solidFill>
+                  <a:schemeClr val="tx1">
+                    <a:lumMod val="20000"/>
+                    <a:lumOff val="80000"/>
+                  </a:schemeClr>
+                </a:solidFill>
+                <a:latin typeface="Courier New" pitchFamily="49" charset="0"/>
+              </a:rPr>
+              <a:t>     applicationName="/MyApp" </a:t>
+            </a:r>
+          </a:p>
+          <a:p>
+            <a:pPr>
+              <a:lnSpc>
+                <a:spcPct val="100000"/>
+              </a:lnSpc>
+            </a:pPr>
+            <a:r>
+              <a:rPr lang="en-US" sz="2000" b="1" noProof="1">
+                <a:solidFill>
+                  <a:schemeClr val="tx1">
+                    <a:lumMod val="20000"/>
+                    <a:lumOff val="80000"/>
+                  </a:schemeClr>
+                </a:solidFill>
+                <a:latin typeface="Courier New" pitchFamily="49" charset="0"/>
+              </a:rPr>
+              <a:t>     minRequiredNonalphanumericCharacters="1"</a:t>
+            </a:r>
+          </a:p>
+          <a:p>
+            <a:pPr>
+              <a:lnSpc>
+                <a:spcPct val="100000"/>
+              </a:lnSpc>
+            </a:pPr>
+            <a:r>
+              <a:rPr lang="en-US" sz="2000" b="1" noProof="1">
+                <a:solidFill>
+                  <a:schemeClr val="tx1">
+                    <a:lumMod val="20000"/>
+                    <a:lumOff val="80000"/>
+                  </a:schemeClr>
+                </a:solidFill>
+                <a:latin typeface="Courier New" pitchFamily="49" charset="0"/>
+              </a:rPr>
+              <a:t>     name="MyProvider" </a:t>
+            </a:r>
+          </a:p>
+          <a:p>
+            <a:pPr>
+              <a:lnSpc>
+                <a:spcPct val="100000"/>
+              </a:lnSpc>
+            </a:pPr>
+            <a:r>
+              <a:rPr lang="en-US" sz="2000" b="1" noProof="1">
+                <a:solidFill>
+                  <a:schemeClr val="tx1">
+                    <a:lumMod val="20000"/>
+                    <a:lumOff val="80000"/>
+                  </a:schemeClr>
+                </a:solidFill>
+                <a:latin typeface="Courier New" pitchFamily="49" charset="0"/>
+              </a:rPr>
+              <a:t>     type="System.Web.Security.SqlMembershipProvider"/&gt;</a:t>
+            </a:r>
+          </a:p>
+          <a:p>
+            <a:pPr>
+              <a:lnSpc>
+                <a:spcPct val="100000"/>
+              </a:lnSpc>
+            </a:pPr>
+            <a:r>
+              <a:rPr lang="en-US" sz="2000" b="1" noProof="1">
+                <a:solidFill>
+                  <a:schemeClr val="tx1">
+                    <a:lumMod val="20000"/>
+                    <a:lumOff val="80000"/>
+                  </a:schemeClr>
+                </a:solidFill>
+                <a:latin typeface="Courier New" pitchFamily="49" charset="0"/>
+              </a:rPr>
+              <a:t>&lt;/providers&gt;</a:t>
+            </a:r>
+          </a:p>
+          <a:p>
+            <a:pPr>
+              <a:lnSpc>
+                <a:spcPct val="100000"/>
+              </a:lnSpc>
+            </a:pPr>
+            <a:r>
+              <a:rPr lang="en-US" sz="2000" b="1" noProof="1">
+                <a:solidFill>
+                  <a:schemeClr val="tx1">
+                    <a:lumMod val="20000"/>
+                    <a:lumOff val="80000"/>
+                  </a:schemeClr>
+                </a:solidFill>
+                <a:latin typeface="Courier New" pitchFamily="49" charset="0"/>
+              </a:rPr>
+              <a:t>&lt;/membership&gt;</a:t>
+            </a:r>
+          </a:p>
+        </p:txBody>
+      </p:sp>
+    </p:spTree>
+  </p:cSld>
+  <p:clrMapOvr>
+    <a:masterClrMapping/>
+  </p:clrMapOvr>
+  <p:transition/>
+</p:sld>
+</file>
+
+<file path=ppt/slides/slide35.xml><?xml version="1.0" encoding="utf-8"?>
+<p:sld xmlns:a="http://schemas.openxmlformats.org/drawingml/2006/main" xmlns:r="http://schemas.openxmlformats.org/officeDocument/2006/relationships" xmlns:p="http://schemas.openxmlformats.org/presentationml/2006/main">
+  <p:cSld>
+    <p:spTree>
+      <p:nvGrpSpPr>
+        <p:cNvPr id="1" name=""/>
+        <p:cNvGrpSpPr/>
+        <p:nvPr/>
+      </p:nvGrpSpPr>
+      <p:grpSpPr>
+        <a:xfrm>
+          <a:off x="0" y="0"/>
+          <a:ext cx="0" cy="0"/>
+          <a:chOff x="0" y="0"/>
+          <a:chExt cx="0" cy="0"/>
+        </a:xfrm>
+      </p:grpSpPr>
+      <p:sp>
+        <p:nvSpPr>
+          <p:cNvPr id="492546" name="Rectangle 2"/>
+          <p:cNvSpPr>
+            <a:spLocks noGrp="1" noChangeArrowheads="1"/>
+          </p:cNvSpPr>
+          <p:nvPr>
+            <p:ph type="title"/>
+          </p:nvPr>
+        </p:nvSpPr>
+        <p:spPr/>
+        <p:txBody>
+          <a:bodyPr/>
+          <a:lstStyle/>
+          <a:p>
+            <a:r>
+              <a:rPr lang="en-US"/>
+              <a:t>Enabling Roles</a:t>
+            </a:r>
+            <a:endParaRPr lang="bg-BG"/>
+          </a:p>
+        </p:txBody>
+      </p:sp>
+      <p:sp>
+        <p:nvSpPr>
+          <p:cNvPr id="492547" name="Rectangle 3"/>
+          <p:cNvSpPr>
+            <a:spLocks noGrp="1" noChangeArrowheads="1"/>
+          </p:cNvSpPr>
+          <p:nvPr>
+            <p:ph type="body" idx="1"/>
+          </p:nvPr>
+        </p:nvSpPr>
+        <p:spPr/>
+        <p:txBody>
+          <a:bodyPr/>
+          <a:lstStyle/>
+          <a:p>
+            <a:r>
+              <a:rPr lang="en-US" dirty="0"/>
+              <a:t>To enable roles in ASP.NET 2.0 add to the </a:t>
+            </a:r>
+            <a:r>
+              <a:rPr lang="en-US" dirty="0">
+                <a:latin typeface="Courier New" pitchFamily="49" charset="0"/>
+              </a:rPr>
+              <a:t>W</a:t>
+            </a:r>
+            <a:r>
+              <a:rPr lang="en-US" noProof="1">
+                <a:latin typeface="Courier New" pitchFamily="49" charset="0"/>
+              </a:rPr>
+              <a:t>eb.config</a:t>
+            </a:r>
+            <a:r>
+              <a:rPr lang="en-US" dirty="0"/>
+              <a:t> file:</a:t>
+            </a:r>
+          </a:p>
+          <a:p>
+            <a:endParaRPr lang="en-US" dirty="0"/>
+          </a:p>
+          <a:p>
+            <a:endParaRPr lang="en-US" dirty="0"/>
+          </a:p>
+          <a:p>
+            <a:endParaRPr lang="en-US" dirty="0"/>
+          </a:p>
+          <a:p>
+            <a:endParaRPr lang="en-US" dirty="0"/>
+          </a:p>
+          <a:p>
+            <a:endParaRPr lang="en-US" dirty="0" smtClean="0"/>
+          </a:p>
+          <a:p>
+            <a:r>
+              <a:rPr lang="en-US" dirty="0" smtClean="0"/>
+              <a:t>We </a:t>
+            </a:r>
+            <a:r>
+              <a:rPr lang="en-US" dirty="0"/>
+              <a:t>also add role provider to manage the roles</a:t>
+            </a:r>
+            <a:endParaRPr lang="bg-BG" dirty="0"/>
+          </a:p>
+        </p:txBody>
+      </p:sp>
+      <p:sp>
+        <p:nvSpPr>
+          <p:cNvPr id="492549" name="Rectangle 5"/>
+          <p:cNvSpPr>
+            <a:spLocks noChangeArrowheads="1"/>
+          </p:cNvSpPr>
+          <p:nvPr/>
+        </p:nvSpPr>
+        <p:spPr bwMode="auto">
+          <a:xfrm>
+            <a:off x="323850" y="2298700"/>
+            <a:ext cx="8569325" cy="2643188"/>
+          </a:xfrm>
+          <a:prstGeom prst="rect">
+            <a:avLst/>
+          </a:prstGeom>
+          <a:solidFill>
+            <a:schemeClr val="bg1">
+              <a:alpha val="39999"/>
+            </a:schemeClr>
+          </a:solidFill>
+          <a:ln w="3175" algn="ctr">
+            <a:solidFill>
+              <a:schemeClr val="hlink"/>
+            </a:solidFill>
+            <a:miter lim="800000"/>
+            <a:headEnd/>
+            <a:tailEnd/>
+          </a:ln>
+          <a:effectLst/>
+        </p:spPr>
+        <p:txBody>
+          <a:bodyPr lIns="144000" tIns="91440" rIns="144000" bIns="109728">
+            <a:spAutoFit/>
+          </a:bodyPr>
+          <a:lstStyle/>
+          <a:p>
+            <a:pPr>
+              <a:lnSpc>
+                <a:spcPct val="100000"/>
+              </a:lnSpc>
+            </a:pPr>
+            <a:r>
+              <a:rPr lang="en-US" sz="2000" b="1" noProof="1">
+                <a:solidFill>
+                  <a:schemeClr val="tx1">
+                    <a:lumMod val="20000"/>
+                    <a:lumOff val="80000"/>
+                  </a:schemeClr>
+                </a:solidFill>
+                <a:latin typeface="Courier New" pitchFamily="49" charset="0"/>
+              </a:rPr>
+              <a:t>&lt;roleManager enabled="true" 				 		 defaultProvider="MyProvider"&gt;</a:t>
+            </a:r>
+          </a:p>
+          <a:p>
+            <a:pPr>
+              <a:lnSpc>
+                <a:spcPct val="100000"/>
+              </a:lnSpc>
+            </a:pPr>
+            <a:r>
+              <a:rPr lang="en-US" sz="2000" b="1" noProof="1">
+                <a:solidFill>
+                  <a:schemeClr val="tx1">
+                    <a:lumMod val="20000"/>
+                    <a:lumOff val="80000"/>
+                  </a:schemeClr>
+                </a:solidFill>
+                <a:latin typeface="Courier New" pitchFamily="49" charset="0"/>
+              </a:rPr>
+              <a:t>   &lt;providers&gt;</a:t>
+            </a:r>
+          </a:p>
+          <a:p>
+            <a:pPr>
+              <a:lnSpc>
+                <a:spcPct val="100000"/>
+              </a:lnSpc>
+            </a:pPr>
+            <a:r>
+              <a:rPr lang="en-US" sz="2000" b="1" noProof="1">
+                <a:solidFill>
+                  <a:schemeClr val="tx1">
+                    <a:lumMod val="20000"/>
+                    <a:lumOff val="80000"/>
+                  </a:schemeClr>
+                </a:solidFill>
+                <a:latin typeface="Courier New" pitchFamily="49" charset="0"/>
+              </a:rPr>
+              <a:t>    &lt;add connectionStringName="MyConection" </a:t>
+            </a:r>
+          </a:p>
+          <a:p>
+            <a:pPr>
+              <a:lnSpc>
+                <a:spcPct val="100000"/>
+              </a:lnSpc>
+            </a:pPr>
+            <a:r>
+              <a:rPr lang="en-US" sz="2000" b="1" noProof="1">
+                <a:solidFill>
+                  <a:schemeClr val="tx1">
+                    <a:lumMod val="20000"/>
+                    <a:lumOff val="80000"/>
+                  </a:schemeClr>
+                </a:solidFill>
+                <a:latin typeface="Courier New" pitchFamily="49" charset="0"/>
+              </a:rPr>
+              <a:t>	   name="MyProvider" </a:t>
+            </a:r>
+          </a:p>
+          <a:p>
+            <a:pPr>
+              <a:lnSpc>
+                <a:spcPct val="100000"/>
+              </a:lnSpc>
+            </a:pPr>
+            <a:r>
+              <a:rPr lang="en-US" sz="2000" b="1" noProof="1">
+                <a:solidFill>
+                  <a:schemeClr val="tx1">
+                    <a:lumMod val="20000"/>
+                    <a:lumOff val="80000"/>
+                  </a:schemeClr>
+                </a:solidFill>
+                <a:latin typeface="Courier New" pitchFamily="49" charset="0"/>
+              </a:rPr>
+              <a:t>	   type="System.Web.Security.SqlRoleProvider" /&gt;</a:t>
+            </a:r>
+          </a:p>
+          <a:p>
+            <a:pPr>
+              <a:lnSpc>
+                <a:spcPct val="100000"/>
+              </a:lnSpc>
+            </a:pPr>
+            <a:r>
+              <a:rPr lang="en-US" sz="2000" b="1" noProof="1">
+                <a:solidFill>
+                  <a:schemeClr val="tx1">
+                    <a:lumMod val="20000"/>
+                    <a:lumOff val="80000"/>
+                  </a:schemeClr>
+                </a:solidFill>
+                <a:latin typeface="Courier New" pitchFamily="49" charset="0"/>
+              </a:rPr>
+              <a:t>   &lt;/providers&gt;</a:t>
+            </a:r>
+          </a:p>
+          <a:p>
+            <a:pPr>
+              <a:lnSpc>
+                <a:spcPct val="100000"/>
+              </a:lnSpc>
+            </a:pPr>
+            <a:r>
+              <a:rPr lang="en-US" sz="2000" b="1" noProof="1">
+                <a:solidFill>
+                  <a:schemeClr val="tx1">
+                    <a:lumMod val="20000"/>
+                    <a:lumOff val="80000"/>
+                  </a:schemeClr>
+                </a:solidFill>
+                <a:latin typeface="Courier New" pitchFamily="49" charset="0"/>
+              </a:rPr>
+              <a:t>&lt;/roleManager&gt;</a:t>
+            </a:r>
+          </a:p>
+        </p:txBody>
+      </p:sp>
+    </p:spTree>
+  </p:cSld>
+  <p:clrMapOvr>
+    <a:masterClrMapping/>
+  </p:clrMapOvr>
+  <p:transition/>
+</p:sld>
+</file>
+
+<file path=ppt/slides/slide36.xml><?xml version="1.0" encoding="utf-8"?>
+<p:sld xmlns:a="http://schemas.openxmlformats.org/drawingml/2006/main" xmlns:r="http://schemas.openxmlformats.org/officeDocument/2006/relationships" xmlns:p="http://schemas.openxmlformats.org/presentationml/2006/main">
+  <p:cSld>
+    <p:spTree>
+      <p:nvGrpSpPr>
+        <p:cNvPr id="1" name=""/>
+        <p:cNvGrpSpPr/>
+        <p:nvPr/>
+      </p:nvGrpSpPr>
+      <p:grpSpPr>
+        <a:xfrm>
+          <a:off x="0" y="0"/>
+          <a:ext cx="0" cy="0"/>
+          <a:chOff x="0" y="0"/>
+          <a:chExt cx="0" cy="0"/>
+        </a:xfrm>
+      </p:grpSpPr>
+      <p:sp>
+        <p:nvSpPr>
+          <p:cNvPr id="472066" name="Rectangle 2"/>
+          <p:cNvSpPr>
+            <a:spLocks noGrp="1" noChangeArrowheads="1"/>
+          </p:cNvSpPr>
+          <p:nvPr>
+            <p:ph type="title"/>
+          </p:nvPr>
+        </p:nvSpPr>
+        <p:spPr/>
+        <p:txBody>
+          <a:bodyPr/>
+          <a:lstStyle/>
+          <a:p>
+            <a:r>
+              <a:rPr lang="en-US" noProof="1"/>
+              <a:t>aspnet_</a:t>
+            </a:r>
+            <a:r>
+              <a:rPr lang="en-US"/>
+              <a:t>r</a:t>
+            </a:r>
+            <a:r>
+              <a:rPr lang="en-US" noProof="1"/>
+              <a:t>egsql.exe</a:t>
+            </a:r>
+          </a:p>
+        </p:txBody>
+      </p:sp>
+      <p:sp>
+        <p:nvSpPr>
+          <p:cNvPr id="472067" name="Rectangle 3"/>
+          <p:cNvSpPr>
+            <a:spLocks noGrp="1" noChangeArrowheads="1"/>
+          </p:cNvSpPr>
+          <p:nvPr>
+            <p:ph type="body" idx="1"/>
+          </p:nvPr>
+        </p:nvSpPr>
+        <p:spPr/>
+        <p:txBody>
+          <a:bodyPr/>
+          <a:lstStyle/>
+          <a:p>
+            <a:r>
+              <a:rPr lang="en-US"/>
+              <a:t>The ASP.NET SQL Server Registration tool is used to create a Microsoft SQL Server database for use by the SQL Server providers in ASP.NET </a:t>
+            </a:r>
+          </a:p>
+          <a:p>
+            <a:r>
+              <a:rPr lang="en-US"/>
+              <a:t>The </a:t>
+            </a:r>
+            <a:r>
+              <a:rPr lang="en-US" noProof="1"/>
+              <a:t>aspnet_regsql.exe</a:t>
+            </a:r>
+            <a:r>
+              <a:rPr lang="en-US"/>
+              <a:t> utility that is installed with ASP.NET 2.0 is in:</a:t>
+            </a:r>
+            <a:r>
+              <a:rPr lang="bg-BG"/>
+              <a:t> </a:t>
+            </a:r>
+            <a:endParaRPr lang="en-US"/>
+          </a:p>
+          <a:p>
+            <a:pPr lvl="1">
+              <a:buFontTx/>
+              <a:buNone/>
+            </a:pPr>
+            <a:r>
+              <a:rPr lang="en-US"/>
+              <a:t>C:\WINDOWS\Microsoft.NET\Framework\</a:t>
+            </a:r>
+            <a:br>
+              <a:rPr lang="en-US"/>
+            </a:br>
+            <a:r>
+              <a:rPr lang="en-US"/>
+              <a:t>v2.0.50727\aspnet_regsql.exe</a:t>
+            </a:r>
+          </a:p>
+        </p:txBody>
+      </p:sp>
+    </p:spTree>
+  </p:cSld>
+  <p:clrMapOvr>
+    <a:masterClrMapping/>
+  </p:clrMapOvr>
+  <p:transition/>
+  <p:timing>
+    <p:tnLst>
+      <p:par>
+        <p:cTn id="1" dur="indefinite" restart="never" nodeType="tmRoot"/>
+      </p:par>
+    </p:tnLst>
+  </p:timing>
+</p:sld>
+</file>
+
+<file path=ppt/slides/slide37.xml><?xml version="1.0" encoding="utf-8"?>
+<p:sld xmlns:a="http://schemas.openxmlformats.org/drawingml/2006/main" xmlns:r="http://schemas.openxmlformats.org/officeDocument/2006/relationships" xmlns:p="http://schemas.openxmlformats.org/presentationml/2006/main">
+  <p:cSld>
+    <p:spTree>
+      <p:nvGrpSpPr>
+        <p:cNvPr id="1" name=""/>
+        <p:cNvGrpSpPr/>
+        <p:nvPr/>
+      </p:nvGrpSpPr>
+      <p:grpSpPr>
+        <a:xfrm>
+          <a:off x="0" y="0"/>
+          <a:ext cx="0" cy="0"/>
+          <a:chOff x="0" y="0"/>
+          <a:chExt cx="0" cy="0"/>
+        </a:xfrm>
+      </p:grpSpPr>
+      <p:sp>
+        <p:nvSpPr>
+          <p:cNvPr id="486402" name="Rectangle 2"/>
+          <p:cNvSpPr>
+            <a:spLocks noGrp="1" noChangeArrowheads="1"/>
+          </p:cNvSpPr>
+          <p:nvPr>
+            <p:ph type="title"/>
+          </p:nvPr>
+        </p:nvSpPr>
+        <p:spPr/>
+        <p:txBody>
+          <a:bodyPr/>
+          <a:lstStyle/>
+          <a:p>
+            <a:r>
+              <a:rPr lang="en-US" noProof="1"/>
+              <a:t>aspnet_</a:t>
+            </a:r>
+            <a:r>
+              <a:rPr lang="en-US"/>
+              <a:t>r</a:t>
+            </a:r>
+            <a:r>
+              <a:rPr lang="en-US" noProof="1"/>
+              <a:t>egsql.exe</a:t>
+            </a:r>
+            <a:r>
+              <a:rPr lang="en-US"/>
+              <a:t> – </a:t>
+            </a:r>
+            <a:br>
+              <a:rPr lang="en-US"/>
+            </a:br>
+            <a:r>
+              <a:rPr lang="en-US"/>
+              <a:t>Live Demo</a:t>
+            </a:r>
+            <a:endParaRPr lang="bg-BG"/>
+          </a:p>
+        </p:txBody>
+      </p:sp>
+      <p:pic>
+        <p:nvPicPr>
+          <p:cNvPr id="486405" name="Picture 5"/>
+          <p:cNvPicPr>
+            <a:picLocks noChangeAspect="1" noChangeArrowheads="1"/>
+          </p:cNvPicPr>
+          <p:nvPr/>
+        </p:nvPicPr>
+        <p:blipFill>
+          <a:blip r:embed="rId2"/>
+          <a:srcRect/>
+          <a:stretch>
+            <a:fillRect/>
+          </a:stretch>
+        </p:blipFill>
+        <p:spPr bwMode="auto">
+          <a:xfrm>
+            <a:off x="1116013" y="1341438"/>
+            <a:ext cx="6697662" cy="5029200"/>
+          </a:xfrm>
+          <a:prstGeom prst="rect">
+            <a:avLst/>
+          </a:prstGeom>
+          <a:noFill/>
+          <a:ln w="6350" algn="ctr">
+            <a:solidFill>
+              <a:schemeClr val="tx1"/>
+            </a:solidFill>
+            <a:miter lim="800000"/>
+            <a:headEnd/>
+            <a:tailEnd/>
+          </a:ln>
+          <a:effectLst/>
+        </p:spPr>
+      </p:pic>
+    </p:spTree>
+  </p:cSld>
+  <p:clrMapOvr>
+    <a:masterClrMapping/>
+  </p:clrMapOvr>
+  <p:transition/>
+</p:sld>
+</file>
+
+<file path=ppt/slides/slide38.xml><?xml version="1.0" encoding="utf-8"?>
+<p:sld xmlns:a="http://schemas.openxmlformats.org/drawingml/2006/main" xmlns:r="http://schemas.openxmlformats.org/officeDocument/2006/relationships" xmlns:p="http://schemas.openxmlformats.org/presentationml/2006/main">
+  <p:cSld>
+    <p:spTree>
+      <p:nvGrpSpPr>
+        <p:cNvPr id="1" name=""/>
+        <p:cNvGrpSpPr/>
+        <p:nvPr/>
+      </p:nvGrpSpPr>
+      <p:grpSpPr>
+        <a:xfrm>
+          <a:off x="0" y="0"/>
+          <a:ext cx="0" cy="0"/>
+          <a:chOff x="0" y="0"/>
+          <a:chExt cx="0" cy="0"/>
+        </a:xfrm>
+      </p:grpSpPr>
+      <p:sp>
+        <p:nvSpPr>
+          <p:cNvPr id="495618" name="Rectangle 2"/>
+          <p:cNvSpPr>
+            <a:spLocks noGrp="1" noChangeArrowheads="1"/>
+          </p:cNvSpPr>
+          <p:nvPr>
+            <p:ph type="title"/>
+          </p:nvPr>
+        </p:nvSpPr>
+        <p:spPr/>
+        <p:txBody>
+          <a:bodyPr/>
+          <a:lstStyle/>
+          <a:p>
+            <a:r>
+              <a:rPr lang="en-US" sz="3600"/>
+              <a:t>ASP.NET Web Site Administration Tool</a:t>
+            </a:r>
+          </a:p>
+        </p:txBody>
+      </p:sp>
+      <p:sp>
+        <p:nvSpPr>
+          <p:cNvPr id="495619" name="Rectangle 3"/>
+          <p:cNvSpPr>
+            <a:spLocks noGrp="1" noChangeArrowheads="1"/>
+          </p:cNvSpPr>
+          <p:nvPr>
+            <p:ph type="body" idx="1"/>
+          </p:nvPr>
+        </p:nvSpPr>
+        <p:spPr/>
+        <p:txBody>
+          <a:bodyPr/>
+          <a:lstStyle/>
+          <a:p>
+            <a:r>
+              <a:rPr lang="en-US"/>
+              <a:t>Designed to manage your Web site configuration</a:t>
+            </a:r>
+          </a:p>
+          <a:p>
+            <a:r>
+              <a:rPr lang="en-US"/>
+              <a:t>Simple interface</a:t>
+            </a:r>
+          </a:p>
+          <a:p>
+            <a:r>
+              <a:rPr lang="en-US"/>
+              <a:t>Can create and manage users, roles and providers </a:t>
+            </a:r>
+          </a:p>
+          <a:p>
+            <a:r>
+              <a:rPr lang="en-US"/>
+              <a:t>Can manage application configuration settings</a:t>
+            </a:r>
+          </a:p>
+          <a:p>
+            <a:r>
+              <a:rPr lang="en-US"/>
+              <a:t>Accessible through Website menu </a:t>
+            </a:r>
+            <a:r>
+              <a:rPr lang="en-US">
+                <a:sym typeface="Wingdings" pitchFamily="2" charset="2"/>
+              </a:rPr>
+              <a:t> </a:t>
+            </a:r>
+            <a:r>
+              <a:rPr lang="en-US"/>
+              <a:t>ASP.Net Configuration </a:t>
+            </a:r>
+          </a:p>
+        </p:txBody>
+      </p:sp>
+    </p:spTree>
+  </p:cSld>
+  <p:clrMapOvr>
+    <a:masterClrMapping/>
+  </p:clrMapOvr>
+  <p:transition/>
+</p:sld>
+</file>
+
+<file path=ppt/slides/slide39.xml><?xml version="1.0" encoding="utf-8"?>
+<p:sld xmlns:a="http://schemas.openxmlformats.org/drawingml/2006/main" xmlns:r="http://schemas.openxmlformats.org/officeDocument/2006/relationships" xmlns:p="http://schemas.openxmlformats.org/presentationml/2006/main">
+  <p:cSld>
+    <p:spTree>
+      <p:nvGrpSpPr>
+        <p:cNvPr id="1" name=""/>
+        <p:cNvGrpSpPr/>
+        <p:nvPr/>
+      </p:nvGrpSpPr>
+      <p:grpSpPr>
+        <a:xfrm>
+          <a:off x="0" y="0"/>
+          <a:ext cx="0" cy="0"/>
+          <a:chOff x="0" y="0"/>
+          <a:chExt cx="0" cy="0"/>
+        </a:xfrm>
+      </p:grpSpPr>
+      <p:sp>
+        <p:nvSpPr>
+          <p:cNvPr id="473090" name="Rectangle 2"/>
+          <p:cNvSpPr>
+            <a:spLocks noGrp="1" noChangeArrowheads="1"/>
+          </p:cNvSpPr>
+          <p:nvPr>
+            <p:ph type="title"/>
+          </p:nvPr>
+        </p:nvSpPr>
+        <p:spPr/>
+        <p:txBody>
+          <a:bodyPr/>
+          <a:lstStyle/>
+          <a:p>
+            <a:r>
+              <a:rPr lang="en-US"/>
+              <a:t>Administration Tool – Live Demo</a:t>
+            </a:r>
+            <a:endParaRPr lang="bg-BG"/>
+          </a:p>
+        </p:txBody>
+      </p:sp>
+      <p:pic>
+        <p:nvPicPr>
+          <p:cNvPr id="473093" name="Picture 5"/>
+          <p:cNvPicPr>
+            <a:picLocks noChangeAspect="1" noChangeArrowheads="1"/>
+          </p:cNvPicPr>
+          <p:nvPr/>
+        </p:nvPicPr>
+        <p:blipFill>
+          <a:blip r:embed="rId2"/>
+          <a:srcRect/>
+          <a:stretch>
+            <a:fillRect/>
+          </a:stretch>
+        </p:blipFill>
+        <p:spPr bwMode="auto">
+          <a:xfrm>
+            <a:off x="971550" y="1125538"/>
+            <a:ext cx="7416800" cy="5527675"/>
+          </a:xfrm>
+          <a:prstGeom prst="rect">
+            <a:avLst/>
+          </a:prstGeom>
+          <a:noFill/>
+          <a:ln w="6350" algn="ctr">
+            <a:solidFill>
+              <a:schemeClr val="tx1"/>
+            </a:solidFill>
+            <a:miter lim="800000"/>
+            <a:headEnd/>
+            <a:tailEnd/>
+          </a:ln>
+          <a:effectLst/>
+        </p:spPr>
+      </p:pic>
+    </p:spTree>
+  </p:cSld>
+  <p:clrMapOvr>
+    <a:masterClrMapping/>
+  </p:clrMapOvr>
+  <p:transition/>
+  <p:timing>
+    <p:tnLst>
+      <p:par>
+        <p:cTn id="1" dur="indefinite" restart="never" nodeType="tmRoot"/>
+      </p:par>
+    </p:tnLst>
+  </p:timing>
+</p:sld>
+</file>
+
+<file path=ppt/slides/slide4.xml><?xml version="1.0" encoding="utf-8"?>
+<p:sld xmlns:a="http://schemas.openxmlformats.org/drawingml/2006/main" xmlns:r="http://schemas.openxmlformats.org/officeDocument/2006/relationships" xmlns:p="http://schemas.openxmlformats.org/presentationml/2006/main">
+  <p:cSld>
+    <p:spTree>
+      <p:nvGrpSpPr>
+        <p:cNvPr id="1" name=""/>
+        <p:cNvGrpSpPr/>
+        <p:nvPr/>
+      </p:nvGrpSpPr>
+      <p:grpSpPr>
+        <a:xfrm>
+          <a:off x="0" y="0"/>
+          <a:ext cx="0" cy="0"/>
+          <a:chOff x="0" y="0"/>
+          <a:chExt cx="0" cy="0"/>
+        </a:xfrm>
+      </p:grpSpPr>
+      <p:sp>
+        <p:nvSpPr>
+          <p:cNvPr id="2" name="Title 1"/>
+          <p:cNvSpPr>
+            <a:spLocks noGrp="1"/>
+          </p:cNvSpPr>
+          <p:nvPr>
+            <p:ph type="title"/>
+          </p:nvPr>
+        </p:nvSpPr>
+        <p:spPr/>
+        <p:txBody>
+          <a:bodyPr/>
+          <a:lstStyle/>
+          <a:p>
+            <a:r>
+              <a:rPr lang="en-US" dirty="0" smtClean="0"/>
+              <a:t>State Management</a:t>
+            </a:r>
+            <a:endParaRPr lang="en-US" dirty="0"/>
+          </a:p>
+        </p:txBody>
+      </p:sp>
+      <p:sp>
+        <p:nvSpPr>
+          <p:cNvPr id="3" name="Content Placeholder 2"/>
+          <p:cNvSpPr>
+            <a:spLocks noGrp="1"/>
+          </p:cNvSpPr>
+          <p:nvPr>
+            <p:ph idx="1"/>
+          </p:nvPr>
+        </p:nvSpPr>
+        <p:spPr/>
+        <p:txBody>
+          <a:bodyPr/>
+          <a:lstStyle/>
+          <a:p>
+            <a:r>
+              <a:rPr lang="en-US" dirty="0" smtClean="0"/>
+              <a:t>What is state and why do we need to keep it</a:t>
+            </a:r>
+          </a:p>
+          <a:p>
+            <a:r>
+              <a:rPr lang="en-US" dirty="0" smtClean="0"/>
+              <a:t>HTTP is stateless protocol</a:t>
+            </a:r>
+          </a:p>
+          <a:p>
+            <a:r>
+              <a:rPr lang="en-US" dirty="0" smtClean="0"/>
+              <a:t>Ways to manage state</a:t>
+            </a:r>
+          </a:p>
+          <a:p>
+            <a:pPr lvl="1"/>
+            <a:r>
+              <a:rPr lang="en-US" dirty="0" smtClean="0"/>
+              <a:t>Client-based state management options</a:t>
+            </a:r>
+          </a:p>
+          <a:p>
+            <a:pPr lvl="1"/>
+            <a:r>
+              <a:rPr lang="en-US" dirty="0" smtClean="0"/>
+              <a:t>Server-based state management options</a:t>
+            </a:r>
+          </a:p>
+          <a:p>
+            <a:r>
+              <a:rPr lang="en-US" dirty="0" smtClean="0"/>
+              <a:t>Usability</a:t>
+            </a:r>
+          </a:p>
+          <a:p>
+            <a:r>
+              <a:rPr lang="en-US" dirty="0" smtClean="0"/>
+              <a:t>Performance</a:t>
+            </a:r>
+          </a:p>
+          <a:p>
+            <a:r>
+              <a:rPr lang="en-US" dirty="0" smtClean="0"/>
+              <a:t>Scalability</a:t>
+            </a:r>
+          </a:p>
+          <a:p>
+            <a:r>
+              <a:rPr lang="en-US" dirty="0" smtClean="0"/>
+              <a:t>Security</a:t>
+            </a:r>
+          </a:p>
+          <a:p>
+            <a:pPr lvl="1"/>
+            <a:endParaRPr lang="en-US" dirty="0"/>
+          </a:p>
+        </p:txBody>
+      </p:sp>
+      <p:sp>
+        <p:nvSpPr>
+          <p:cNvPr id="4" name="Slide Number Placeholder 3"/>
+          <p:cNvSpPr>
+            <a:spLocks noGrp="1"/>
+          </p:cNvSpPr>
+          <p:nvPr>
+            <p:ph type="sldNum" sz="quarter" idx="10"/>
+          </p:nvPr>
+        </p:nvSpPr>
+        <p:spPr/>
+        <p:txBody>
+          <a:bodyPr/>
+          <a:lstStyle/>
+          <a:p>
+            <a:pPr>
+              <a:defRPr/>
+            </a:pPr>
+            <a:fld id="{58452FF4-89E3-4D1B-9927-2DBDC00E58D7}" type="slidenum">
+              <a:rPr lang="en-US" smtClean="0"/>
+              <a:pPr>
+                <a:defRPr/>
+              </a:pPr>
+              <a:t>4</a:t>
+            </a:fld>
+            <a:endParaRPr lang="en-US" dirty="0"/>
+          </a:p>
+        </p:txBody>
+      </p:sp>
+    </p:spTree>
+  </p:cSld>
+  <p:clrMapOvr>
+    <a:masterClrMapping/>
+  </p:clrMapOvr>
+  <p:timing>
+    <p:tnLst>
+      <p:par>
+        <p:cTn id="1" dur="indefinite" restart="never" nodeType="tmRoot"/>
+      </p:par>
+    </p:tnLst>
+  </p:timing>
+</p:sld>
+</file>
+
+<file path=ppt/slides/slide40.xml><?xml version="1.0" encoding="utf-8"?>
+<p:sld xmlns:a="http://schemas.openxmlformats.org/drawingml/2006/main" xmlns:r="http://schemas.openxmlformats.org/officeDocument/2006/relationships" xmlns:p="http://schemas.openxmlformats.org/presentationml/2006/main">
+  <p:cSld>
+    <p:spTree>
+      <p:nvGrpSpPr>
+        <p:cNvPr id="1" name=""/>
+        <p:cNvGrpSpPr/>
+        <p:nvPr/>
+      </p:nvGrpSpPr>
+      <p:grpSpPr>
+        <a:xfrm>
+          <a:off x="0" y="0"/>
+          <a:ext cx="0" cy="0"/>
+          <a:chOff x="0" y="0"/>
+          <a:chExt cx="0" cy="0"/>
+        </a:xfrm>
+      </p:grpSpPr>
+      <p:sp>
+        <p:nvSpPr>
+          <p:cNvPr id="2" name="Title 1"/>
+          <p:cNvSpPr>
+            <a:spLocks noGrp="1"/>
+          </p:cNvSpPr>
+          <p:nvPr>
+            <p:ph type="title"/>
+          </p:nvPr>
+        </p:nvSpPr>
+        <p:spPr/>
+        <p:txBody>
+          <a:bodyPr/>
+          <a:lstStyle/>
+          <a:p>
+            <a:r>
+              <a:rPr lang="en-US" dirty="0" smtClean="0"/>
+              <a:t>Login controls</a:t>
+            </a:r>
+            <a:endParaRPr lang="en-US" dirty="0"/>
+          </a:p>
+        </p:txBody>
+      </p:sp>
+      <p:sp>
+        <p:nvSpPr>
+          <p:cNvPr id="3" name="Content Placeholder 2"/>
+          <p:cNvSpPr>
+            <a:spLocks noGrp="1"/>
+          </p:cNvSpPr>
+          <p:nvPr>
+            <p:ph idx="1"/>
+          </p:nvPr>
+        </p:nvSpPr>
+        <p:spPr/>
+        <p:txBody>
+          <a:bodyPr/>
+          <a:lstStyle/>
+          <a:p>
+            <a:r>
+              <a:rPr lang="en-US" dirty="0" smtClean="0"/>
+              <a:t>Configure </a:t>
+            </a:r>
+            <a:r>
+              <a:rPr lang="en-US" smtClean="0"/>
+              <a:t>Membership Provider </a:t>
+            </a:r>
+            <a:r>
+              <a:rPr lang="en-US" dirty="0" smtClean="0"/>
+              <a:t>and database and they just work</a:t>
+            </a:r>
+          </a:p>
+          <a:p>
+            <a:r>
+              <a:rPr lang="en-US" dirty="0" smtClean="0"/>
+              <a:t>Login</a:t>
+            </a:r>
+          </a:p>
+          <a:p>
+            <a:r>
+              <a:rPr lang="en-US" dirty="0" smtClean="0"/>
+              <a:t>Login Name</a:t>
+            </a:r>
+            <a:endParaRPr lang="en-US" dirty="0" smtClean="0"/>
+          </a:p>
+          <a:p>
+            <a:r>
+              <a:rPr lang="en-US" dirty="0" smtClean="0"/>
+              <a:t>Login </a:t>
+            </a:r>
+            <a:r>
+              <a:rPr lang="en-US" dirty="0" smtClean="0"/>
+              <a:t>Status</a:t>
+            </a:r>
+          </a:p>
+          <a:p>
+            <a:r>
+              <a:rPr lang="en-US" dirty="0" smtClean="0"/>
+              <a:t>Login View</a:t>
+            </a:r>
+          </a:p>
+          <a:p>
+            <a:r>
+              <a:rPr lang="en-US" dirty="0" smtClean="0"/>
+              <a:t>Create User </a:t>
+            </a:r>
+            <a:r>
+              <a:rPr lang="en-US" dirty="0" smtClean="0"/>
+              <a:t>W</a:t>
+            </a:r>
+            <a:r>
+              <a:rPr lang="en-US" dirty="0" smtClean="0"/>
+              <a:t>izard</a:t>
+            </a:r>
+            <a:endParaRPr lang="en-US" dirty="0" smtClean="0"/>
+          </a:p>
+          <a:p>
+            <a:r>
+              <a:rPr lang="en-US" dirty="0" smtClean="0"/>
+              <a:t>Change Password</a:t>
+            </a:r>
+          </a:p>
+          <a:p>
+            <a:r>
+              <a:rPr lang="en-US" dirty="0" smtClean="0"/>
+              <a:t>Password Recovery</a:t>
+            </a:r>
+            <a:endParaRPr lang="en-US" dirty="0"/>
+          </a:p>
+        </p:txBody>
+      </p:sp>
+      <p:sp>
+        <p:nvSpPr>
+          <p:cNvPr id="4" name="Slide Number Placeholder 3"/>
+          <p:cNvSpPr>
+            <a:spLocks noGrp="1"/>
+          </p:cNvSpPr>
+          <p:nvPr>
+            <p:ph type="sldNum" sz="quarter" idx="10"/>
+          </p:nvPr>
+        </p:nvSpPr>
+        <p:spPr/>
+        <p:txBody>
+          <a:bodyPr/>
+          <a:lstStyle/>
+          <a:p>
+            <a:pPr>
+              <a:defRPr/>
+            </a:pPr>
+            <a:fld id="{58452FF4-89E3-4D1B-9927-2DBDC00E58D7}" type="slidenum">
+              <a:rPr lang="en-US" smtClean="0"/>
+              <a:pPr>
+                <a:defRPr/>
+              </a:pPr>
+              <a:t>40</a:t>
+            </a:fld>
+            <a:endParaRPr lang="en-US" dirty="0"/>
+          </a:p>
+        </p:txBody>
+      </p:sp>
+    </p:spTree>
+  </p:cSld>
+  <p:clrMapOvr>
+    <a:masterClrMapping/>
+  </p:clrMapOvr>
+</p:sld>
+</file>
+
+<file path=ppt/slides/slide41.xml><?xml version="1.0" encoding="utf-8"?>
+<p:sld xmlns:a="http://schemas.openxmlformats.org/drawingml/2006/main" xmlns:r="http://schemas.openxmlformats.org/officeDocument/2006/relationships" xmlns:p="http://schemas.openxmlformats.org/presentationml/2006/main">
+  <p:cSld>
+    <p:spTree>
+      <p:nvGrpSpPr>
+        <p:cNvPr id="1" name=""/>
+        <p:cNvGrpSpPr/>
+        <p:nvPr/>
+      </p:nvGrpSpPr>
+      <p:grpSpPr>
+        <a:xfrm>
+          <a:off x="0" y="0"/>
+          <a:ext cx="0" cy="0"/>
+          <a:chOff x="0" y="0"/>
+          <a:chExt cx="0" cy="0"/>
+        </a:xfrm>
+      </p:grpSpPr>
+      <p:sp>
+        <p:nvSpPr>
+          <p:cNvPr id="2" name="Title 1"/>
+          <p:cNvSpPr>
+            <a:spLocks noGrp="1"/>
+          </p:cNvSpPr>
+          <p:nvPr>
+            <p:ph type="title"/>
+          </p:nvPr>
+        </p:nvSpPr>
+        <p:spPr>
+          <a:xfrm>
+            <a:off x="457200" y="2133600"/>
+            <a:ext cx="8458200" cy="2362200"/>
+          </a:xfrm>
+        </p:spPr>
+        <p:txBody>
+          <a:bodyPr/>
+          <a:lstStyle/>
+          <a:p>
+            <a:pPr algn="ctr"/>
+            <a:r>
+              <a:rPr lang="en-US" sz="5400" dirty="0" smtClean="0"/>
+              <a:t>IIS and Deployment</a:t>
+            </a:r>
+            <a:endParaRPr lang="en-US" sz="5400" noProof="1" smtClean="0"/>
+          </a:p>
+        </p:txBody>
+      </p:sp>
+      <p:sp>
+        <p:nvSpPr>
+          <p:cNvPr id="4" name="Slide Number Placeholder 3"/>
+          <p:cNvSpPr>
+            <a:spLocks noGrp="1"/>
+          </p:cNvSpPr>
+          <p:nvPr>
+            <p:ph type="sldNum" sz="quarter" idx="10"/>
+          </p:nvPr>
+        </p:nvSpPr>
+        <p:spPr/>
+        <p:txBody>
+          <a:bodyPr/>
+          <a:lstStyle/>
+          <a:p>
+            <a:pPr>
+              <a:defRPr/>
+            </a:pPr>
+            <a:fld id="{58452FF4-89E3-4D1B-9927-2DBDC00E58D7}" type="slidenum">
+              <a:rPr lang="en-US" smtClean="0"/>
+              <a:pPr>
+                <a:defRPr/>
+              </a:pPr>
+              <a:t>41</a:t>
+            </a:fld>
+            <a:endParaRPr lang="en-US" dirty="0"/>
+          </a:p>
+        </p:txBody>
+      </p:sp>
+    </p:spTree>
+  </p:cSld>
+  <p:clrMapOvr>
+    <a:masterClrMapping/>
+  </p:clrMapOvr>
+  <p:timing>
+    <p:tnLst>
+      <p:par>
+        <p:cTn id="1" dur="indefinite" restart="never" nodeType="tmRoot"/>
+      </p:par>
+    </p:tnLst>
+  </p:timing>
+</p:sld>
+</file>
+
+<file path=ppt/slides/slide42.xml><?xml version="1.0" encoding="utf-8"?>
+<p:sld xmlns:a="http://schemas.openxmlformats.org/drawingml/2006/main" xmlns:r="http://schemas.openxmlformats.org/officeDocument/2006/relationships" xmlns:p="http://schemas.openxmlformats.org/presentationml/2006/main">
+  <p:cSld>
+    <p:spTree>
+      <p:nvGrpSpPr>
+        <p:cNvPr id="1" name=""/>
+        <p:cNvGrpSpPr/>
+        <p:nvPr/>
+      </p:nvGrpSpPr>
+      <p:grpSpPr>
+        <a:xfrm>
+          <a:off x="0" y="0"/>
+          <a:ext cx="0" cy="0"/>
+          <a:chOff x="0" y="0"/>
+          <a:chExt cx="0" cy="0"/>
+        </a:xfrm>
+      </p:grpSpPr>
+      <p:sp>
+        <p:nvSpPr>
+          <p:cNvPr id="2" name="Title 1"/>
+          <p:cNvSpPr>
+            <a:spLocks noGrp="1"/>
+          </p:cNvSpPr>
+          <p:nvPr>
+            <p:ph type="title"/>
+          </p:nvPr>
+        </p:nvSpPr>
+        <p:spPr/>
+        <p:txBody>
+          <a:bodyPr/>
+          <a:lstStyle/>
+          <a:p>
+            <a:r>
+              <a:rPr lang="en-US" dirty="0" smtClean="0"/>
+              <a:t>IIS</a:t>
+            </a:r>
+            <a:endParaRPr lang="en-US" dirty="0"/>
+          </a:p>
+        </p:txBody>
+      </p:sp>
+      <p:sp>
+        <p:nvSpPr>
+          <p:cNvPr id="3" name="Content Placeholder 2"/>
+          <p:cNvSpPr>
+            <a:spLocks noGrp="1"/>
+          </p:cNvSpPr>
+          <p:nvPr>
+            <p:ph idx="1"/>
+          </p:nvPr>
+        </p:nvSpPr>
+        <p:spPr/>
+        <p:txBody>
+          <a:bodyPr/>
+          <a:lstStyle/>
+          <a:p>
+            <a:r>
+              <a:rPr lang="en-US" dirty="0" smtClean="0"/>
+              <a:t>IIS – Internet Information Services</a:t>
+            </a:r>
+          </a:p>
+          <a:p>
+            <a:r>
+              <a:rPr lang="en-US" dirty="0" smtClean="0"/>
+              <a:t>Set of windows services used to host web applications</a:t>
+            </a:r>
+          </a:p>
+          <a:p>
+            <a:r>
+              <a:rPr lang="en-US" dirty="0" smtClean="0"/>
+              <a:t>Free with Windows OS</a:t>
+            </a:r>
+          </a:p>
+          <a:p>
+            <a:pPr lvl="1"/>
+            <a:r>
+              <a:rPr lang="en-US" sz="2800" dirty="0" smtClean="0"/>
+              <a:t>IIS 5 (Windows XP)</a:t>
+            </a:r>
+          </a:p>
+          <a:p>
+            <a:pPr lvl="1"/>
+            <a:r>
+              <a:rPr lang="en-US" sz="2800" dirty="0" smtClean="0"/>
+              <a:t>IIS 6 (Windows Server 2003 and Windows XP Professional x64 Edition)</a:t>
+            </a:r>
+          </a:p>
+          <a:p>
+            <a:pPr lvl="1"/>
+            <a:r>
+              <a:rPr lang="en-US" sz="2800" dirty="0" smtClean="0"/>
+              <a:t>IIS 7 (Windows Vista and Windows Server 2008)</a:t>
+            </a:r>
+          </a:p>
+          <a:p>
+            <a:pPr lvl="1"/>
+            <a:r>
+              <a:rPr lang="en-US" sz="2800" dirty="0" smtClean="0"/>
+              <a:t>IIS 7.5 (Windows 7 &amp; Windows Server 2008 R2)</a:t>
+            </a:r>
+          </a:p>
+          <a:p>
+            <a:endParaRPr lang="en-US" dirty="0"/>
+          </a:p>
+        </p:txBody>
+      </p:sp>
+      <p:sp>
+        <p:nvSpPr>
+          <p:cNvPr id="4" name="Slide Number Placeholder 3"/>
+          <p:cNvSpPr>
+            <a:spLocks noGrp="1"/>
+          </p:cNvSpPr>
+          <p:nvPr>
+            <p:ph type="sldNum" sz="quarter" idx="10"/>
+          </p:nvPr>
+        </p:nvSpPr>
+        <p:spPr/>
+        <p:txBody>
+          <a:bodyPr/>
+          <a:lstStyle/>
+          <a:p>
+            <a:pPr>
+              <a:defRPr/>
+            </a:pPr>
+            <a:fld id="{58452FF4-89E3-4D1B-9927-2DBDC00E58D7}" type="slidenum">
+              <a:rPr lang="en-US" smtClean="0"/>
+              <a:pPr>
+                <a:defRPr/>
+              </a:pPr>
+              <a:t>42</a:t>
+            </a:fld>
+            <a:endParaRPr lang="en-US" dirty="0"/>
+          </a:p>
+        </p:txBody>
+      </p:sp>
+    </p:spTree>
+  </p:cSld>
+  <p:clrMapOvr>
+    <a:masterClrMapping/>
+  </p:clrMapOvr>
+  <p:timing>
+    <p:tnLst>
+      <p:par>
+        <p:cTn id="1" dur="indefinite" restart="never" nodeType="tmRoot"/>
+      </p:par>
+    </p:tnLst>
+  </p:timing>
+</p:sld>
+</file>
+
+<file path=ppt/slides/slide43.xml><?xml version="1.0" encoding="utf-8"?>
+<p:sld xmlns:a="http://schemas.openxmlformats.org/drawingml/2006/main" xmlns:r="http://schemas.openxmlformats.org/officeDocument/2006/relationships" xmlns:p="http://schemas.openxmlformats.org/presentationml/2006/main">
+  <p:cSld>
+    <p:spTree>
+      <p:nvGrpSpPr>
+        <p:cNvPr id="1" name=""/>
+        <p:cNvGrpSpPr/>
+        <p:nvPr/>
+      </p:nvGrpSpPr>
+      <p:grpSpPr>
+        <a:xfrm>
+          <a:off x="0" y="0"/>
+          <a:ext cx="0" cy="0"/>
+          <a:chOff x="0" y="0"/>
+          <a:chExt cx="0" cy="0"/>
+        </a:xfrm>
+      </p:grpSpPr>
+      <p:sp>
+        <p:nvSpPr>
+          <p:cNvPr id="2" name="Title 1"/>
+          <p:cNvSpPr>
+            <a:spLocks noGrp="1"/>
+          </p:cNvSpPr>
+          <p:nvPr>
+            <p:ph type="title"/>
+          </p:nvPr>
+        </p:nvSpPr>
+        <p:spPr/>
+        <p:txBody>
+          <a:bodyPr/>
+          <a:lstStyle/>
+          <a:p>
+            <a:r>
+              <a:rPr lang="en-US" dirty="0" smtClean="0"/>
+              <a:t>IIS</a:t>
+            </a:r>
+            <a:endParaRPr lang="en-US" dirty="0"/>
+          </a:p>
+        </p:txBody>
+      </p:sp>
+      <p:sp>
+        <p:nvSpPr>
+          <p:cNvPr id="3" name="Content Placeholder 2"/>
+          <p:cNvSpPr>
+            <a:spLocks noGrp="1"/>
+          </p:cNvSpPr>
+          <p:nvPr>
+            <p:ph idx="1"/>
+          </p:nvPr>
+        </p:nvSpPr>
+        <p:spPr/>
+        <p:txBody>
+          <a:bodyPr/>
+          <a:lstStyle/>
+          <a:p>
+            <a:r>
+              <a:rPr lang="en-US" dirty="0" smtClean="0"/>
+              <a:t>Hosts ASP.NET applications</a:t>
+            </a:r>
+          </a:p>
+          <a:p>
+            <a:r>
+              <a:rPr lang="en-US" dirty="0" smtClean="0"/>
+              <a:t>Has its own ASP.NET processing engine</a:t>
+            </a:r>
+          </a:p>
+          <a:p>
+            <a:r>
+              <a:rPr lang="en-US" dirty="0" smtClean="0"/>
+              <a:t>Takes a request, process it and returns the response</a:t>
+            </a:r>
+            <a:endParaRPr lang="en-US" dirty="0"/>
+          </a:p>
+        </p:txBody>
+      </p:sp>
+      <p:sp>
+        <p:nvSpPr>
+          <p:cNvPr id="4" name="Slide Number Placeholder 3"/>
+          <p:cNvSpPr>
+            <a:spLocks noGrp="1"/>
+          </p:cNvSpPr>
+          <p:nvPr>
+            <p:ph type="sldNum" sz="quarter" idx="10"/>
+          </p:nvPr>
+        </p:nvSpPr>
+        <p:spPr/>
+        <p:txBody>
+          <a:bodyPr/>
+          <a:lstStyle/>
+          <a:p>
+            <a:pPr>
+              <a:defRPr/>
+            </a:pPr>
+            <a:fld id="{58452FF4-89E3-4D1B-9927-2DBDC00E58D7}" type="slidenum">
+              <a:rPr lang="en-US" smtClean="0"/>
+              <a:pPr>
+                <a:defRPr/>
+              </a:pPr>
+              <a:t>43</a:t>
+            </a:fld>
+            <a:endParaRPr lang="en-US" dirty="0"/>
+          </a:p>
+        </p:txBody>
+      </p:sp>
+      <p:pic>
+        <p:nvPicPr>
+          <p:cNvPr id="3074" name="Picture 2" descr="C:\Users\Black\Desktop\IIS Request response.JPG"/>
+          <p:cNvPicPr>
+            <a:picLocks noChangeAspect="1" noChangeArrowheads="1"/>
+          </p:cNvPicPr>
+          <p:nvPr/>
+        </p:nvPicPr>
+        <p:blipFill>
+          <a:blip r:embed="rId2"/>
+          <a:srcRect/>
+          <a:stretch>
+            <a:fillRect/>
+          </a:stretch>
+        </p:blipFill>
+        <p:spPr bwMode="auto">
+          <a:xfrm>
+            <a:off x="1295400" y="3657600"/>
+            <a:ext cx="5857875" cy="2838450"/>
+          </a:xfrm>
+          <a:prstGeom prst="rect">
+            <a:avLst/>
+          </a:prstGeom>
+          <a:noFill/>
+        </p:spPr>
+      </p:pic>
+    </p:spTree>
+  </p:cSld>
+  <p:clrMapOvr>
+    <a:masterClrMapping/>
+  </p:clrMapOvr>
+  <p:timing>
+    <p:tnLst>
+      <p:par>
+        <p:cTn id="1" dur="indefinite" restart="never" nodeType="tmRoot"/>
+      </p:par>
+    </p:tnLst>
+  </p:timing>
+</p:sld>
+</file>
+
+<file path=ppt/slides/slide44.xml><?xml version="1.0" encoding="utf-8"?>
+<p:sld xmlns:a="http://schemas.openxmlformats.org/drawingml/2006/main" xmlns:r="http://schemas.openxmlformats.org/officeDocument/2006/relationships" xmlns:p="http://schemas.openxmlformats.org/presentationml/2006/main">
+  <p:cSld>
+    <p:spTree>
+      <p:nvGrpSpPr>
+        <p:cNvPr id="1" name=""/>
+        <p:cNvGrpSpPr/>
+        <p:nvPr/>
+      </p:nvGrpSpPr>
+      <p:grpSpPr>
+        <a:xfrm>
+          <a:off x="0" y="0"/>
+          <a:ext cx="0" cy="0"/>
+          <a:chOff x="0" y="0"/>
+          <a:chExt cx="0" cy="0"/>
+        </a:xfrm>
+      </p:grpSpPr>
+      <p:sp>
+        <p:nvSpPr>
+          <p:cNvPr id="2" name="Title 1"/>
+          <p:cNvSpPr>
+            <a:spLocks noGrp="1"/>
+          </p:cNvSpPr>
+          <p:nvPr>
+            <p:ph type="title"/>
+          </p:nvPr>
+        </p:nvSpPr>
+        <p:spPr/>
+        <p:txBody>
+          <a:bodyPr/>
+          <a:lstStyle/>
+          <a:p>
+            <a:r>
+              <a:rPr lang="en-US" dirty="0" smtClean="0"/>
+              <a:t>IIS Request Processing</a:t>
+            </a:r>
+            <a:endParaRPr lang="en-US" dirty="0"/>
+          </a:p>
+        </p:txBody>
+      </p:sp>
+      <p:sp>
+        <p:nvSpPr>
+          <p:cNvPr id="3" name="Content Placeholder 2"/>
+          <p:cNvSpPr>
+            <a:spLocks noGrp="1"/>
+          </p:cNvSpPr>
+          <p:nvPr>
+            <p:ph idx="1"/>
+          </p:nvPr>
+        </p:nvSpPr>
+        <p:spPr/>
+        <p:txBody>
+          <a:bodyPr/>
+          <a:lstStyle/>
+          <a:p>
+            <a:r>
+              <a:rPr lang="en-US" dirty="0" smtClean="0"/>
+              <a:t>HTTP.sys kernel mode driver</a:t>
+            </a:r>
+            <a:endParaRPr lang="en-US" dirty="0" smtClean="0"/>
+          </a:p>
+          <a:p>
+            <a:r>
+              <a:rPr lang="en-US" dirty="0" err="1" smtClean="0"/>
+              <a:t>Aspnet_isapi</a:t>
+            </a:r>
+            <a:r>
+              <a:rPr lang="en-US" dirty="0" smtClean="0"/>
+              <a:t> </a:t>
+            </a:r>
+            <a:r>
+              <a:rPr lang="en-US" dirty="0" smtClean="0"/>
+              <a:t>extension</a:t>
+            </a:r>
+            <a:endParaRPr lang="en-US" dirty="0" smtClean="0"/>
+          </a:p>
+          <a:p>
+            <a:r>
+              <a:rPr lang="en-US" dirty="0" smtClean="0"/>
+              <a:t>Worker process (w3wp)</a:t>
+            </a:r>
+          </a:p>
+          <a:p>
+            <a:r>
+              <a:rPr lang="en-US" dirty="0" smtClean="0"/>
+              <a:t>Application pools</a:t>
+            </a:r>
+          </a:p>
+          <a:p>
+            <a:pPr lvl="1"/>
+            <a:r>
+              <a:rPr lang="en-US" dirty="0" smtClean="0"/>
+              <a:t>Classic pipeline</a:t>
+            </a:r>
+          </a:p>
+          <a:p>
+            <a:pPr lvl="1"/>
+            <a:r>
+              <a:rPr lang="en-US" dirty="0" smtClean="0"/>
+              <a:t>Integrated pipeline</a:t>
+            </a:r>
+          </a:p>
+          <a:p>
+            <a:r>
+              <a:rPr lang="en-US" dirty="0" smtClean="0"/>
+              <a:t>Http Modules and handlers</a:t>
+            </a:r>
+          </a:p>
+          <a:p>
+            <a:r>
+              <a:rPr lang="en-US" dirty="0" smtClean="0"/>
+              <a:t>Page lifecycle</a:t>
+            </a:r>
+          </a:p>
+        </p:txBody>
+      </p:sp>
+      <p:sp>
+        <p:nvSpPr>
+          <p:cNvPr id="4" name="Slide Number Placeholder 3"/>
+          <p:cNvSpPr>
+            <a:spLocks noGrp="1"/>
+          </p:cNvSpPr>
+          <p:nvPr>
+            <p:ph type="sldNum" sz="quarter" idx="10"/>
+          </p:nvPr>
+        </p:nvSpPr>
+        <p:spPr/>
+        <p:txBody>
+          <a:bodyPr/>
+          <a:lstStyle/>
+          <a:p>
+            <a:pPr>
+              <a:defRPr/>
+            </a:pPr>
+            <a:fld id="{58452FF4-89E3-4D1B-9927-2DBDC00E58D7}" type="slidenum">
+              <a:rPr lang="en-US" smtClean="0"/>
+              <a:pPr>
+                <a:defRPr/>
+              </a:pPr>
+              <a:t>44</a:t>
+            </a:fld>
+            <a:endParaRPr lang="en-US" dirty="0"/>
+          </a:p>
+        </p:txBody>
+      </p:sp>
+      <p:pic>
+        <p:nvPicPr>
+          <p:cNvPr id="1026" name="Picture 2" descr="C:\Users\Black\Desktop\IIS Application Pools.JPG"/>
+          <p:cNvPicPr>
+            <a:picLocks noChangeAspect="1" noChangeArrowheads="1"/>
+          </p:cNvPicPr>
+          <p:nvPr/>
+        </p:nvPicPr>
+        <p:blipFill>
+          <a:blip r:embed="rId2"/>
+          <a:srcRect/>
+          <a:stretch>
+            <a:fillRect/>
+          </a:stretch>
+        </p:blipFill>
+        <p:spPr bwMode="auto">
+          <a:xfrm>
+            <a:off x="4348624" y="3048000"/>
+            <a:ext cx="4566776" cy="1828800"/>
+          </a:xfrm>
+          <a:prstGeom prst="rect">
+            <a:avLst/>
+          </a:prstGeom>
+          <a:noFill/>
+        </p:spPr>
+      </p:pic>
+    </p:spTree>
+  </p:cSld>
+  <p:clrMapOvr>
+    <a:masterClrMapping/>
+  </p:clrMapOvr>
+  <p:timing>
+    <p:tnLst>
+      <p:par>
+        <p:cTn id="1" dur="indefinite" restart="never" nodeType="tmRoot"/>
+      </p:par>
+    </p:tnLst>
+  </p:timing>
+</p:sld>
+</file>
+
+<file path=ppt/slides/slide45.xml><?xml version="1.0" encoding="utf-8"?>
+<p:sld xmlns:a="http://schemas.openxmlformats.org/drawingml/2006/main" xmlns:r="http://schemas.openxmlformats.org/officeDocument/2006/relationships" xmlns:p="http://schemas.openxmlformats.org/presentationml/2006/main">
+  <p:cSld>
+    <p:spTree>
+      <p:nvGrpSpPr>
+        <p:cNvPr id="1" name=""/>
+        <p:cNvGrpSpPr/>
+        <p:nvPr/>
+      </p:nvGrpSpPr>
+      <p:grpSpPr>
+        <a:xfrm>
+          <a:off x="0" y="0"/>
+          <a:ext cx="0" cy="0"/>
+          <a:chOff x="0" y="0"/>
+          <a:chExt cx="0" cy="0"/>
+        </a:xfrm>
+      </p:grpSpPr>
+      <p:sp>
+        <p:nvSpPr>
+          <p:cNvPr id="2" name="Title 1"/>
+          <p:cNvSpPr>
+            <a:spLocks noGrp="1"/>
+          </p:cNvSpPr>
+          <p:nvPr>
+            <p:ph type="title"/>
+          </p:nvPr>
+        </p:nvSpPr>
+        <p:spPr/>
+        <p:txBody>
+          <a:bodyPr/>
+          <a:lstStyle/>
+          <a:p>
+            <a:r>
+              <a:rPr lang="en-US" dirty="0" smtClean="0"/>
+              <a:t>IIS Request Processing</a:t>
+            </a:r>
+            <a:endParaRPr lang="en-US" dirty="0"/>
+          </a:p>
+        </p:txBody>
+      </p:sp>
+      <p:sp>
+        <p:nvSpPr>
+          <p:cNvPr id="3" name="Content Placeholder 2"/>
+          <p:cNvSpPr>
+            <a:spLocks noGrp="1"/>
+          </p:cNvSpPr>
+          <p:nvPr>
+            <p:ph idx="1"/>
+          </p:nvPr>
+        </p:nvSpPr>
+        <p:spPr/>
+        <p:txBody>
+          <a:bodyPr/>
+          <a:lstStyle/>
+          <a:p>
+            <a:endParaRPr lang="en-US"/>
+          </a:p>
+        </p:txBody>
+      </p:sp>
+      <p:sp>
+        <p:nvSpPr>
+          <p:cNvPr id="4" name="Slide Number Placeholder 3"/>
+          <p:cNvSpPr>
+            <a:spLocks noGrp="1"/>
+          </p:cNvSpPr>
+          <p:nvPr>
+            <p:ph type="sldNum" sz="quarter" idx="10"/>
+          </p:nvPr>
+        </p:nvSpPr>
+        <p:spPr/>
+        <p:txBody>
+          <a:bodyPr/>
+          <a:lstStyle/>
+          <a:p>
+            <a:pPr>
+              <a:defRPr/>
+            </a:pPr>
+            <a:fld id="{58452FF4-89E3-4D1B-9927-2DBDC00E58D7}" type="slidenum">
+              <a:rPr lang="en-US" smtClean="0"/>
+              <a:pPr>
+                <a:defRPr/>
+              </a:pPr>
+              <a:t>45</a:t>
+            </a:fld>
+            <a:endParaRPr lang="en-US" dirty="0"/>
+          </a:p>
+        </p:txBody>
+      </p:sp>
+      <p:pic>
+        <p:nvPicPr>
+          <p:cNvPr id="5" name="Picture 2" descr="C:\Users\Black\Desktop\iis allStep.JPG"/>
+          <p:cNvPicPr>
+            <a:picLocks noChangeAspect="1" noChangeArrowheads="1"/>
+          </p:cNvPicPr>
+          <p:nvPr/>
+        </p:nvPicPr>
+        <p:blipFill>
+          <a:blip r:embed="rId2"/>
+          <a:srcRect/>
+          <a:stretch>
+            <a:fillRect/>
+          </a:stretch>
+        </p:blipFill>
+        <p:spPr bwMode="auto">
+          <a:xfrm>
+            <a:off x="533400" y="1094889"/>
+            <a:ext cx="7924800" cy="5423050"/>
+          </a:xfrm>
+          <a:prstGeom prst="rect">
+            <a:avLst/>
+          </a:prstGeom>
+          <a:noFill/>
+        </p:spPr>
+      </p:pic>
+    </p:spTree>
+  </p:cSld>
+  <p:clrMapOvr>
+    <a:masterClrMapping/>
+  </p:clrMapOvr>
+  <p:timing>
+    <p:tnLst>
+      <p:par>
+        <p:cTn id="1" dur="indefinite" restart="never" nodeType="tmRoot"/>
+      </p:par>
+    </p:tnLst>
+  </p:timing>
+</p:sld>
+</file>
+
+<file path=ppt/slides/slide46.xml><?xml version="1.0" encoding="utf-8"?>
+<p:sld xmlns:a="http://schemas.openxmlformats.org/drawingml/2006/main" xmlns:r="http://schemas.openxmlformats.org/officeDocument/2006/relationships" xmlns:p="http://schemas.openxmlformats.org/presentationml/2006/main">
+  <p:cSld>
+    <p:spTree>
+      <p:nvGrpSpPr>
+        <p:cNvPr id="1" name=""/>
+        <p:cNvGrpSpPr/>
+        <p:nvPr/>
+      </p:nvGrpSpPr>
+      <p:grpSpPr>
+        <a:xfrm>
+          <a:off x="0" y="0"/>
+          <a:ext cx="0" cy="0"/>
+          <a:chOff x="0" y="0"/>
+          <a:chExt cx="0" cy="0"/>
+        </a:xfrm>
+      </p:grpSpPr>
+      <p:sp>
+        <p:nvSpPr>
+          <p:cNvPr id="2" name="Title 1"/>
+          <p:cNvSpPr>
+            <a:spLocks noGrp="1"/>
+          </p:cNvSpPr>
+          <p:nvPr>
+            <p:ph type="title"/>
+          </p:nvPr>
+        </p:nvSpPr>
+        <p:spPr/>
+        <p:txBody>
+          <a:bodyPr/>
+          <a:lstStyle/>
+          <a:p>
+            <a:r>
+              <a:rPr lang="en-US" dirty="0" smtClean="0"/>
+              <a:t>HTTP Pipeline</a:t>
+            </a:r>
+            <a:endParaRPr lang="en-US" dirty="0"/>
+          </a:p>
+        </p:txBody>
+      </p:sp>
+      <p:sp>
+        <p:nvSpPr>
+          <p:cNvPr id="3" name="Content Placeholder 2"/>
+          <p:cNvSpPr>
+            <a:spLocks noGrp="1"/>
+          </p:cNvSpPr>
+          <p:nvPr>
+            <p:ph idx="1"/>
+          </p:nvPr>
+        </p:nvSpPr>
+        <p:spPr/>
+        <p:txBody>
+          <a:bodyPr/>
+          <a:lstStyle/>
+          <a:p>
+            <a:r>
+              <a:rPr lang="en-US" dirty="0" smtClean="0"/>
+              <a:t>Http modules</a:t>
+            </a:r>
+          </a:p>
+          <a:p>
+            <a:pPr lvl="1"/>
+            <a:r>
+              <a:rPr lang="en-US" dirty="0" smtClean="0"/>
+              <a:t>Have access to incoming requests</a:t>
+            </a:r>
+          </a:p>
+          <a:p>
+            <a:pPr lvl="1"/>
+            <a:r>
+              <a:rPr lang="en-US" dirty="0" smtClean="0"/>
+              <a:t>Can filter or change requests</a:t>
+            </a:r>
+          </a:p>
+          <a:p>
+            <a:pPr lvl="1"/>
+            <a:r>
+              <a:rPr lang="en-US" dirty="0" smtClean="0"/>
+              <a:t>Multiple modules executed per request</a:t>
+            </a:r>
+          </a:p>
+          <a:p>
+            <a:r>
+              <a:rPr lang="en-US" dirty="0" smtClean="0"/>
+              <a:t>Http handlers</a:t>
+            </a:r>
+          </a:p>
+          <a:p>
+            <a:pPr lvl="1"/>
+            <a:r>
+              <a:rPr lang="en-US" dirty="0" smtClean="0"/>
+              <a:t>Generates the response</a:t>
+            </a:r>
+          </a:p>
+          <a:p>
+            <a:pPr lvl="1"/>
+            <a:r>
+              <a:rPr lang="en-US" dirty="0" smtClean="0"/>
+              <a:t>Only one per request</a:t>
+            </a:r>
+          </a:p>
+          <a:p>
+            <a:pPr lvl="1"/>
+            <a:endParaRPr lang="en-US" dirty="0"/>
+          </a:p>
+        </p:txBody>
+      </p:sp>
+      <p:sp>
+        <p:nvSpPr>
+          <p:cNvPr id="4" name="Slide Number Placeholder 3"/>
+          <p:cNvSpPr>
+            <a:spLocks noGrp="1"/>
+          </p:cNvSpPr>
+          <p:nvPr>
+            <p:ph type="sldNum" sz="quarter" idx="10"/>
+          </p:nvPr>
+        </p:nvSpPr>
+        <p:spPr/>
+        <p:txBody>
+          <a:bodyPr/>
+          <a:lstStyle/>
+          <a:p>
+            <a:pPr>
+              <a:defRPr/>
+            </a:pPr>
+            <a:fld id="{58452FF4-89E3-4D1B-9927-2DBDC00E58D7}" type="slidenum">
+              <a:rPr lang="en-US" smtClean="0"/>
+              <a:pPr>
+                <a:defRPr/>
+              </a:pPr>
+              <a:t>46</a:t>
+            </a:fld>
+            <a:endParaRPr lang="en-US" dirty="0"/>
+          </a:p>
+        </p:txBody>
+      </p:sp>
+      <p:pic>
+        <p:nvPicPr>
+          <p:cNvPr id="4098" name="Picture 2" descr="C:\Users\Black\Desktop\iis httppipleline.JPG"/>
+          <p:cNvPicPr>
+            <a:picLocks noChangeAspect="1" noChangeArrowheads="1"/>
+          </p:cNvPicPr>
+          <p:nvPr/>
+        </p:nvPicPr>
+        <p:blipFill>
+          <a:blip r:embed="rId2"/>
+          <a:srcRect/>
+          <a:stretch>
+            <a:fillRect/>
+          </a:stretch>
+        </p:blipFill>
+        <p:spPr bwMode="auto">
+          <a:xfrm>
+            <a:off x="5200650" y="3581400"/>
+            <a:ext cx="3409950" cy="2886075"/>
+          </a:xfrm>
+          <a:prstGeom prst="rect">
+            <a:avLst/>
+          </a:prstGeom>
+          <a:noFill/>
+        </p:spPr>
+      </p:pic>
+    </p:spTree>
+  </p:cSld>
+  <p:clrMapOvr>
+    <a:masterClrMapping/>
+  </p:clrMapOvr>
+  <p:timing>
+    <p:tnLst>
+      <p:par>
+        <p:cTn id="1" dur="indefinite" restart="never" nodeType="tmRoot"/>
+      </p:par>
+    </p:tnLst>
+  </p:timing>
+</p:sld>
+</file>
+
+<file path=ppt/slides/slide47.xml><?xml version="1.0" encoding="utf-8"?>
+<p:sld xmlns:a="http://schemas.openxmlformats.org/drawingml/2006/main" xmlns:r="http://schemas.openxmlformats.org/officeDocument/2006/relationships" xmlns:p="http://schemas.openxmlformats.org/presentationml/2006/main">
+  <p:cSld>
+    <p:spTree>
+      <p:nvGrpSpPr>
+        <p:cNvPr id="1" name=""/>
+        <p:cNvGrpSpPr/>
+        <p:nvPr/>
+      </p:nvGrpSpPr>
+      <p:grpSpPr>
+        <a:xfrm>
+          <a:off x="0" y="0"/>
+          <a:ext cx="0" cy="0"/>
+          <a:chOff x="0" y="0"/>
+          <a:chExt cx="0" cy="0"/>
+        </a:xfrm>
+      </p:grpSpPr>
+      <p:sp>
+        <p:nvSpPr>
+          <p:cNvPr id="2" name="Title 1"/>
+          <p:cNvSpPr>
+            <a:spLocks noGrp="1"/>
+          </p:cNvSpPr>
+          <p:nvPr>
+            <p:ph type="title"/>
+          </p:nvPr>
+        </p:nvSpPr>
+        <p:spPr/>
+        <p:txBody>
+          <a:bodyPr/>
+          <a:lstStyle/>
+          <a:p>
+            <a:r>
+              <a:rPr lang="en-US" dirty="0" smtClean="0"/>
+              <a:t>Website configuration</a:t>
+            </a:r>
+            <a:endParaRPr lang="en-US" dirty="0"/>
+          </a:p>
+        </p:txBody>
+      </p:sp>
+      <p:sp>
+        <p:nvSpPr>
+          <p:cNvPr id="3" name="Content Placeholder 2"/>
+          <p:cNvSpPr>
+            <a:spLocks noGrp="1"/>
+          </p:cNvSpPr>
+          <p:nvPr>
+            <p:ph idx="1"/>
+          </p:nvPr>
+        </p:nvSpPr>
+        <p:spPr>
+          <a:xfrm>
+            <a:off x="228600" y="1066800"/>
+            <a:ext cx="8763000" cy="5638800"/>
+          </a:xfrm>
+        </p:spPr>
+        <p:txBody>
+          <a:bodyPr/>
+          <a:lstStyle/>
+          <a:p>
+            <a:r>
+              <a:rPr lang="en-US" dirty="0" smtClean="0"/>
+              <a:t>Website root directory (C:\inetpub\wwwroot\..)</a:t>
+            </a:r>
+          </a:p>
+          <a:p>
+            <a:r>
+              <a:rPr lang="en-US" dirty="0" smtClean="0"/>
+              <a:t>File system security</a:t>
+            </a:r>
+          </a:p>
+          <a:p>
+            <a:r>
+              <a:rPr lang="en-US" dirty="0" smtClean="0"/>
+              <a:t>Create site in </a:t>
+            </a:r>
+            <a:r>
+              <a:rPr lang="en-US" dirty="0" err="1" smtClean="0"/>
+              <a:t>iis</a:t>
+            </a:r>
+            <a:r>
+              <a:rPr lang="en-US" dirty="0" smtClean="0"/>
+              <a:t> management console</a:t>
+            </a:r>
+          </a:p>
+          <a:p>
+            <a:r>
+              <a:rPr lang="en-US" dirty="0" smtClean="0"/>
+              <a:t>Choose hostname</a:t>
+            </a:r>
+          </a:p>
+          <a:p>
+            <a:r>
+              <a:rPr lang="en-US" dirty="0" smtClean="0"/>
+              <a:t>Choose the </a:t>
+            </a:r>
+            <a:r>
+              <a:rPr lang="en-US" dirty="0" err="1" smtClean="0"/>
+              <a:t>.net</a:t>
+            </a:r>
+            <a:r>
+              <a:rPr lang="en-US" dirty="0" smtClean="0"/>
+              <a:t> framework version</a:t>
+            </a:r>
+          </a:p>
+          <a:p>
+            <a:r>
+              <a:rPr lang="en-US" dirty="0" smtClean="0"/>
+              <a:t>Choose the application pool pipeline mode</a:t>
+            </a:r>
+          </a:p>
+          <a:p>
+            <a:r>
+              <a:rPr lang="en-US" dirty="0" smtClean="0"/>
+              <a:t>Add website address in hosts file (C:\Windows\System32\drivers\etc\hosts)</a:t>
+            </a:r>
+          </a:p>
+          <a:p>
+            <a:r>
+              <a:rPr lang="en-US" dirty="0" smtClean="0"/>
+              <a:t>Additional configuration</a:t>
+            </a:r>
+          </a:p>
+          <a:p>
+            <a:endParaRPr lang="en-US" dirty="0"/>
+          </a:p>
+        </p:txBody>
+      </p:sp>
+      <p:sp>
+        <p:nvSpPr>
+          <p:cNvPr id="4" name="Slide Number Placeholder 3"/>
+          <p:cNvSpPr>
+            <a:spLocks noGrp="1"/>
+          </p:cNvSpPr>
+          <p:nvPr>
+            <p:ph type="sldNum" sz="quarter" idx="10"/>
+          </p:nvPr>
+        </p:nvSpPr>
+        <p:spPr/>
+        <p:txBody>
+          <a:bodyPr/>
+          <a:lstStyle/>
+          <a:p>
+            <a:pPr>
+              <a:defRPr/>
+            </a:pPr>
+            <a:fld id="{58452FF4-89E3-4D1B-9927-2DBDC00E58D7}" type="slidenum">
+              <a:rPr lang="en-US" smtClean="0"/>
+              <a:pPr>
+                <a:defRPr/>
+              </a:pPr>
+              <a:t>47</a:t>
+            </a:fld>
+            <a:endParaRPr lang="en-US" dirty="0"/>
+          </a:p>
+        </p:txBody>
+      </p:sp>
+    </p:spTree>
+  </p:cSld>
+  <p:clrMapOvr>
+    <a:masterClrMapping/>
+  </p:clrMapOvr>
+</p:sld>
+</file>
+
+<file path=ppt/slides/slide48.xml><?xml version="1.0" encoding="utf-8"?>
+<p:sld xmlns:a="http://schemas.openxmlformats.org/drawingml/2006/main" xmlns:r="http://schemas.openxmlformats.org/officeDocument/2006/relationships" xmlns:p="http://schemas.openxmlformats.org/presentationml/2006/main">
+  <p:cSld>
+    <p:spTree>
+      <p:nvGrpSpPr>
+        <p:cNvPr id="1" name=""/>
+        <p:cNvGrpSpPr/>
+        <p:nvPr/>
+      </p:nvGrpSpPr>
+      <p:grpSpPr>
+        <a:xfrm>
+          <a:off x="0" y="0"/>
+          <a:ext cx="0" cy="0"/>
+          <a:chOff x="0" y="0"/>
+          <a:chExt cx="0" cy="0"/>
+        </a:xfrm>
+      </p:grpSpPr>
+      <p:sp>
+        <p:nvSpPr>
           <p:cNvPr id="5" name="Title 4"/>
           <p:cNvSpPr>
             <a:spLocks noGrp="1"/>
@@ -3948,6 +10461,1052 @@
   <p:clrMapOvr>
     <a:masterClrMapping/>
   </p:clrMapOvr>
+  <p:timing>
+    <p:tnLst>
+      <p:par>
+        <p:cTn id="1" dur="indefinite" restart="never" nodeType="tmRoot"/>
+      </p:par>
+    </p:tnLst>
+  </p:timing>
+</p:sld>
+</file>
+
+<file path=ppt/slides/slide49.xml><?xml version="1.0" encoding="utf-8"?>
+<p:sld xmlns:a="http://schemas.openxmlformats.org/drawingml/2006/main" xmlns:r="http://schemas.openxmlformats.org/officeDocument/2006/relationships" xmlns:p="http://schemas.openxmlformats.org/presentationml/2006/main">
+  <p:cSld>
+    <p:spTree>
+      <p:nvGrpSpPr>
+        <p:cNvPr id="1" name=""/>
+        <p:cNvGrpSpPr/>
+        <p:nvPr/>
+      </p:nvGrpSpPr>
+      <p:grpSpPr>
+        <a:xfrm>
+          <a:off x="0" y="0"/>
+          <a:ext cx="0" cy="0"/>
+          <a:chOff x="0" y="0"/>
+          <a:chExt cx="0" cy="0"/>
+        </a:xfrm>
+      </p:grpSpPr>
+      <p:sp>
+        <p:nvSpPr>
+          <p:cNvPr id="2" name="Title 1"/>
+          <p:cNvSpPr>
+            <a:spLocks noGrp="1"/>
+          </p:cNvSpPr>
+          <p:nvPr>
+            <p:ph type="title"/>
+          </p:nvPr>
+        </p:nvSpPr>
+        <p:spPr/>
+        <p:txBody>
+          <a:bodyPr/>
+          <a:lstStyle/>
+          <a:p>
+            <a:r>
+              <a:rPr lang="en-US" dirty="0" smtClean="0"/>
+              <a:t>Useful sites</a:t>
+            </a:r>
+            <a:endParaRPr lang="en-US" dirty="0"/>
+          </a:p>
+        </p:txBody>
+      </p:sp>
+      <p:sp>
+        <p:nvSpPr>
+          <p:cNvPr id="3" name="Content Placeholder 2"/>
+          <p:cNvSpPr>
+            <a:spLocks noGrp="1"/>
+          </p:cNvSpPr>
+          <p:nvPr>
+            <p:ph idx="1"/>
+          </p:nvPr>
+        </p:nvSpPr>
+        <p:spPr>
+          <a:xfrm>
+            <a:off x="2514600" y="1066800"/>
+            <a:ext cx="6400800" cy="5638800"/>
+          </a:xfrm>
+        </p:spPr>
+        <p:txBody>
+          <a:bodyPr/>
+          <a:lstStyle/>
+          <a:p>
+            <a:r>
+              <a:rPr lang="en-US" dirty="0" smtClean="0">
+                <a:hlinkClick r:id="rId2"/>
+              </a:rPr>
+              <a:t>www.asp.net</a:t>
+            </a:r>
+            <a:endParaRPr lang="en-US" dirty="0" smtClean="0"/>
+          </a:p>
+          <a:p>
+            <a:endParaRPr lang="en-US" dirty="0" smtClean="0"/>
+          </a:p>
+          <a:p>
+            <a:r>
+              <a:rPr lang="en-US" dirty="0" smtClean="0">
+                <a:hlinkClick r:id="rId3"/>
+              </a:rPr>
+              <a:t>www.stackoverflow.com</a:t>
+            </a:r>
+            <a:endParaRPr lang="en-US" dirty="0" smtClean="0"/>
+          </a:p>
+          <a:p>
+            <a:pPr>
+              <a:buNone/>
+            </a:pPr>
+            <a:endParaRPr lang="en-US" dirty="0" smtClean="0"/>
+          </a:p>
+          <a:p>
+            <a:r>
+              <a:rPr lang="en-US" dirty="0" smtClean="0">
+                <a:hlinkClick r:id="rId4"/>
+              </a:rPr>
+              <a:t>www.iis.net</a:t>
+            </a:r>
+            <a:endParaRPr lang="en-US" dirty="0" smtClean="0"/>
+          </a:p>
+          <a:p>
+            <a:endParaRPr lang="en-US" dirty="0" smtClean="0"/>
+          </a:p>
+          <a:p>
+            <a:endParaRPr lang="en-US" dirty="0" smtClean="0"/>
+          </a:p>
+          <a:p>
+            <a:r>
+              <a:rPr lang="en-US" smtClean="0">
+                <a:hlinkClick r:id="rId5"/>
+              </a:rPr>
+              <a:t>www.abadjimarinov.net/blog</a:t>
+            </a:r>
+            <a:r>
+              <a:rPr lang="en-US" smtClean="0"/>
+              <a:t>  </a:t>
+            </a:r>
+            <a:endParaRPr lang="en-US" dirty="0"/>
+          </a:p>
+        </p:txBody>
+      </p:sp>
+      <p:sp>
+        <p:nvSpPr>
+          <p:cNvPr id="4" name="Slide Number Placeholder 3"/>
+          <p:cNvSpPr>
+            <a:spLocks noGrp="1"/>
+          </p:cNvSpPr>
+          <p:nvPr>
+            <p:ph type="sldNum" sz="quarter" idx="10"/>
+          </p:nvPr>
+        </p:nvSpPr>
+        <p:spPr/>
+        <p:txBody>
+          <a:bodyPr/>
+          <a:lstStyle/>
+          <a:p>
+            <a:pPr>
+              <a:defRPr/>
+            </a:pPr>
+            <a:fld id="{58452FF4-89E3-4D1B-9927-2DBDC00E58D7}" type="slidenum">
+              <a:rPr lang="en-US" smtClean="0"/>
+              <a:pPr>
+                <a:defRPr/>
+              </a:pPr>
+              <a:t>49</a:t>
+            </a:fld>
+            <a:endParaRPr lang="en-US" dirty="0"/>
+          </a:p>
+        </p:txBody>
+      </p:sp>
+      <p:pic>
+        <p:nvPicPr>
+          <p:cNvPr id="2057" name="Picture 9" descr="C:\Users\Black\Desktop\asp.net.png"/>
+          <p:cNvPicPr>
+            <a:picLocks noChangeAspect="1" noChangeArrowheads="1"/>
+          </p:cNvPicPr>
+          <p:nvPr/>
+        </p:nvPicPr>
+        <p:blipFill>
+          <a:blip r:embed="rId6"/>
+          <a:srcRect/>
+          <a:stretch>
+            <a:fillRect/>
+          </a:stretch>
+        </p:blipFill>
+        <p:spPr bwMode="auto">
+          <a:xfrm>
+            <a:off x="381000" y="1066800"/>
+            <a:ext cx="1895475" cy="904875"/>
+          </a:xfrm>
+          <a:prstGeom prst="rect">
+            <a:avLst/>
+          </a:prstGeom>
+          <a:noFill/>
+        </p:spPr>
+      </p:pic>
+      <p:pic>
+        <p:nvPicPr>
+          <p:cNvPr id="2058" name="Picture 10" descr="C:\Users\Black\Desktop\iis_logo.png">
+            <a:hlinkClick r:id="rId4"/>
+          </p:cNvPr>
+          <p:cNvPicPr>
+            <a:picLocks noChangeAspect="1" noChangeArrowheads="1"/>
+          </p:cNvPicPr>
+          <p:nvPr/>
+        </p:nvPicPr>
+        <p:blipFill>
+          <a:blip r:embed="rId7"/>
+          <a:srcRect/>
+          <a:stretch>
+            <a:fillRect/>
+          </a:stretch>
+        </p:blipFill>
+        <p:spPr bwMode="auto">
+          <a:xfrm>
+            <a:off x="381000" y="3429000"/>
+            <a:ext cx="2032000" cy="965200"/>
+          </a:xfrm>
+          <a:prstGeom prst="rect">
+            <a:avLst/>
+          </a:prstGeom>
+          <a:noFill/>
+        </p:spPr>
+      </p:pic>
+      <p:pic>
+        <p:nvPicPr>
+          <p:cNvPr id="2059" name="Picture 11" descr="C:\Users\Black\Desktop\stackoverflow.com.png"/>
+          <p:cNvPicPr>
+            <a:picLocks noChangeAspect="1" noChangeArrowheads="1"/>
+          </p:cNvPicPr>
+          <p:nvPr/>
+        </p:nvPicPr>
+        <p:blipFill>
+          <a:blip r:embed="rId8"/>
+          <a:srcRect/>
+          <a:stretch>
+            <a:fillRect/>
+          </a:stretch>
+        </p:blipFill>
+        <p:spPr bwMode="auto">
+          <a:xfrm>
+            <a:off x="381001" y="2362200"/>
+            <a:ext cx="2133599" cy="761999"/>
+          </a:xfrm>
+          <a:prstGeom prst="rect">
+            <a:avLst/>
+          </a:prstGeom>
+          <a:noFill/>
+        </p:spPr>
+      </p:pic>
+      <p:pic>
+        <p:nvPicPr>
+          <p:cNvPr id="1026" name="Picture 2" descr="C:\Users\Black\Desktop\superman.jpg"/>
+          <p:cNvPicPr>
+            <a:picLocks noChangeAspect="1" noChangeArrowheads="1"/>
+          </p:cNvPicPr>
+          <p:nvPr/>
+        </p:nvPicPr>
+        <p:blipFill>
+          <a:blip r:embed="rId9"/>
+          <a:srcRect/>
+          <a:stretch>
+            <a:fillRect/>
+          </a:stretch>
+        </p:blipFill>
+        <p:spPr bwMode="auto">
+          <a:xfrm>
+            <a:off x="533400" y="4876800"/>
+            <a:ext cx="1752600" cy="1740514"/>
+          </a:xfrm>
+          <a:prstGeom prst="rect">
+            <a:avLst/>
+          </a:prstGeom>
+          <a:noFill/>
+        </p:spPr>
+      </p:pic>
+    </p:spTree>
+  </p:cSld>
+  <p:clrMapOvr>
+    <a:masterClrMapping/>
+  </p:clrMapOvr>
+  <p:timing>
+    <p:tnLst>
+      <p:par>
+        <p:cTn id="1" dur="indefinite" restart="never" nodeType="tmRoot"/>
+      </p:par>
+    </p:tnLst>
+  </p:timing>
+</p:sld>
+</file>
+
+<file path=ppt/slides/slide5.xml><?xml version="1.0" encoding="utf-8"?>
+<p:sld xmlns:a="http://schemas.openxmlformats.org/drawingml/2006/main" xmlns:r="http://schemas.openxmlformats.org/officeDocument/2006/relationships" xmlns:p="http://schemas.openxmlformats.org/presentationml/2006/main">
+  <p:cSld>
+    <p:spTree>
+      <p:nvGrpSpPr>
+        <p:cNvPr id="1" name=""/>
+        <p:cNvGrpSpPr/>
+        <p:nvPr/>
+      </p:nvGrpSpPr>
+      <p:grpSpPr>
+        <a:xfrm>
+          <a:off x="0" y="0"/>
+          <a:ext cx="0" cy="0"/>
+          <a:chOff x="0" y="0"/>
+          <a:chExt cx="0" cy="0"/>
+        </a:xfrm>
+      </p:grpSpPr>
+      <p:sp>
+        <p:nvSpPr>
+          <p:cNvPr id="2" name="Title 1"/>
+          <p:cNvSpPr>
+            <a:spLocks noGrp="1"/>
+          </p:cNvSpPr>
+          <p:nvPr>
+            <p:ph type="title"/>
+          </p:nvPr>
+        </p:nvSpPr>
+        <p:spPr/>
+        <p:txBody>
+          <a:bodyPr/>
+          <a:lstStyle/>
+          <a:p>
+            <a:r>
+              <a:rPr lang="en-US" dirty="0" smtClean="0"/>
+              <a:t>State management options</a:t>
+            </a:r>
+            <a:endParaRPr lang="en-US" dirty="0"/>
+          </a:p>
+        </p:txBody>
+      </p:sp>
+      <p:sp>
+        <p:nvSpPr>
+          <p:cNvPr id="3" name="Content Placeholder 2"/>
+          <p:cNvSpPr>
+            <a:spLocks noGrp="1"/>
+          </p:cNvSpPr>
+          <p:nvPr>
+            <p:ph idx="1"/>
+          </p:nvPr>
+        </p:nvSpPr>
+        <p:spPr/>
+        <p:txBody>
+          <a:bodyPr/>
+          <a:lstStyle/>
+          <a:p>
+            <a:r>
+              <a:rPr lang="en-US" dirty="0" smtClean="0"/>
+              <a:t>Cookies</a:t>
+            </a:r>
+          </a:p>
+          <a:p>
+            <a:r>
+              <a:rPr lang="en-US" dirty="0" smtClean="0"/>
+              <a:t>Hidden fields</a:t>
+            </a:r>
+          </a:p>
+          <a:p>
+            <a:r>
+              <a:rPr lang="en-US" dirty="0" smtClean="0"/>
+              <a:t>View state (and control state)</a:t>
+            </a:r>
+          </a:p>
+          <a:p>
+            <a:r>
+              <a:rPr lang="en-US" dirty="0" smtClean="0"/>
+              <a:t>Query strings</a:t>
+            </a:r>
+          </a:p>
+          <a:p>
+            <a:r>
+              <a:rPr lang="en-US" dirty="0" smtClean="0"/>
+              <a:t>Application state</a:t>
+            </a:r>
+          </a:p>
+          <a:p>
+            <a:r>
+              <a:rPr lang="en-US" dirty="0" smtClean="0"/>
+              <a:t>Session state</a:t>
+            </a:r>
+          </a:p>
+          <a:p>
+            <a:r>
+              <a:rPr lang="en-US" dirty="0" smtClean="0"/>
+              <a:t>Items collections</a:t>
+            </a:r>
+          </a:p>
+          <a:p>
+            <a:r>
+              <a:rPr lang="en-US" dirty="0" smtClean="0"/>
+              <a:t>Profile properties</a:t>
+            </a:r>
+          </a:p>
+        </p:txBody>
+      </p:sp>
+      <p:sp>
+        <p:nvSpPr>
+          <p:cNvPr id="4" name="Slide Number Placeholder 3"/>
+          <p:cNvSpPr>
+            <a:spLocks noGrp="1"/>
+          </p:cNvSpPr>
+          <p:nvPr>
+            <p:ph type="sldNum" sz="quarter" idx="10"/>
+          </p:nvPr>
+        </p:nvSpPr>
+        <p:spPr/>
+        <p:txBody>
+          <a:bodyPr/>
+          <a:lstStyle/>
+          <a:p>
+            <a:pPr>
+              <a:defRPr/>
+            </a:pPr>
+            <a:fld id="{58452FF4-89E3-4D1B-9927-2DBDC00E58D7}" type="slidenum">
+              <a:rPr lang="en-US" smtClean="0"/>
+              <a:pPr>
+                <a:defRPr/>
+              </a:pPr>
+              <a:t>5</a:t>
+            </a:fld>
+            <a:endParaRPr lang="en-US" dirty="0"/>
+          </a:p>
+        </p:txBody>
+      </p:sp>
+    </p:spTree>
+  </p:cSld>
+  <p:clrMapOvr>
+    <a:masterClrMapping/>
+  </p:clrMapOvr>
+  <p:timing>
+    <p:tnLst>
+      <p:par>
+        <p:cTn id="1" dur="indefinite" restart="never" nodeType="tmRoot"/>
+      </p:par>
+    </p:tnLst>
+  </p:timing>
+</p:sld>
+</file>
+
+<file path=ppt/slides/slide6.xml><?xml version="1.0" encoding="utf-8"?>
+<p:sld xmlns:a="http://schemas.openxmlformats.org/drawingml/2006/main" xmlns:r="http://schemas.openxmlformats.org/officeDocument/2006/relationships" xmlns:p="http://schemas.openxmlformats.org/presentationml/2006/main">
+  <p:cSld>
+    <p:spTree>
+      <p:nvGrpSpPr>
+        <p:cNvPr id="1" name=""/>
+        <p:cNvGrpSpPr/>
+        <p:nvPr/>
+      </p:nvGrpSpPr>
+      <p:grpSpPr>
+        <a:xfrm>
+          <a:off x="0" y="0"/>
+          <a:ext cx="0" cy="0"/>
+          <a:chOff x="0" y="0"/>
+          <a:chExt cx="0" cy="0"/>
+        </a:xfrm>
+      </p:grpSpPr>
+      <p:sp>
+        <p:nvSpPr>
+          <p:cNvPr id="2" name="Title 1"/>
+          <p:cNvSpPr>
+            <a:spLocks noGrp="1"/>
+          </p:cNvSpPr>
+          <p:nvPr>
+            <p:ph type="title"/>
+          </p:nvPr>
+        </p:nvSpPr>
+        <p:spPr/>
+        <p:txBody>
+          <a:bodyPr/>
+          <a:lstStyle/>
+          <a:p>
+            <a:r>
+              <a:rPr lang="en-US" dirty="0" smtClean="0"/>
+              <a:t>Cookies</a:t>
+            </a:r>
+            <a:endParaRPr lang="en-US" dirty="0"/>
+          </a:p>
+        </p:txBody>
+      </p:sp>
+      <p:sp>
+        <p:nvSpPr>
+          <p:cNvPr id="4" name="Slide Number Placeholder 3"/>
+          <p:cNvSpPr>
+            <a:spLocks noGrp="1"/>
+          </p:cNvSpPr>
+          <p:nvPr>
+            <p:ph type="sldNum" sz="quarter" idx="10"/>
+          </p:nvPr>
+        </p:nvSpPr>
+        <p:spPr/>
+        <p:txBody>
+          <a:bodyPr/>
+          <a:lstStyle/>
+          <a:p>
+            <a:pPr>
+              <a:defRPr/>
+            </a:pPr>
+            <a:fld id="{58452FF4-89E3-4D1B-9927-2DBDC00E58D7}" type="slidenum">
+              <a:rPr lang="en-US" smtClean="0"/>
+              <a:pPr>
+                <a:defRPr/>
+              </a:pPr>
+              <a:t>6</a:t>
+            </a:fld>
+            <a:endParaRPr lang="en-US" dirty="0"/>
+          </a:p>
+        </p:txBody>
+      </p:sp>
+      <p:pic>
+        <p:nvPicPr>
+          <p:cNvPr id="1027" name="Picture 3" descr="C:\Users\Black\Desktop\cookieMonster.jpg"/>
+          <p:cNvPicPr>
+            <a:picLocks noChangeAspect="1" noChangeArrowheads="1"/>
+          </p:cNvPicPr>
+          <p:nvPr/>
+        </p:nvPicPr>
+        <p:blipFill>
+          <a:blip r:embed="rId3"/>
+          <a:srcRect/>
+          <a:stretch>
+            <a:fillRect/>
+          </a:stretch>
+        </p:blipFill>
+        <p:spPr bwMode="auto">
+          <a:xfrm>
+            <a:off x="5791200" y="1219200"/>
+            <a:ext cx="3149600" cy="3266585"/>
+          </a:xfrm>
+          <a:prstGeom prst="rect">
+            <a:avLst/>
+          </a:prstGeom>
+          <a:noFill/>
+        </p:spPr>
+      </p:pic>
+      <p:sp>
+        <p:nvSpPr>
+          <p:cNvPr id="3" name="Content Placeholder 2"/>
+          <p:cNvSpPr>
+            <a:spLocks noGrp="1"/>
+          </p:cNvSpPr>
+          <p:nvPr>
+            <p:ph idx="1"/>
+          </p:nvPr>
+        </p:nvSpPr>
+        <p:spPr>
+          <a:xfrm>
+            <a:off x="228600" y="1066800"/>
+            <a:ext cx="8763000" cy="5638800"/>
+          </a:xfrm>
+        </p:spPr>
+        <p:txBody>
+          <a:bodyPr/>
+          <a:lstStyle/>
+          <a:p>
+            <a:r>
+              <a:rPr lang="en-US" dirty="0" smtClean="0"/>
+              <a:t>Small amount of data used                                       to keep state (the HTTP way)</a:t>
+            </a:r>
+          </a:p>
+          <a:p>
+            <a:r>
+              <a:rPr lang="en-US" dirty="0" smtClean="0"/>
+              <a:t>Stored on the client</a:t>
+            </a:r>
+          </a:p>
+          <a:p>
+            <a:pPr lvl="1"/>
+            <a:r>
+              <a:rPr lang="en-US" sz="2600" dirty="0" smtClean="0"/>
+              <a:t>in a text file on the file system</a:t>
+            </a:r>
+          </a:p>
+          <a:p>
+            <a:pPr lvl="1"/>
+            <a:r>
+              <a:rPr lang="en-US" sz="2600" dirty="0" smtClean="0"/>
+              <a:t>in-memory in the browser session</a:t>
+            </a:r>
+          </a:p>
+          <a:p>
+            <a:r>
+              <a:rPr lang="en-US" dirty="0" smtClean="0"/>
+              <a:t>Contains site-specific info</a:t>
+            </a:r>
+          </a:p>
+          <a:p>
+            <a:r>
+              <a:rPr lang="en-US" dirty="0" smtClean="0"/>
+              <a:t>Sent along with the http requests and responses</a:t>
+            </a:r>
+          </a:p>
+          <a:p>
+            <a:r>
+              <a:rPr lang="en-US" dirty="0" smtClean="0"/>
+              <a:t>Persistent cookies</a:t>
+            </a:r>
+          </a:p>
+          <a:p>
+            <a:endParaRPr lang="en-US" dirty="0"/>
+          </a:p>
+        </p:txBody>
+      </p:sp>
+    </p:spTree>
+  </p:cSld>
+  <p:clrMapOvr>
+    <a:masterClrMapping/>
+  </p:clrMapOvr>
+  <p:timing>
+    <p:tnLst>
+      <p:par>
+        <p:cTn id="1" dur="indefinite" restart="never" nodeType="tmRoot"/>
+      </p:par>
+    </p:tnLst>
+  </p:timing>
+</p:sld>
+</file>
+
+<file path=ppt/slides/slide7.xml><?xml version="1.0" encoding="utf-8"?>
+<p:sld xmlns:a="http://schemas.openxmlformats.org/drawingml/2006/main" xmlns:r="http://schemas.openxmlformats.org/officeDocument/2006/relationships" xmlns:p="http://schemas.openxmlformats.org/presentationml/2006/main">
+  <p:cSld>
+    <p:spTree>
+      <p:nvGrpSpPr>
+        <p:cNvPr id="1" name=""/>
+        <p:cNvGrpSpPr/>
+        <p:nvPr/>
+      </p:nvGrpSpPr>
+      <p:grpSpPr>
+        <a:xfrm>
+          <a:off x="0" y="0"/>
+          <a:ext cx="0" cy="0"/>
+          <a:chOff x="0" y="0"/>
+          <a:chExt cx="0" cy="0"/>
+        </a:xfrm>
+      </p:grpSpPr>
+      <p:sp>
+        <p:nvSpPr>
+          <p:cNvPr id="2" name="Title 1"/>
+          <p:cNvSpPr>
+            <a:spLocks noGrp="1"/>
+          </p:cNvSpPr>
+          <p:nvPr>
+            <p:ph type="title"/>
+          </p:nvPr>
+        </p:nvSpPr>
+        <p:spPr/>
+        <p:txBody>
+          <a:bodyPr/>
+          <a:lstStyle/>
+          <a:p>
+            <a:r>
+              <a:rPr lang="en-US" dirty="0" smtClean="0"/>
+              <a:t>Hidden fields</a:t>
+            </a:r>
+            <a:endParaRPr lang="en-US" dirty="0"/>
+          </a:p>
+        </p:txBody>
+      </p:sp>
+      <p:sp>
+        <p:nvSpPr>
+          <p:cNvPr id="3" name="Content Placeholder 2"/>
+          <p:cNvSpPr>
+            <a:spLocks noGrp="1"/>
+          </p:cNvSpPr>
+          <p:nvPr>
+            <p:ph idx="1"/>
+          </p:nvPr>
+        </p:nvSpPr>
+        <p:spPr/>
+        <p:txBody>
+          <a:bodyPr/>
+          <a:lstStyle/>
+          <a:p>
+            <a:r>
+              <a:rPr lang="en-US" dirty="0" smtClean="0"/>
+              <a:t>HTML tag</a:t>
+            </a:r>
+          </a:p>
+          <a:p>
+            <a:r>
+              <a:rPr lang="en-US" dirty="0" smtClean="0"/>
+              <a:t>Not visible in the browser</a:t>
+            </a:r>
+          </a:p>
+          <a:p>
+            <a:r>
+              <a:rPr lang="en-US" dirty="0" smtClean="0"/>
+              <a:t>Visible in the html source of the page</a:t>
+            </a:r>
+          </a:p>
+          <a:p>
+            <a:r>
+              <a:rPr lang="en-US" dirty="0" smtClean="0"/>
+              <a:t>Acts as repository for page-specific info</a:t>
+            </a:r>
+          </a:p>
+          <a:p>
+            <a:r>
+              <a:rPr lang="en-US" dirty="0" smtClean="0"/>
+              <a:t>Stores a single text value</a:t>
+            </a:r>
+          </a:p>
+          <a:p>
+            <a:r>
+              <a:rPr lang="en-US" dirty="0" smtClean="0"/>
+              <a:t>Do not store security sensitive information in hidden fields</a:t>
+            </a:r>
+          </a:p>
+          <a:p>
+            <a:endParaRPr lang="en-US" dirty="0" smtClean="0"/>
+          </a:p>
+          <a:p>
+            <a:endParaRPr lang="en-US" dirty="0"/>
+          </a:p>
+        </p:txBody>
+      </p:sp>
+      <p:sp>
+        <p:nvSpPr>
+          <p:cNvPr id="4" name="Slide Number Placeholder 3"/>
+          <p:cNvSpPr>
+            <a:spLocks noGrp="1"/>
+          </p:cNvSpPr>
+          <p:nvPr>
+            <p:ph type="sldNum" sz="quarter" idx="10"/>
+          </p:nvPr>
+        </p:nvSpPr>
+        <p:spPr/>
+        <p:txBody>
+          <a:bodyPr/>
+          <a:lstStyle/>
+          <a:p>
+            <a:pPr>
+              <a:defRPr/>
+            </a:pPr>
+            <a:fld id="{58452FF4-89E3-4D1B-9927-2DBDC00E58D7}" type="slidenum">
+              <a:rPr lang="en-US" smtClean="0"/>
+              <a:pPr>
+                <a:defRPr/>
+              </a:pPr>
+              <a:t>7</a:t>
+            </a:fld>
+            <a:endParaRPr lang="en-US" dirty="0"/>
+          </a:p>
+        </p:txBody>
+      </p:sp>
+    </p:spTree>
+  </p:cSld>
+  <p:clrMapOvr>
+    <a:masterClrMapping/>
+  </p:clrMapOvr>
+  <p:timing>
+    <p:tnLst>
+      <p:par>
+        <p:cTn id="1" dur="indefinite" restart="never" nodeType="tmRoot"/>
+      </p:par>
+    </p:tnLst>
+  </p:timing>
+</p:sld>
+</file>
+
+<file path=ppt/slides/slide8.xml><?xml version="1.0" encoding="utf-8"?>
+<p:sld xmlns:a="http://schemas.openxmlformats.org/drawingml/2006/main" xmlns:r="http://schemas.openxmlformats.org/officeDocument/2006/relationships" xmlns:p="http://schemas.openxmlformats.org/presentationml/2006/main">
+  <p:cSld>
+    <p:spTree>
+      <p:nvGrpSpPr>
+        <p:cNvPr id="1" name=""/>
+        <p:cNvGrpSpPr/>
+        <p:nvPr/>
+      </p:nvGrpSpPr>
+      <p:grpSpPr>
+        <a:xfrm>
+          <a:off x="0" y="0"/>
+          <a:ext cx="0" cy="0"/>
+          <a:chOff x="0" y="0"/>
+          <a:chExt cx="0" cy="0"/>
+        </a:xfrm>
+      </p:grpSpPr>
+      <p:sp>
+        <p:nvSpPr>
+          <p:cNvPr id="2" name="Title 1"/>
+          <p:cNvSpPr>
+            <a:spLocks noGrp="1"/>
+          </p:cNvSpPr>
+          <p:nvPr>
+            <p:ph type="title"/>
+          </p:nvPr>
+        </p:nvSpPr>
+        <p:spPr/>
+        <p:txBody>
+          <a:bodyPr/>
+          <a:lstStyle/>
+          <a:p>
+            <a:r>
+              <a:rPr lang="en-US" dirty="0" smtClean="0"/>
+              <a:t>View </a:t>
+            </a:r>
+            <a:r>
+              <a:rPr lang="en-US" dirty="0" err="1" smtClean="0"/>
+              <a:t>astate</a:t>
+            </a:r>
+            <a:endParaRPr lang="en-US" dirty="0"/>
+          </a:p>
+        </p:txBody>
+      </p:sp>
+      <p:sp>
+        <p:nvSpPr>
+          <p:cNvPr id="3" name="Content Placeholder 2"/>
+          <p:cNvSpPr>
+            <a:spLocks noGrp="1"/>
+          </p:cNvSpPr>
+          <p:nvPr>
+            <p:ph idx="1"/>
+          </p:nvPr>
+        </p:nvSpPr>
+        <p:spPr/>
+        <p:txBody>
+          <a:bodyPr/>
+          <a:lstStyle/>
+          <a:p>
+            <a:r>
+              <a:rPr lang="en-US" dirty="0" smtClean="0"/>
+              <a:t>Dictionary object for keeping values between multiple requests for the same page</a:t>
+            </a:r>
+          </a:p>
+          <a:p>
+            <a:r>
+              <a:rPr lang="en-US" dirty="0" err="1" smtClean="0"/>
+              <a:t>ViewState</a:t>
+            </a:r>
+            <a:r>
+              <a:rPr lang="en-US" dirty="0" smtClean="0"/>
+              <a:t> is property of </a:t>
+            </a:r>
+            <a:r>
+              <a:rPr lang="en-US" sz="2400" dirty="0" err="1" smtClean="0">
+                <a:latin typeface="Courier New" pitchFamily="49" charset="0"/>
+                <a:cs typeface="Courier New" pitchFamily="49" charset="0"/>
+              </a:rPr>
+              <a:t>System.Web.UI.Control</a:t>
+            </a:r>
+            <a:endParaRPr lang="en-US" sz="2400" dirty="0" smtClean="0">
+              <a:latin typeface="Courier New" pitchFamily="49" charset="0"/>
+              <a:cs typeface="Courier New" pitchFamily="49" charset="0"/>
+            </a:endParaRPr>
+          </a:p>
+          <a:p>
+            <a:r>
+              <a:rPr lang="en-US" dirty="0" smtClean="0"/>
+              <a:t>Default way to keep controls property values between requests</a:t>
+            </a:r>
+          </a:p>
+          <a:p>
+            <a:r>
+              <a:rPr lang="en-US" dirty="0" smtClean="0"/>
+              <a:t>Values are hashed into a string</a:t>
+            </a:r>
+          </a:p>
+          <a:p>
+            <a:r>
+              <a:rPr lang="en-US" dirty="0" smtClean="0"/>
+              <a:t>The string is added to a hidden field</a:t>
+            </a:r>
+          </a:p>
+        </p:txBody>
+      </p:sp>
+      <p:sp>
+        <p:nvSpPr>
+          <p:cNvPr id="4" name="Slide Number Placeholder 3"/>
+          <p:cNvSpPr>
+            <a:spLocks noGrp="1"/>
+          </p:cNvSpPr>
+          <p:nvPr>
+            <p:ph type="sldNum" sz="quarter" idx="10"/>
+          </p:nvPr>
+        </p:nvSpPr>
+        <p:spPr/>
+        <p:txBody>
+          <a:bodyPr/>
+          <a:lstStyle/>
+          <a:p>
+            <a:pPr>
+              <a:defRPr/>
+            </a:pPr>
+            <a:fld id="{58452FF4-89E3-4D1B-9927-2DBDC00E58D7}" type="slidenum">
+              <a:rPr lang="en-US" smtClean="0"/>
+              <a:pPr>
+                <a:defRPr/>
+              </a:pPr>
+              <a:t>8</a:t>
+            </a:fld>
+            <a:endParaRPr lang="en-US" dirty="0"/>
+          </a:p>
+        </p:txBody>
+      </p:sp>
+    </p:spTree>
+  </p:cSld>
+  <p:clrMapOvr>
+    <a:masterClrMapping/>
+  </p:clrMapOvr>
+  <p:timing>
+    <p:tnLst>
+      <p:par>
+        <p:cTn id="1" dur="indefinite" restart="never" nodeType="tmRoot"/>
+      </p:par>
+    </p:tnLst>
+  </p:timing>
+</p:sld>
+</file>
+
+<file path=ppt/slides/slide9.xml><?xml version="1.0" encoding="utf-8"?>
+<p:sld xmlns:a="http://schemas.openxmlformats.org/drawingml/2006/main" xmlns:r="http://schemas.openxmlformats.org/officeDocument/2006/relationships" xmlns:p="http://schemas.openxmlformats.org/presentationml/2006/main">
+  <p:cSld>
+    <p:spTree>
+      <p:nvGrpSpPr>
+        <p:cNvPr id="1" name=""/>
+        <p:cNvGrpSpPr/>
+        <p:nvPr/>
+      </p:nvGrpSpPr>
+      <p:grpSpPr>
+        <a:xfrm>
+          <a:off x="0" y="0"/>
+          <a:ext cx="0" cy="0"/>
+          <a:chOff x="0" y="0"/>
+          <a:chExt cx="0" cy="0"/>
+        </a:xfrm>
+      </p:grpSpPr>
+      <p:sp>
+        <p:nvSpPr>
+          <p:cNvPr id="2" name="Title 1"/>
+          <p:cNvSpPr>
+            <a:spLocks noGrp="1"/>
+          </p:cNvSpPr>
+          <p:nvPr>
+            <p:ph type="title"/>
+          </p:nvPr>
+        </p:nvSpPr>
+        <p:spPr/>
+        <p:txBody>
+          <a:bodyPr/>
+          <a:lstStyle/>
+          <a:p>
+            <a:r>
+              <a:rPr lang="en-US" dirty="0" smtClean="0"/>
+              <a:t>View state</a:t>
+            </a:r>
+            <a:endParaRPr lang="en-US" dirty="0"/>
+          </a:p>
+        </p:txBody>
+      </p:sp>
+      <p:sp>
+        <p:nvSpPr>
+          <p:cNvPr id="3" name="Content Placeholder 2"/>
+          <p:cNvSpPr>
+            <a:spLocks noGrp="1"/>
+          </p:cNvSpPr>
+          <p:nvPr>
+            <p:ph idx="1"/>
+          </p:nvPr>
+        </p:nvSpPr>
+        <p:spPr/>
+        <p:txBody>
+          <a:bodyPr/>
+          <a:lstStyle/>
+          <a:p>
+            <a:r>
+              <a:rPr lang="en-US" dirty="0" smtClean="0"/>
+              <a:t>ASP.NET specific method</a:t>
+            </a:r>
+          </a:p>
+          <a:p>
+            <a:r>
+              <a:rPr lang="en-US" dirty="0" smtClean="0"/>
+              <a:t>Automatic view state management</a:t>
+            </a:r>
+          </a:p>
+          <a:p>
+            <a:r>
+              <a:rPr lang="en-US" dirty="0" smtClean="0"/>
+              <a:t>Can be controlled on different levels</a:t>
+            </a:r>
+          </a:p>
+          <a:p>
+            <a:pPr lvl="1"/>
+            <a:r>
+              <a:rPr lang="en-US" dirty="0" err="1" smtClean="0"/>
+              <a:t>Web.config</a:t>
+            </a:r>
+            <a:r>
+              <a:rPr lang="en-US" dirty="0" smtClean="0"/>
+              <a:t> level</a:t>
+            </a:r>
+          </a:p>
+          <a:p>
+            <a:pPr lvl="1"/>
+            <a:r>
+              <a:rPr lang="en-US" dirty="0" smtClean="0"/>
+              <a:t>@Page directive level</a:t>
+            </a:r>
+          </a:p>
+          <a:p>
+            <a:pPr lvl="1"/>
+            <a:r>
+              <a:rPr lang="en-US" dirty="0" err="1" smtClean="0"/>
+              <a:t>Contol</a:t>
+            </a:r>
+            <a:r>
+              <a:rPr lang="en-US" dirty="0" smtClean="0"/>
+              <a:t> level</a:t>
+            </a:r>
+          </a:p>
+          <a:p>
+            <a:r>
+              <a:rPr lang="en-US" dirty="0" smtClean="0"/>
+              <a:t>View state persistence in extensibility point in asp.net</a:t>
+            </a:r>
+          </a:p>
+          <a:p>
+            <a:endParaRPr lang="en-US" dirty="0"/>
+          </a:p>
+        </p:txBody>
+      </p:sp>
+      <p:sp>
+        <p:nvSpPr>
+          <p:cNvPr id="4" name="Slide Number Placeholder 3"/>
+          <p:cNvSpPr>
+            <a:spLocks noGrp="1"/>
+          </p:cNvSpPr>
+          <p:nvPr>
+            <p:ph type="sldNum" sz="quarter" idx="10"/>
+          </p:nvPr>
+        </p:nvSpPr>
+        <p:spPr/>
+        <p:txBody>
+          <a:bodyPr/>
+          <a:lstStyle/>
+          <a:p>
+            <a:pPr>
+              <a:defRPr/>
+            </a:pPr>
+            <a:fld id="{58452FF4-89E3-4D1B-9927-2DBDC00E58D7}" type="slidenum">
+              <a:rPr lang="en-US" smtClean="0"/>
+              <a:pPr>
+                <a:defRPr/>
+              </a:pPr>
+              <a:t>9</a:t>
+            </a:fld>
+            <a:endParaRPr lang="en-US" dirty="0"/>
+          </a:p>
+        </p:txBody>
+      </p:sp>
+    </p:spTree>
+  </p:cSld>
+  <p:clrMapOvr>
+    <a:masterClrMapping/>
+  </p:clrMapOvr>
+  <p:timing>
+    <p:tnLst>
+      <p:par>
+        <p:cTn id="1" dur="indefinite" restart="never" nodeType="tmRoot"/>
+      </p:par>
+    </p:tnLst>
+  </p:timing>
 </p:sld>
 </file>
 
